--- a/en/组件说明/机器人通用组件/算法/底盘逆运动学解算.assets/gen_diag.pptx
+++ b/en/组件说明/机器人通用组件/算法/底盘逆运动学解算.assets/gen_diag.pptx
@@ -262,7 +262,7 @@
           <a:p>
             <a:fld id="{421F8669-C691-4930-A2F3-1C45358CEF97}" type="datetimeFigureOut">
               <a:rPr lang="zh-CN" altLang="en-US" smtClean="0"/>
-              <a:t>2022/10/17</a:t>
+              <a:t>2023/4/10</a:t>
             </a:fld>
             <a:endParaRPr lang="zh-CN" altLang="en-US"/>
           </a:p>
@@ -460,7 +460,7 @@
           <a:p>
             <a:fld id="{421F8669-C691-4930-A2F3-1C45358CEF97}" type="datetimeFigureOut">
               <a:rPr lang="zh-CN" altLang="en-US" smtClean="0"/>
-              <a:t>2022/10/17</a:t>
+              <a:t>2023/4/10</a:t>
             </a:fld>
             <a:endParaRPr lang="zh-CN" altLang="en-US"/>
           </a:p>
@@ -668,7 +668,7 @@
           <a:p>
             <a:fld id="{421F8669-C691-4930-A2F3-1C45358CEF97}" type="datetimeFigureOut">
               <a:rPr lang="zh-CN" altLang="en-US" smtClean="0"/>
-              <a:t>2022/10/17</a:t>
+              <a:t>2023/4/10</a:t>
             </a:fld>
             <a:endParaRPr lang="zh-CN" altLang="en-US"/>
           </a:p>
@@ -866,7 +866,7 @@
           <a:p>
             <a:fld id="{421F8669-C691-4930-A2F3-1C45358CEF97}" type="datetimeFigureOut">
               <a:rPr lang="zh-CN" altLang="en-US" smtClean="0"/>
-              <a:t>2022/10/17</a:t>
+              <a:t>2023/4/10</a:t>
             </a:fld>
             <a:endParaRPr lang="zh-CN" altLang="en-US"/>
           </a:p>
@@ -1141,7 +1141,7 @@
           <a:p>
             <a:fld id="{421F8669-C691-4930-A2F3-1C45358CEF97}" type="datetimeFigureOut">
               <a:rPr lang="zh-CN" altLang="en-US" smtClean="0"/>
-              <a:t>2022/10/17</a:t>
+              <a:t>2023/4/10</a:t>
             </a:fld>
             <a:endParaRPr lang="zh-CN" altLang="en-US"/>
           </a:p>
@@ -1406,7 +1406,7 @@
           <a:p>
             <a:fld id="{421F8669-C691-4930-A2F3-1C45358CEF97}" type="datetimeFigureOut">
               <a:rPr lang="zh-CN" altLang="en-US" smtClean="0"/>
-              <a:t>2022/10/17</a:t>
+              <a:t>2023/4/10</a:t>
             </a:fld>
             <a:endParaRPr lang="zh-CN" altLang="en-US"/>
           </a:p>
@@ -1818,7 +1818,7 @@
           <a:p>
             <a:fld id="{421F8669-C691-4930-A2F3-1C45358CEF97}" type="datetimeFigureOut">
               <a:rPr lang="zh-CN" altLang="en-US" smtClean="0"/>
-              <a:t>2022/10/17</a:t>
+              <a:t>2023/4/10</a:t>
             </a:fld>
             <a:endParaRPr lang="zh-CN" altLang="en-US"/>
           </a:p>
@@ -1959,7 +1959,7 @@
           <a:p>
             <a:fld id="{421F8669-C691-4930-A2F3-1C45358CEF97}" type="datetimeFigureOut">
               <a:rPr lang="zh-CN" altLang="en-US" smtClean="0"/>
-              <a:t>2022/10/17</a:t>
+              <a:t>2023/4/10</a:t>
             </a:fld>
             <a:endParaRPr lang="zh-CN" altLang="en-US"/>
           </a:p>
@@ -2072,7 +2072,7 @@
           <a:p>
             <a:fld id="{421F8669-C691-4930-A2F3-1C45358CEF97}" type="datetimeFigureOut">
               <a:rPr lang="zh-CN" altLang="en-US" smtClean="0"/>
-              <a:t>2022/10/17</a:t>
+              <a:t>2023/4/10</a:t>
             </a:fld>
             <a:endParaRPr lang="zh-CN" altLang="en-US"/>
           </a:p>
@@ -2383,7 +2383,7 @@
           <a:p>
             <a:fld id="{421F8669-C691-4930-A2F3-1C45358CEF97}" type="datetimeFigureOut">
               <a:rPr lang="zh-CN" altLang="en-US" smtClean="0"/>
-              <a:t>2022/10/17</a:t>
+              <a:t>2023/4/10</a:t>
             </a:fld>
             <a:endParaRPr lang="zh-CN" altLang="en-US"/>
           </a:p>
@@ -2671,7 +2671,7 @@
           <a:p>
             <a:fld id="{421F8669-C691-4930-A2F3-1C45358CEF97}" type="datetimeFigureOut">
               <a:rPr lang="zh-CN" altLang="en-US" smtClean="0"/>
-              <a:t>2022/10/17</a:t>
+              <a:t>2023/4/10</a:t>
             </a:fld>
             <a:endParaRPr lang="zh-CN" altLang="en-US"/>
           </a:p>
@@ -2912,7 +2912,7 @@
           <a:p>
             <a:fld id="{421F8669-C691-4930-A2F3-1C45358CEF97}" type="datetimeFigureOut">
               <a:rPr lang="zh-CN" altLang="en-US" smtClean="0"/>
-              <a:t>2022/10/17</a:t>
+              <a:t>2023/4/10</a:t>
             </a:fld>
             <a:endParaRPr lang="zh-CN" altLang="en-US"/>
           </a:p>
@@ -7863,10 +7863,10 @@
       </p:grpSpPr>
       <p:grpSp>
         <p:nvGrpSpPr>
-          <p:cNvPr id="6" name="组合 5">
+          <p:cNvPr id="94" name="组合 93">
             <a:extLst>
               <a:ext uri="{FF2B5EF4-FFF2-40B4-BE49-F238E27FC236}">
-                <a16:creationId xmlns:a16="http://schemas.microsoft.com/office/drawing/2014/main" id="{EF85E92D-3F8D-4FD8-BE18-176D6A1E32A9}"/>
+                <a16:creationId xmlns:a16="http://schemas.microsoft.com/office/drawing/2014/main" id="{C2E92690-50E2-4A77-9435-2A444A9399FF}"/>
               </a:ext>
             </a:extLst>
           </p:cNvPr>
@@ -7875,70 +7875,18 @@
         </p:nvGrpSpPr>
         <p:grpSpPr>
           <a:xfrm>
-            <a:off x="2823810" y="184505"/>
-            <a:ext cx="5936385" cy="5792962"/>
-            <a:chOff x="2823810" y="184505"/>
-            <a:chExt cx="5936385" cy="5792962"/>
+            <a:off x="0" y="241799"/>
+            <a:ext cx="8824919" cy="5864262"/>
+            <a:chOff x="0" y="241799"/>
+            <a:chExt cx="8824919" cy="5864262"/>
           </a:xfrm>
         </p:grpSpPr>
-        <p:sp>
-          <p:nvSpPr>
-            <p:cNvPr id="4" name="矩形 3">
+        <p:grpSp>
+          <p:nvGrpSpPr>
+            <p:cNvPr id="6" name="组合 5">
               <a:extLst>
                 <a:ext uri="{FF2B5EF4-FFF2-40B4-BE49-F238E27FC236}">
-                  <a16:creationId xmlns:a16="http://schemas.microsoft.com/office/drawing/2014/main" id="{42AE83A8-8559-4659-9962-41C37F416968}"/>
-                </a:ext>
-              </a:extLst>
-            </p:cNvPr>
-            <p:cNvSpPr/>
-            <p:nvPr/>
-          </p:nvSpPr>
-          <p:spPr>
-            <a:xfrm>
-              <a:off x="2823810" y="184505"/>
-              <a:ext cx="5936385" cy="5792962"/>
-            </a:xfrm>
-            <a:prstGeom prst="rect">
-              <a:avLst/>
-            </a:prstGeom>
-            <a:solidFill>
-              <a:schemeClr val="bg1"/>
-            </a:solidFill>
-            <a:ln>
-              <a:noFill/>
-            </a:ln>
-          </p:spPr>
-          <p:style>
-            <a:lnRef idx="2">
-              <a:schemeClr val="accent1">
-                <a:shade val="50000"/>
-              </a:schemeClr>
-            </a:lnRef>
-            <a:fillRef idx="1">
-              <a:schemeClr val="accent1"/>
-            </a:fillRef>
-            <a:effectRef idx="0">
-              <a:schemeClr val="accent1"/>
-            </a:effectRef>
-            <a:fontRef idx="minor">
-              <a:schemeClr val="lt1"/>
-            </a:fontRef>
-          </p:style>
-          <p:txBody>
-            <a:bodyPr rtlCol="0" anchor="ctr"/>
-            <a:lstStyle/>
-            <a:p>
-              <a:pPr algn="ctr"/>
-              <a:endParaRPr lang="zh-CN" altLang="en-US"/>
-            </a:p>
-          </p:txBody>
-        </p:sp>
-        <p:grpSp>
-          <p:nvGrpSpPr>
-            <p:cNvPr id="19" name="组合 18">
-              <a:extLst>
-                <a:ext uri="{FF2B5EF4-FFF2-40B4-BE49-F238E27FC236}">
-                  <a16:creationId xmlns:a16="http://schemas.microsoft.com/office/drawing/2014/main" id="{84C8FDDD-F8AF-4A28-84A8-7A5F7773CDB2}"/>
+                  <a16:creationId xmlns:a16="http://schemas.microsoft.com/office/drawing/2014/main" id="{EF85E92D-3F8D-4FD8-BE18-176D6A1E32A9}"/>
                 </a:ext>
               </a:extLst>
             </p:cNvPr>
@@ -7947,18 +7895,70 @@
           </p:nvGrpSpPr>
           <p:grpSpPr>
             <a:xfrm>
-              <a:off x="2903458" y="474133"/>
-              <a:ext cx="5709647" cy="5178001"/>
-              <a:chOff x="2903458" y="474133"/>
-              <a:chExt cx="5709647" cy="5178001"/>
+              <a:off x="0" y="241799"/>
+              <a:ext cx="8824919" cy="5864262"/>
+              <a:chOff x="2874086" y="-106215"/>
+              <a:chExt cx="8824919" cy="5864262"/>
             </a:xfrm>
           </p:grpSpPr>
+          <p:sp>
+            <p:nvSpPr>
+              <p:cNvPr id="4" name="矩形 3">
+                <a:extLst>
+                  <a:ext uri="{FF2B5EF4-FFF2-40B4-BE49-F238E27FC236}">
+                    <a16:creationId xmlns:a16="http://schemas.microsoft.com/office/drawing/2014/main" id="{42AE83A8-8559-4659-9962-41C37F416968}"/>
+                  </a:ext>
+                </a:extLst>
+              </p:cNvPr>
+              <p:cNvSpPr/>
+              <p:nvPr/>
+            </p:nvSpPr>
+            <p:spPr>
+              <a:xfrm>
+                <a:off x="2874086" y="-106215"/>
+                <a:ext cx="8824919" cy="5864262"/>
+              </a:xfrm>
+              <a:prstGeom prst="rect">
+                <a:avLst/>
+              </a:prstGeom>
+              <a:solidFill>
+                <a:schemeClr val="bg1"/>
+              </a:solidFill>
+              <a:ln>
+                <a:noFill/>
+              </a:ln>
+            </p:spPr>
+            <p:style>
+              <a:lnRef idx="2">
+                <a:schemeClr val="accent1">
+                  <a:shade val="50000"/>
+                </a:schemeClr>
+              </a:lnRef>
+              <a:fillRef idx="1">
+                <a:schemeClr val="accent1"/>
+              </a:fillRef>
+              <a:effectRef idx="0">
+                <a:schemeClr val="accent1"/>
+              </a:effectRef>
+              <a:fontRef idx="minor">
+                <a:schemeClr val="lt1"/>
+              </a:fontRef>
+            </p:style>
+            <p:txBody>
+              <a:bodyPr rtlCol="0" anchor="ctr"/>
+              <a:lstStyle/>
+              <a:p>
+                <a:pPr algn="ctr"/>
+                <a:endParaRPr lang="zh-CN" altLang="en-US"/>
+              </a:p>
+            </p:txBody>
+          </p:sp>
           <p:grpSp>
             <p:nvGrpSpPr>
-              <p:cNvPr id="29" name="组合 28">
+              <p:cNvPr id="19" name="组合 18">
                 <a:extLst>
                   <a:ext uri="{FF2B5EF4-FFF2-40B4-BE49-F238E27FC236}">
-                    <a16:creationId xmlns:a16="http://schemas.microsoft.com/office/drawing/2014/main" id="{8E60805A-3A56-4B3A-9CD8-7ED97C36A2CE}"/>
+                    <a16:creationId xmlns:a16="http://schemas.microsoft.com/office/drawing/2014/main" id="{84C8FDDD-F8AF-4A28-84A8-7A5F7773CDB2}"/>
                   </a:ext>
                 </a:extLst>
               </p:cNvPr>
@@ -7967,18 +7967,18 @@
             </p:nvGrpSpPr>
             <p:grpSpPr>
               <a:xfrm>
-                <a:off x="2903458" y="752019"/>
-                <a:ext cx="5709647" cy="4900115"/>
-                <a:chOff x="3200638" y="1186359"/>
-                <a:chExt cx="5709647" cy="4900115"/>
+                <a:off x="2903458" y="474133"/>
+                <a:ext cx="5709647" cy="5178001"/>
+                <a:chOff x="2903458" y="474133"/>
+                <a:chExt cx="5709647" cy="5178001"/>
               </a:xfrm>
             </p:grpSpPr>
             <p:grpSp>
               <p:nvGrpSpPr>
-                <p:cNvPr id="3" name="组合 2">
+                <p:cNvPr id="29" name="组合 28">
                   <a:extLst>
                     <a:ext uri="{FF2B5EF4-FFF2-40B4-BE49-F238E27FC236}">
-                      <a16:creationId xmlns:a16="http://schemas.microsoft.com/office/drawing/2014/main" id="{A1D8E0F2-436D-4F92-B318-7E7FC6F6CA58}"/>
+                      <a16:creationId xmlns:a16="http://schemas.microsoft.com/office/drawing/2014/main" id="{8E60805A-3A56-4B3A-9CD8-7ED97C36A2CE}"/>
                     </a:ext>
                   </a:extLst>
                 </p:cNvPr>
@@ -7987,50 +7987,900 @@
               </p:nvGrpSpPr>
               <p:grpSpPr>
                 <a:xfrm>
-                  <a:off x="3200638" y="1186359"/>
+                  <a:off x="2903458" y="752019"/>
                   <a:ext cx="5709647" cy="4900115"/>
-                  <a:chOff x="3200638" y="1181381"/>
-                  <a:chExt cx="5709647" cy="4495238"/>
+                  <a:chOff x="3200638" y="1186359"/>
+                  <a:chExt cx="5709647" cy="4900115"/>
                 </a:xfrm>
               </p:grpSpPr>
-              <p:pic>
-                <p:nvPicPr>
-                  <p:cNvPr id="2" name="图片 1">
+              <p:grpSp>
+                <p:nvGrpSpPr>
+                  <p:cNvPr id="3" name="组合 2">
                     <a:extLst>
                       <a:ext uri="{FF2B5EF4-FFF2-40B4-BE49-F238E27FC236}">
-                        <a16:creationId xmlns:a16="http://schemas.microsoft.com/office/drawing/2014/main" id="{D7E9936F-8DC0-4F5C-8A32-EC1B2A513630}"/>
+                        <a16:creationId xmlns:a16="http://schemas.microsoft.com/office/drawing/2014/main" id="{A1D8E0F2-436D-4F92-B318-7E7FC6F6CA58}"/>
                       </a:ext>
                     </a:extLst>
                   </p:cNvPr>
-                  <p:cNvPicPr>
-                    <a:picLocks noChangeAspect="1"/>
-                  </p:cNvPicPr>
+                  <p:cNvGrpSpPr/>
                   <p:nvPr/>
-                </p:nvPicPr>
-                <p:blipFill>
-                  <a:blip r:embed="rId2"/>
-                  <a:stretch>
-                    <a:fillRect/>
-                  </a:stretch>
-                </p:blipFill>
+                </p:nvGrpSpPr>
+                <p:grpSpPr>
+                  <a:xfrm>
+                    <a:off x="3200638" y="1186359"/>
+                    <a:ext cx="5709647" cy="4900115"/>
+                    <a:chOff x="3200638" y="1181381"/>
+                    <a:chExt cx="5709647" cy="4495238"/>
+                  </a:xfrm>
+                </p:grpSpPr>
+                <p:pic>
+                  <p:nvPicPr>
+                    <p:cNvPr id="2" name="图片 1">
+                      <a:extLst>
+                        <a:ext uri="{FF2B5EF4-FFF2-40B4-BE49-F238E27FC236}">
+                          <a16:creationId xmlns:a16="http://schemas.microsoft.com/office/drawing/2014/main" id="{D7E9936F-8DC0-4F5C-8A32-EC1B2A513630}"/>
+                        </a:ext>
+                      </a:extLst>
+                    </p:cNvPr>
+                    <p:cNvPicPr>
+                      <a:picLocks noChangeAspect="1"/>
+                    </p:cNvPicPr>
+                    <p:nvPr/>
+                  </p:nvPicPr>
+                  <p:blipFill>
+                    <a:blip r:embed="rId2"/>
+                    <a:stretch>
+                      <a:fillRect/>
+                    </a:stretch>
+                  </p:blipFill>
+                  <p:spPr>
+                    <a:xfrm>
+                      <a:off x="3281714" y="1181381"/>
+                      <a:ext cx="5628571" cy="4495238"/>
+                    </a:xfrm>
+                    <a:prstGeom prst="rect">
+                      <a:avLst/>
+                    </a:prstGeom>
+                  </p:spPr>
+                </p:pic>
+                <mc:AlternateContent xmlns:mc="http://schemas.openxmlformats.org/markup-compatibility/2006" xmlns:a14="http://schemas.microsoft.com/office/drawing/2010/main">
+                  <mc:Choice Requires="a14">
+                    <p:sp>
+                      <p:nvSpPr>
+                        <p:cNvPr id="10" name="文本框 9">
+                          <a:extLst>
+                            <a:ext uri="{FF2B5EF4-FFF2-40B4-BE49-F238E27FC236}">
+                              <a16:creationId xmlns:a16="http://schemas.microsoft.com/office/drawing/2014/main" id="{A152B024-AFB1-4125-8D49-6356A3CE7D60}"/>
+                            </a:ext>
+                          </a:extLst>
+                        </p:cNvPr>
+                        <p:cNvSpPr txBox="1"/>
+                        <p:nvPr/>
+                      </p:nvSpPr>
+                      <p:spPr>
+                        <a:xfrm>
+                          <a:off x="4687599" y="1222132"/>
+                          <a:ext cx="558970" cy="423519"/>
+                        </a:xfrm>
+                        <a:prstGeom prst="rect">
+                          <a:avLst/>
+                        </a:prstGeom>
+                        <a:solidFill>
+                          <a:schemeClr val="bg1"/>
+                        </a:solidFill>
+                      </p:spPr>
+                      <p:txBody>
+                        <a:bodyPr wrap="square" rtlCol="0">
+                          <a:spAutoFit/>
+                        </a:bodyPr>
+                        <a:lstStyle/>
+                        <a:p>
+                          <a:pPr/>
+                          <a14:m>
+                            <m:oMathPara xmlns:m="http://schemas.openxmlformats.org/officeDocument/2006/math">
+                              <m:oMathParaPr>
+                                <m:jc m:val="centerGroup"/>
+                              </m:oMathParaPr>
+                              <m:oMath xmlns:m="http://schemas.openxmlformats.org/officeDocument/2006/math">
+                                <m:sSub>
+                                  <m:sSubPr>
+                                    <m:ctrlPr>
+                                      <a:rPr lang="en-US" altLang="zh-CN" sz="2400" b="1" i="1" dirty="0" smtClean="0">
+                                        <a:latin typeface="Cambria Math" panose="02040503050406030204" pitchFamily="18" charset="0"/>
+                                        <a:cs typeface="Times New Roman" panose="02020603050405020304" pitchFamily="18" charset="0"/>
+                                      </a:rPr>
+                                    </m:ctrlPr>
+                                  </m:sSubPr>
+                                  <m:e>
+                                    <m:r>
+                                      <a:rPr lang="en-US" altLang="zh-CN" sz="2400" b="1" i="1" dirty="0">
+                                        <a:latin typeface="Cambria Math" panose="02040503050406030204" pitchFamily="18" charset="0"/>
+                                        <a:cs typeface="Times New Roman" panose="02020603050405020304" pitchFamily="18" charset="0"/>
+                                      </a:rPr>
+                                      <m:t>𝒗</m:t>
+                                    </m:r>
+                                  </m:e>
+                                  <m:sub>
+                                    <m:r>
+                                      <a:rPr lang="en-US" altLang="zh-CN" sz="2400" b="1" i="1" dirty="0" smtClean="0">
+                                        <a:latin typeface="Cambria Math" panose="02040503050406030204" pitchFamily="18" charset="0"/>
+                                        <a:cs typeface="Times New Roman" panose="02020603050405020304" pitchFamily="18" charset="0"/>
+                                      </a:rPr>
+                                      <m:t>𝒔</m:t>
+                                    </m:r>
+                                    <m:r>
+                                      <a:rPr lang="en-US" altLang="zh-CN" sz="2400" b="1" i="1" dirty="0" smtClean="0">
+                                        <a:latin typeface="Cambria Math" panose="02040503050406030204" pitchFamily="18" charset="0"/>
+                                        <a:cs typeface="Times New Roman" panose="02020603050405020304" pitchFamily="18" charset="0"/>
+                                      </a:rPr>
+                                      <m:t>𝟏</m:t>
+                                    </m:r>
+                                  </m:sub>
+                                </m:sSub>
+                              </m:oMath>
+                            </m:oMathPara>
+                          </a14:m>
+                          <a:endParaRPr lang="zh-CN" altLang="en-US" sz="2400" b="1" i="1" dirty="0">
+                            <a:latin typeface="Cambria Math" panose="02040503050406030204" pitchFamily="18" charset="0"/>
+                            <a:cs typeface="Times New Roman" panose="02020603050405020304" pitchFamily="18" charset="0"/>
+                          </a:endParaRPr>
+                        </a:p>
+                      </p:txBody>
+                    </p:sp>
+                  </mc:Choice>
+                  <mc:Fallback xmlns="">
+                    <p:sp>
+                      <p:nvSpPr>
+                        <p:cNvPr id="10" name="文本框 9">
+                          <a:extLst>
+                            <a:ext uri="{FF2B5EF4-FFF2-40B4-BE49-F238E27FC236}">
+                              <a16:creationId xmlns:a16="http://schemas.microsoft.com/office/drawing/2014/main" id="{A152B024-AFB1-4125-8D49-6356A3CE7D60}"/>
+                            </a:ext>
+                          </a:extLst>
+                        </p:cNvPr>
+                        <p:cNvSpPr txBox="1">
+                          <a:spLocks noRot="1" noChangeAspect="1" noMove="1" noResize="1" noEditPoints="1" noAdjustHandles="1" noChangeArrowheads="1" noChangeShapeType="1" noTextEdit="1"/>
+                        </p:cNvSpPr>
+                        <p:nvPr/>
+                      </p:nvSpPr>
+                      <p:spPr>
+                        <a:xfrm>
+                          <a:off x="4687599" y="1222132"/>
+                          <a:ext cx="558970" cy="423519"/>
+                        </a:xfrm>
+                        <a:prstGeom prst="rect">
+                          <a:avLst/>
+                        </a:prstGeom>
+                        <a:blipFill>
+                          <a:blip r:embed="rId3"/>
+                          <a:stretch>
+                            <a:fillRect r="-7609" b="-5333"/>
+                          </a:stretch>
+                        </a:blipFill>
+                      </p:spPr>
+                      <p:txBody>
+                        <a:bodyPr/>
+                        <a:lstStyle/>
+                        <a:p>
+                          <a:r>
+                            <a:rPr lang="zh-CN" altLang="en-US">
+                              <a:noFill/>
+                            </a:rPr>
+                            <a:t> </a:t>
+                          </a:r>
+                        </a:p>
+                      </p:txBody>
+                    </p:sp>
+                  </mc:Fallback>
+                </mc:AlternateContent>
+                <mc:AlternateContent xmlns:mc="http://schemas.openxmlformats.org/markup-compatibility/2006" xmlns:a14="http://schemas.microsoft.com/office/drawing/2010/main">
+                  <mc:Choice Requires="a14">
+                    <p:sp>
+                      <p:nvSpPr>
+                        <p:cNvPr id="12" name="文本框 11">
+                          <a:extLst>
+                            <a:ext uri="{FF2B5EF4-FFF2-40B4-BE49-F238E27FC236}">
+                              <a16:creationId xmlns:a16="http://schemas.microsoft.com/office/drawing/2014/main" id="{E0896BE0-9BC6-4E96-859A-E67A7E266F9D}"/>
+                            </a:ext>
+                          </a:extLst>
+                        </p:cNvPr>
+                        <p:cNvSpPr txBox="1"/>
+                        <p:nvPr/>
+                      </p:nvSpPr>
+                      <p:spPr>
+                        <a:xfrm>
+                          <a:off x="3200638" y="2803527"/>
+                          <a:ext cx="699226" cy="423519"/>
+                        </a:xfrm>
+                        <a:prstGeom prst="rect">
+                          <a:avLst/>
+                        </a:prstGeom>
+                        <a:solidFill>
+                          <a:schemeClr val="bg1"/>
+                        </a:solidFill>
+                      </p:spPr>
+                      <p:txBody>
+                        <a:bodyPr wrap="square" rtlCol="0">
+                          <a:spAutoFit/>
+                        </a:bodyPr>
+                        <a:lstStyle/>
+                        <a:p>
+                          <a:pPr/>
+                          <a14:m>
+                            <m:oMathPara xmlns:m="http://schemas.openxmlformats.org/officeDocument/2006/math">
+                              <m:oMathParaPr>
+                                <m:jc m:val="centerGroup"/>
+                              </m:oMathParaPr>
+                              <m:oMath xmlns:m="http://schemas.openxmlformats.org/officeDocument/2006/math">
+                                <m:sSub>
+                                  <m:sSubPr>
+                                    <m:ctrlPr>
+                                      <a:rPr lang="en-US" altLang="zh-CN" sz="2400" b="1" i="1" dirty="0" smtClean="0">
+                                        <a:latin typeface="Cambria Math" panose="02040503050406030204" pitchFamily="18" charset="0"/>
+                                        <a:cs typeface="Times New Roman" panose="02020603050405020304" pitchFamily="18" charset="0"/>
+                                      </a:rPr>
+                                    </m:ctrlPr>
+                                  </m:sSubPr>
+                                  <m:e>
+                                    <m:r>
+                                      <a:rPr lang="en-US" altLang="zh-CN" sz="2400" b="1" i="1" dirty="0" smtClean="0">
+                                        <a:latin typeface="Cambria Math" panose="02040503050406030204" pitchFamily="18" charset="0"/>
+                                        <a:cs typeface="Times New Roman" panose="02020603050405020304" pitchFamily="18" charset="0"/>
+                                      </a:rPr>
+                                      <m:t>𝒗</m:t>
+                                    </m:r>
+                                  </m:e>
+                                  <m:sub>
+                                    <m:r>
+                                      <a:rPr lang="en-US" altLang="zh-CN" sz="2400" b="1" i="1" dirty="0" smtClean="0">
+                                        <a:latin typeface="Cambria Math" panose="02040503050406030204" pitchFamily="18" charset="0"/>
+                                        <a:cs typeface="Times New Roman" panose="02020603050405020304" pitchFamily="18" charset="0"/>
+                                      </a:rPr>
+                                      <m:t>𝒔</m:t>
+                                    </m:r>
+                                    <m:r>
+                                      <a:rPr lang="en-US" altLang="zh-CN" sz="2400" b="1" i="1" dirty="0" smtClean="0">
+                                        <a:latin typeface="Cambria Math" panose="02040503050406030204" pitchFamily="18" charset="0"/>
+                                        <a:cs typeface="Times New Roman" panose="02020603050405020304" pitchFamily="18" charset="0"/>
+                                      </a:rPr>
+                                      <m:t>𝟐</m:t>
+                                    </m:r>
+                                  </m:sub>
+                                </m:sSub>
+                              </m:oMath>
+                            </m:oMathPara>
+                          </a14:m>
+                          <a:endParaRPr lang="zh-CN" altLang="en-US" sz="2400" b="1" i="1" dirty="0">
+                            <a:latin typeface="Times New Roman" panose="02020603050405020304" pitchFamily="18" charset="0"/>
+                            <a:cs typeface="Times New Roman" panose="02020603050405020304" pitchFamily="18" charset="0"/>
+                          </a:endParaRPr>
+                        </a:p>
+                      </p:txBody>
+                    </p:sp>
+                  </mc:Choice>
+                  <mc:Fallback xmlns="">
+                    <p:sp>
+                      <p:nvSpPr>
+                        <p:cNvPr id="12" name="文本框 11">
+                          <a:extLst>
+                            <a:ext uri="{FF2B5EF4-FFF2-40B4-BE49-F238E27FC236}">
+                              <a16:creationId xmlns:a16="http://schemas.microsoft.com/office/drawing/2014/main" id="{E0896BE0-9BC6-4E96-859A-E67A7E266F9D}"/>
+                            </a:ext>
+                          </a:extLst>
+                        </p:cNvPr>
+                        <p:cNvSpPr txBox="1">
+                          <a:spLocks noRot="1" noChangeAspect="1" noMove="1" noResize="1" noEditPoints="1" noAdjustHandles="1" noChangeArrowheads="1" noChangeShapeType="1" noTextEdit="1"/>
+                        </p:cNvSpPr>
+                        <p:nvPr/>
+                      </p:nvSpPr>
+                      <p:spPr>
+                        <a:xfrm>
+                          <a:off x="3200638" y="2803527"/>
+                          <a:ext cx="699226" cy="423519"/>
+                        </a:xfrm>
+                        <a:prstGeom prst="rect">
+                          <a:avLst/>
+                        </a:prstGeom>
+                        <a:blipFill>
+                          <a:blip r:embed="rId4"/>
+                          <a:stretch>
+                            <a:fillRect b="-3947"/>
+                          </a:stretch>
+                        </a:blipFill>
+                      </p:spPr>
+                      <p:txBody>
+                        <a:bodyPr/>
+                        <a:lstStyle/>
+                        <a:p>
+                          <a:r>
+                            <a:rPr lang="zh-CN" altLang="en-US">
+                              <a:noFill/>
+                            </a:rPr>
+                            <a:t> </a:t>
+                          </a:r>
+                        </a:p>
+                      </p:txBody>
+                    </p:sp>
+                  </mc:Fallback>
+                </mc:AlternateContent>
+                <mc:AlternateContent xmlns:mc="http://schemas.openxmlformats.org/markup-compatibility/2006" xmlns:a14="http://schemas.microsoft.com/office/drawing/2010/main">
+                  <mc:Choice Requires="a14">
+                    <p:sp>
+                      <p:nvSpPr>
+                        <p:cNvPr id="14" name="文本框 13">
+                          <a:extLst>
+                            <a:ext uri="{FF2B5EF4-FFF2-40B4-BE49-F238E27FC236}">
+                              <a16:creationId xmlns:a16="http://schemas.microsoft.com/office/drawing/2014/main" id="{593D6791-297B-4637-8D5C-5D3B83DC6B8C}"/>
+                            </a:ext>
+                          </a:extLst>
+                        </p:cNvPr>
+                        <p:cNvSpPr txBox="1"/>
+                        <p:nvPr/>
+                      </p:nvSpPr>
+                      <p:spPr>
+                        <a:xfrm>
+                          <a:off x="6864168" y="1227530"/>
+                          <a:ext cx="558965" cy="423519"/>
+                        </a:xfrm>
+                        <a:prstGeom prst="rect">
+                          <a:avLst/>
+                        </a:prstGeom>
+                        <a:solidFill>
+                          <a:schemeClr val="bg1"/>
+                        </a:solidFill>
+                      </p:spPr>
+                      <p:txBody>
+                        <a:bodyPr wrap="square" rtlCol="0">
+                          <a:spAutoFit/>
+                        </a:bodyPr>
+                        <a:lstStyle/>
+                        <a:p>
+                          <a:pPr/>
+                          <a14:m>
+                            <m:oMathPara xmlns:m="http://schemas.openxmlformats.org/officeDocument/2006/math">
+                              <m:oMathParaPr>
+                                <m:jc m:val="centerGroup"/>
+                              </m:oMathParaPr>
+                              <m:oMath xmlns:m="http://schemas.openxmlformats.org/officeDocument/2006/math">
+                                <m:sSub>
+                                  <m:sSubPr>
+                                    <m:ctrlPr>
+                                      <a:rPr lang="en-US" altLang="zh-CN" sz="2400" b="1" i="1" dirty="0" smtClean="0">
+                                        <a:latin typeface="Cambria Math" panose="02040503050406030204" pitchFamily="18" charset="0"/>
+                                        <a:cs typeface="Times New Roman" panose="02020603050405020304" pitchFamily="18" charset="0"/>
+                                      </a:rPr>
+                                    </m:ctrlPr>
+                                  </m:sSubPr>
+                                  <m:e>
+                                    <m:r>
+                                      <a:rPr lang="en-US" altLang="zh-CN" sz="2400" b="1" i="1" dirty="0" smtClean="0">
+                                        <a:latin typeface="Cambria Math" panose="02040503050406030204" pitchFamily="18" charset="0"/>
+                                        <a:cs typeface="Times New Roman" panose="02020603050405020304" pitchFamily="18" charset="0"/>
+                                      </a:rPr>
+                                      <m:t>𝒗</m:t>
+                                    </m:r>
+                                  </m:e>
+                                  <m:sub>
+                                    <m:r>
+                                      <a:rPr lang="en-US" altLang="zh-CN" sz="2400" b="1" i="1" dirty="0" smtClean="0">
+                                        <a:latin typeface="Cambria Math" panose="02040503050406030204" pitchFamily="18" charset="0"/>
+                                        <a:cs typeface="Times New Roman" panose="02020603050405020304" pitchFamily="18" charset="0"/>
+                                      </a:rPr>
+                                      <m:t>𝒔</m:t>
+                                    </m:r>
+                                    <m:r>
+                                      <a:rPr lang="en-US" altLang="zh-CN" sz="2400" b="1" i="1" dirty="0" smtClean="0">
+                                        <a:latin typeface="Cambria Math" panose="02040503050406030204" pitchFamily="18" charset="0"/>
+                                        <a:cs typeface="Times New Roman" panose="02020603050405020304" pitchFamily="18" charset="0"/>
+                                      </a:rPr>
+                                      <m:t>𝟒</m:t>
+                                    </m:r>
+                                  </m:sub>
+                                </m:sSub>
+                              </m:oMath>
+                            </m:oMathPara>
+                          </a14:m>
+                          <a:endParaRPr lang="zh-CN" altLang="en-US" sz="2800" b="1" i="1" dirty="0">
+                            <a:latin typeface="Times New Roman" panose="02020603050405020304" pitchFamily="18" charset="0"/>
+                            <a:cs typeface="Times New Roman" panose="02020603050405020304" pitchFamily="18" charset="0"/>
+                          </a:endParaRPr>
+                        </a:p>
+                      </p:txBody>
+                    </p:sp>
+                  </mc:Choice>
+                  <mc:Fallback xmlns="">
+                    <p:sp>
+                      <p:nvSpPr>
+                        <p:cNvPr id="14" name="文本框 13">
+                          <a:extLst>
+                            <a:ext uri="{FF2B5EF4-FFF2-40B4-BE49-F238E27FC236}">
+                              <a16:creationId xmlns:a16="http://schemas.microsoft.com/office/drawing/2014/main" id="{593D6791-297B-4637-8D5C-5D3B83DC6B8C}"/>
+                            </a:ext>
+                          </a:extLst>
+                        </p:cNvPr>
+                        <p:cNvSpPr txBox="1">
+                          <a:spLocks noRot="1" noChangeAspect="1" noMove="1" noResize="1" noEditPoints="1" noAdjustHandles="1" noChangeArrowheads="1" noChangeShapeType="1" noTextEdit="1"/>
+                        </p:cNvSpPr>
+                        <p:nvPr/>
+                      </p:nvSpPr>
+                      <p:spPr>
+                        <a:xfrm>
+                          <a:off x="6864168" y="1227530"/>
+                          <a:ext cx="558965" cy="423519"/>
+                        </a:xfrm>
+                        <a:prstGeom prst="rect">
+                          <a:avLst/>
+                        </a:prstGeom>
+                        <a:blipFill>
+                          <a:blip r:embed="rId5"/>
+                          <a:stretch>
+                            <a:fillRect r="-7609" b="-4000"/>
+                          </a:stretch>
+                        </a:blipFill>
+                      </p:spPr>
+                      <p:txBody>
+                        <a:bodyPr/>
+                        <a:lstStyle/>
+                        <a:p>
+                          <a:r>
+                            <a:rPr lang="zh-CN" altLang="en-US">
+                              <a:noFill/>
+                            </a:rPr>
+                            <a:t> </a:t>
+                          </a:r>
+                        </a:p>
+                      </p:txBody>
+                    </p:sp>
+                  </mc:Fallback>
+                </mc:AlternateContent>
+                <mc:AlternateContent xmlns:mc="http://schemas.openxmlformats.org/markup-compatibility/2006" xmlns:a14="http://schemas.microsoft.com/office/drawing/2010/main">
+                  <mc:Choice Requires="a14">
+                    <p:sp>
+                      <p:nvSpPr>
+                        <p:cNvPr id="16" name="文本框 15">
+                          <a:extLst>
+                            <a:ext uri="{FF2B5EF4-FFF2-40B4-BE49-F238E27FC236}">
+                              <a16:creationId xmlns:a16="http://schemas.microsoft.com/office/drawing/2014/main" id="{7F1436C2-A02D-4BC4-AD15-174D90EA6E37}"/>
+                            </a:ext>
+                          </a:extLst>
+                        </p:cNvPr>
+                        <p:cNvSpPr txBox="1"/>
+                        <p:nvPr/>
+                      </p:nvSpPr>
+                      <p:spPr>
+                        <a:xfrm>
+                          <a:off x="8211059" y="2695823"/>
+                          <a:ext cx="699226" cy="423519"/>
+                        </a:xfrm>
+                        <a:prstGeom prst="rect">
+                          <a:avLst/>
+                        </a:prstGeom>
+                        <a:solidFill>
+                          <a:schemeClr val="bg1"/>
+                        </a:solidFill>
+                      </p:spPr>
+                      <p:txBody>
+                        <a:bodyPr wrap="square" rtlCol="0">
+                          <a:spAutoFit/>
+                        </a:bodyPr>
+                        <a:lstStyle/>
+                        <a:p>
+                          <a:pPr/>
+                          <a14:m>
+                            <m:oMathPara xmlns:m="http://schemas.openxmlformats.org/officeDocument/2006/math">
+                              <m:oMathParaPr>
+                                <m:jc m:val="centerGroup"/>
+                              </m:oMathParaPr>
+                              <m:oMath xmlns:m="http://schemas.openxmlformats.org/officeDocument/2006/math">
+                                <m:sSub>
+                                  <m:sSubPr>
+                                    <m:ctrlPr>
+                                      <a:rPr lang="en-US" altLang="zh-CN" sz="2400" b="1" i="1" dirty="0" smtClean="0">
+                                        <a:latin typeface="Cambria Math" panose="02040503050406030204" pitchFamily="18" charset="0"/>
+                                        <a:cs typeface="Times New Roman" panose="02020603050405020304" pitchFamily="18" charset="0"/>
+                                      </a:rPr>
+                                    </m:ctrlPr>
+                                  </m:sSubPr>
+                                  <m:e>
+                                    <m:r>
+                                      <a:rPr lang="en-US" altLang="zh-CN" sz="2400" b="1" i="1" dirty="0" smtClean="0">
+                                        <a:latin typeface="Cambria Math" panose="02040503050406030204" pitchFamily="18" charset="0"/>
+                                        <a:cs typeface="Times New Roman" panose="02020603050405020304" pitchFamily="18" charset="0"/>
+                                      </a:rPr>
+                                      <m:t>𝒗</m:t>
+                                    </m:r>
+                                  </m:e>
+                                  <m:sub>
+                                    <m:r>
+                                      <a:rPr lang="en-US" altLang="zh-CN" sz="2400" b="1" i="1" dirty="0" smtClean="0">
+                                        <a:latin typeface="Cambria Math" panose="02040503050406030204" pitchFamily="18" charset="0"/>
+                                        <a:cs typeface="Times New Roman" panose="02020603050405020304" pitchFamily="18" charset="0"/>
+                                      </a:rPr>
+                                      <m:t>𝒔</m:t>
+                                    </m:r>
+                                    <m:r>
+                                      <a:rPr lang="en-US" altLang="zh-CN" sz="2400" b="1" i="1" dirty="0" smtClean="0">
+                                        <a:latin typeface="Cambria Math" panose="02040503050406030204" pitchFamily="18" charset="0"/>
+                                        <a:cs typeface="Times New Roman" panose="02020603050405020304" pitchFamily="18" charset="0"/>
+                                      </a:rPr>
+                                      <m:t>𝟑</m:t>
+                                    </m:r>
+                                  </m:sub>
+                                </m:sSub>
+                              </m:oMath>
+                            </m:oMathPara>
+                          </a14:m>
+                          <a:endParaRPr lang="zh-CN" altLang="en-US" sz="2400" b="1" i="1" dirty="0">
+                            <a:latin typeface="Times New Roman" panose="02020603050405020304" pitchFamily="18" charset="0"/>
+                            <a:cs typeface="Times New Roman" panose="02020603050405020304" pitchFamily="18" charset="0"/>
+                          </a:endParaRPr>
+                        </a:p>
+                      </p:txBody>
+                    </p:sp>
+                  </mc:Choice>
+                  <mc:Fallback xmlns="">
+                    <p:sp>
+                      <p:nvSpPr>
+                        <p:cNvPr id="16" name="文本框 15">
+                          <a:extLst>
+                            <a:ext uri="{FF2B5EF4-FFF2-40B4-BE49-F238E27FC236}">
+                              <a16:creationId xmlns:a16="http://schemas.microsoft.com/office/drawing/2014/main" id="{7F1436C2-A02D-4BC4-AD15-174D90EA6E37}"/>
+                            </a:ext>
+                          </a:extLst>
+                        </p:cNvPr>
+                        <p:cNvSpPr txBox="1">
+                          <a:spLocks noRot="1" noChangeAspect="1" noMove="1" noResize="1" noEditPoints="1" noAdjustHandles="1" noChangeArrowheads="1" noChangeShapeType="1" noTextEdit="1"/>
+                        </p:cNvSpPr>
+                        <p:nvPr/>
+                      </p:nvSpPr>
+                      <p:spPr>
+                        <a:xfrm>
+                          <a:off x="8211059" y="2695823"/>
+                          <a:ext cx="699226" cy="423519"/>
+                        </a:xfrm>
+                        <a:prstGeom prst="rect">
+                          <a:avLst/>
+                        </a:prstGeom>
+                        <a:blipFill>
+                          <a:blip r:embed="rId6"/>
+                          <a:stretch>
+                            <a:fillRect b="-3947"/>
+                          </a:stretch>
+                        </a:blipFill>
+                      </p:spPr>
+                      <p:txBody>
+                        <a:bodyPr/>
+                        <a:lstStyle/>
+                        <a:p>
+                          <a:r>
+                            <a:rPr lang="zh-CN" altLang="en-US">
+                              <a:noFill/>
+                            </a:rPr>
+                            <a:t> </a:t>
+                          </a:r>
+                        </a:p>
+                      </p:txBody>
+                    </p:sp>
+                  </mc:Fallback>
+                </mc:AlternateContent>
+              </p:grpSp>
+              <p:cxnSp>
+                <p:nvCxnSpPr>
+                  <p:cNvPr id="18" name="直接箭头连接符 17">
+                    <a:extLst>
+                      <a:ext uri="{FF2B5EF4-FFF2-40B4-BE49-F238E27FC236}">
+                        <a16:creationId xmlns:a16="http://schemas.microsoft.com/office/drawing/2014/main" id="{891E72F7-21A1-48F4-8618-E72ACF50E3C2}"/>
+                      </a:ext>
+                    </a:extLst>
+                  </p:cNvPr>
+                  <p:cNvCxnSpPr>
+                    <a:cxnSpLocks/>
+                  </p:cNvCxnSpPr>
+                  <p:nvPr/>
+                </p:nvCxnSpPr>
                 <p:spPr>
                   <a:xfrm>
-                    <a:off x="3281714" y="1181381"/>
-                    <a:ext cx="5628571" cy="4495238"/>
+                    <a:off x="6306253" y="2027483"/>
+                    <a:ext cx="0" cy="2315917"/>
+                  </a:xfrm>
+                  <a:prstGeom prst="straightConnector1">
+                    <a:avLst/>
+                  </a:prstGeom>
+                  <a:ln w="38100">
+                    <a:headEnd type="triangle"/>
+                    <a:tailEnd type="triangle"/>
+                  </a:ln>
+                </p:spPr>
+                <p:style>
+                  <a:lnRef idx="3">
+                    <a:schemeClr val="accent3"/>
+                  </a:lnRef>
+                  <a:fillRef idx="0">
+                    <a:schemeClr val="accent3"/>
+                  </a:fillRef>
+                  <a:effectRef idx="2">
+                    <a:schemeClr val="accent3"/>
+                  </a:effectRef>
+                  <a:fontRef idx="minor">
+                    <a:schemeClr val="tx1"/>
+                  </a:fontRef>
+                </p:style>
+              </p:cxnSp>
+              <p:sp>
+                <p:nvSpPr>
+                  <p:cNvPr id="20" name="文本框 19">
+                    <a:extLst>
+                      <a:ext uri="{FF2B5EF4-FFF2-40B4-BE49-F238E27FC236}">
+                        <a16:creationId xmlns:a16="http://schemas.microsoft.com/office/drawing/2014/main" id="{A7DEC3FE-5C5D-40AC-A2BD-EAC1D9695ECF}"/>
+                      </a:ext>
+                    </a:extLst>
+                  </p:cNvPr>
+                  <p:cNvSpPr txBox="1"/>
+                  <p:nvPr/>
+                </p:nvSpPr>
+                <p:spPr>
+                  <a:xfrm>
+                    <a:off x="6373979" y="2640421"/>
+                    <a:ext cx="369077" cy="523220"/>
                   </a:xfrm>
                   <a:prstGeom prst="rect">
                     <a:avLst/>
                   </a:prstGeom>
+                  <a:noFill/>
                 </p:spPr>
-              </p:pic>
+                <p:txBody>
+                  <a:bodyPr wrap="square" rtlCol="0">
+                    <a:spAutoFit/>
+                  </a:bodyPr>
+                  <a:lstStyle/>
+                  <a:p>
+                    <a:r>
+                      <a:rPr lang="en-US" altLang="zh-CN" sz="2800" b="1" i="1" dirty="0">
+                        <a:solidFill>
+                          <a:schemeClr val="bg1">
+                            <a:lumMod val="50000"/>
+                          </a:schemeClr>
+                        </a:solidFill>
+                        <a:latin typeface="Times New Roman" panose="02020603050405020304" pitchFamily="18" charset="0"/>
+                        <a:cs typeface="Times New Roman" panose="02020603050405020304" pitchFamily="18" charset="0"/>
+                      </a:rPr>
+                      <a:t>l</a:t>
+                    </a:r>
+                    <a:endParaRPr lang="zh-CN" altLang="en-US" sz="2800" b="1" i="1" dirty="0">
+                      <a:solidFill>
+                        <a:schemeClr val="bg1">
+                          <a:lumMod val="50000"/>
+                        </a:schemeClr>
+                      </a:solidFill>
+                      <a:latin typeface="Times New Roman" panose="02020603050405020304" pitchFamily="18" charset="0"/>
+                      <a:cs typeface="Times New Roman" panose="02020603050405020304" pitchFamily="18" charset="0"/>
+                    </a:endParaRPr>
+                  </a:p>
+                </p:txBody>
+              </p:sp>
+              <p:cxnSp>
+                <p:nvCxnSpPr>
+                  <p:cNvPr id="21" name="直接箭头连接符 20">
+                    <a:extLst>
+                      <a:ext uri="{FF2B5EF4-FFF2-40B4-BE49-F238E27FC236}">
+                        <a16:creationId xmlns:a16="http://schemas.microsoft.com/office/drawing/2014/main" id="{FA8D30A0-B581-45A4-B461-AA5B0B43913F}"/>
+                      </a:ext>
+                    </a:extLst>
+                  </p:cNvPr>
+                  <p:cNvCxnSpPr>
+                    <a:cxnSpLocks/>
+                  </p:cNvCxnSpPr>
+                  <p:nvPr/>
+                </p:nvCxnSpPr>
+                <p:spPr>
+                  <a:xfrm>
+                    <a:off x="5009486" y="5180212"/>
+                    <a:ext cx="2112682" cy="0"/>
+                  </a:xfrm>
+                  <a:prstGeom prst="straightConnector1">
+                    <a:avLst/>
+                  </a:prstGeom>
+                  <a:ln w="38100">
+                    <a:headEnd type="triangle"/>
+                    <a:tailEnd type="triangle"/>
+                  </a:ln>
+                </p:spPr>
+                <p:style>
+                  <a:lnRef idx="3">
+                    <a:schemeClr val="accent3"/>
+                  </a:lnRef>
+                  <a:fillRef idx="0">
+                    <a:schemeClr val="accent3"/>
+                  </a:fillRef>
+                  <a:effectRef idx="2">
+                    <a:schemeClr val="accent3"/>
+                  </a:effectRef>
+                  <a:fontRef idx="minor">
+                    <a:schemeClr val="tx1"/>
+                  </a:fontRef>
+                </p:style>
+              </p:cxnSp>
+              <p:sp>
+                <p:nvSpPr>
+                  <p:cNvPr id="22" name="文本框 21">
+                    <a:extLst>
+                      <a:ext uri="{FF2B5EF4-FFF2-40B4-BE49-F238E27FC236}">
+                        <a16:creationId xmlns:a16="http://schemas.microsoft.com/office/drawing/2014/main" id="{A27FE382-5312-45FE-8497-ECD02126D6D1}"/>
+                      </a:ext>
+                    </a:extLst>
+                  </p:cNvPr>
+                  <p:cNvSpPr txBox="1"/>
+                  <p:nvPr/>
+                </p:nvSpPr>
+                <p:spPr>
+                  <a:xfrm>
+                    <a:off x="5334052" y="4656992"/>
+                    <a:ext cx="369077" cy="523220"/>
+                  </a:xfrm>
+                  <a:prstGeom prst="rect">
+                    <a:avLst/>
+                  </a:prstGeom>
+                  <a:noFill/>
+                </p:spPr>
+                <p:txBody>
+                  <a:bodyPr wrap="square" rtlCol="0">
+                    <a:spAutoFit/>
+                  </a:bodyPr>
+                  <a:lstStyle/>
+                  <a:p>
+                    <a:r>
+                      <a:rPr lang="en-US" altLang="zh-CN" sz="2800" b="1" i="1" dirty="0">
+                        <a:solidFill>
+                          <a:schemeClr val="bg1">
+                            <a:lumMod val="50000"/>
+                          </a:schemeClr>
+                        </a:solidFill>
+                        <a:latin typeface="Times New Roman" panose="02020603050405020304" pitchFamily="18" charset="0"/>
+                        <a:cs typeface="Times New Roman" panose="02020603050405020304" pitchFamily="18" charset="0"/>
+                      </a:rPr>
+                      <a:t>w</a:t>
+                    </a:r>
+                    <a:endParaRPr lang="zh-CN" altLang="en-US" sz="2800" b="1" i="1" dirty="0">
+                      <a:solidFill>
+                        <a:schemeClr val="bg1">
+                          <a:lumMod val="50000"/>
+                        </a:schemeClr>
+                      </a:solidFill>
+                      <a:latin typeface="Times New Roman" panose="02020603050405020304" pitchFamily="18" charset="0"/>
+                      <a:cs typeface="Times New Roman" panose="02020603050405020304" pitchFamily="18" charset="0"/>
+                    </a:endParaRPr>
+                  </a:p>
+                </p:txBody>
+              </p:sp>
+              <p:cxnSp>
+                <p:nvCxnSpPr>
+                  <p:cNvPr id="23" name="直接连接符 22">
+                    <a:extLst>
+                      <a:ext uri="{FF2B5EF4-FFF2-40B4-BE49-F238E27FC236}">
+                        <a16:creationId xmlns:a16="http://schemas.microsoft.com/office/drawing/2014/main" id="{FC1E7A85-15D8-4864-A7FD-8A674FE8AE77}"/>
+                      </a:ext>
+                    </a:extLst>
+                  </p:cNvPr>
+                  <p:cNvCxnSpPr>
+                    <a:cxnSpLocks/>
+                  </p:cNvCxnSpPr>
+                  <p:nvPr/>
+                </p:nvCxnSpPr>
+                <p:spPr>
+                  <a:xfrm>
+                    <a:off x="4997808" y="4343400"/>
+                    <a:ext cx="0" cy="982354"/>
+                  </a:xfrm>
+                  <a:prstGeom prst="line">
+                    <a:avLst/>
+                  </a:prstGeom>
+                  <a:ln w="19050"/>
+                </p:spPr>
+                <p:style>
+                  <a:lnRef idx="1">
+                    <a:schemeClr val="accent3"/>
+                  </a:lnRef>
+                  <a:fillRef idx="0">
+                    <a:schemeClr val="accent3"/>
+                  </a:fillRef>
+                  <a:effectRef idx="0">
+                    <a:schemeClr val="accent3"/>
+                  </a:effectRef>
+                  <a:fontRef idx="minor">
+                    <a:schemeClr val="tx1"/>
+                  </a:fontRef>
+                </p:style>
+              </p:cxnSp>
+              <p:cxnSp>
+                <p:nvCxnSpPr>
+                  <p:cNvPr id="24" name="直接连接符 23">
+                    <a:extLst>
+                      <a:ext uri="{FF2B5EF4-FFF2-40B4-BE49-F238E27FC236}">
+                        <a16:creationId xmlns:a16="http://schemas.microsoft.com/office/drawing/2014/main" id="{F2773E81-3C0B-46C8-93C3-ED95C984EFCB}"/>
+                      </a:ext>
+                    </a:extLst>
+                  </p:cNvPr>
+                  <p:cNvCxnSpPr/>
+                  <p:nvPr/>
+                </p:nvCxnSpPr>
+                <p:spPr>
+                  <a:xfrm>
+                    <a:off x="7122168" y="4343400"/>
+                    <a:ext cx="0" cy="982354"/>
+                  </a:xfrm>
+                  <a:prstGeom prst="line">
+                    <a:avLst/>
+                  </a:prstGeom>
+                  <a:ln w="19050"/>
+                </p:spPr>
+                <p:style>
+                  <a:lnRef idx="1">
+                    <a:schemeClr val="accent3"/>
+                  </a:lnRef>
+                  <a:fillRef idx="0">
+                    <a:schemeClr val="accent3"/>
+                  </a:fillRef>
+                  <a:effectRef idx="0">
+                    <a:schemeClr val="accent3"/>
+                  </a:effectRef>
+                  <a:fontRef idx="minor">
+                    <a:schemeClr val="tx1"/>
+                  </a:fontRef>
+                </p:style>
+              </p:cxnSp>
+              <p:cxnSp>
+                <p:nvCxnSpPr>
+                  <p:cNvPr id="25" name="直接箭头连接符 24">
+                    <a:extLst>
+                      <a:ext uri="{FF2B5EF4-FFF2-40B4-BE49-F238E27FC236}">
+                        <a16:creationId xmlns:a16="http://schemas.microsoft.com/office/drawing/2014/main" id="{AEC0C3ED-2E31-4961-8C4C-6552ADC68745}"/>
+                      </a:ext>
+                    </a:extLst>
+                  </p:cNvPr>
+                  <p:cNvCxnSpPr>
+                    <a:cxnSpLocks/>
+                  </p:cNvCxnSpPr>
+                  <p:nvPr/>
+                </p:nvCxnSpPr>
+                <p:spPr>
+                  <a:xfrm flipH="1" flipV="1">
+                    <a:off x="4701993" y="2354580"/>
+                    <a:ext cx="1387190" cy="809061"/>
+                  </a:xfrm>
+                  <a:prstGeom prst="straightConnector1">
+                    <a:avLst/>
+                  </a:prstGeom>
+                  <a:ln w="38100">
+                    <a:solidFill>
+                      <a:srgbClr val="92D050"/>
+                    </a:solidFill>
+                    <a:prstDash val="sysDash"/>
+                    <a:tailEnd type="stealth" w="lg" len="lg"/>
+                  </a:ln>
+                </p:spPr>
+                <p:style>
+                  <a:lnRef idx="1">
+                    <a:schemeClr val="accent6"/>
+                  </a:lnRef>
+                  <a:fillRef idx="0">
+                    <a:schemeClr val="accent6"/>
+                  </a:fillRef>
+                  <a:effectRef idx="0">
+                    <a:schemeClr val="accent6"/>
+                  </a:effectRef>
+                  <a:fontRef idx="minor">
+                    <a:schemeClr val="tx1"/>
+                  </a:fontRef>
+                </p:style>
+              </p:cxnSp>
               <mc:AlternateContent xmlns:mc="http://schemas.openxmlformats.org/markup-compatibility/2006" xmlns:a14="http://schemas.microsoft.com/office/drawing/2010/main">
                 <mc:Choice Requires="a14">
                   <p:sp>
                     <p:nvSpPr>
-                      <p:cNvPr id="10" name="文本框 9">
+                      <p:cNvPr id="26" name="文本框 25">
                         <a:extLst>
                           <a:ext uri="{FF2B5EF4-FFF2-40B4-BE49-F238E27FC236}">
-                            <a16:creationId xmlns:a16="http://schemas.microsoft.com/office/drawing/2014/main" id="{A152B024-AFB1-4125-8D49-6356A3CE7D60}"/>
+                            <a16:creationId xmlns:a16="http://schemas.microsoft.com/office/drawing/2014/main" id="{635AD57E-BFF6-4F41-A15A-37B0B59A27A9}"/>
                           </a:ext>
                         </a:extLst>
                       </p:cNvPr>
@@ -8039,15 +8889,13 @@
                     </p:nvSpPr>
                     <p:spPr>
                       <a:xfrm>
-                        <a:off x="4687599" y="1222132"/>
-                        <a:ext cx="558970" cy="423519"/>
+                        <a:off x="5246569" y="2235890"/>
+                        <a:ext cx="298037" cy="523220"/>
                       </a:xfrm>
                       <a:prstGeom prst="rect">
                         <a:avLst/>
                       </a:prstGeom>
-                      <a:solidFill>
-                        <a:schemeClr val="bg1"/>
-                      </a:solidFill>
+                      <a:noFill/>
                     </p:spPr>
                     <p:txBody>
                       <a:bodyPr wrap="square" rtlCol="0">
@@ -8065,7 +8913,10 @@
                               <m:sSub>
                                 <m:sSubPr>
                                   <m:ctrlPr>
-                                    <a:rPr lang="en-US" altLang="zh-CN" sz="2400" b="1" i="1" dirty="0" smtClean="0">
+                                    <a:rPr lang="en-US" altLang="zh-CN" sz="2800" b="1" i="1" dirty="0" smtClean="0">
+                                      <a:solidFill>
+                                        <a:srgbClr val="92D050"/>
+                                      </a:solidFill>
                                       <a:latin typeface="Cambria Math" panose="02040503050406030204" pitchFamily="18" charset="0"/>
                                       <a:cs typeface="Times New Roman" panose="02020603050405020304" pitchFamily="18" charset="0"/>
                                     </a:rPr>
@@ -8073,23 +8924,22 @@
                                 </m:sSubPr>
                                 <m:e>
                                   <m:r>
-                                    <a:rPr lang="en-US" altLang="zh-CN" sz="2400" b="1" i="1" dirty="0">
+                                    <a:rPr lang="en-US" altLang="zh-CN" sz="2800" b="1" i="1" dirty="0" smtClean="0">
+                                      <a:solidFill>
+                                        <a:srgbClr val="92D050"/>
+                                      </a:solidFill>
                                       <a:latin typeface="Cambria Math" panose="02040503050406030204" pitchFamily="18" charset="0"/>
                                       <a:cs typeface="Times New Roman" panose="02020603050405020304" pitchFamily="18" charset="0"/>
                                     </a:rPr>
-                                    <m:t>𝒗</m:t>
+                                    <m:t>𝒓</m:t>
                                   </m:r>
                                 </m:e>
                                 <m:sub>
                                   <m:r>
-                                    <a:rPr lang="en-US" altLang="zh-CN" sz="2400" b="1" i="1" dirty="0" smtClean="0">
-                                      <a:latin typeface="Cambria Math" panose="02040503050406030204" pitchFamily="18" charset="0"/>
-                                      <a:cs typeface="Times New Roman" panose="02020603050405020304" pitchFamily="18" charset="0"/>
-                                    </a:rPr>
-                                    <m:t>𝒔</m:t>
-                                  </m:r>
-                                  <m:r>
-                                    <a:rPr lang="en-US" altLang="zh-CN" sz="2400" b="1" i="1" dirty="0" smtClean="0">
+                                    <a:rPr lang="en-US" altLang="zh-CN" sz="2800" b="1" i="1" dirty="0" smtClean="0">
+                                      <a:solidFill>
+                                        <a:srgbClr val="92D050"/>
+                                      </a:solidFill>
                                       <a:latin typeface="Cambria Math" panose="02040503050406030204" pitchFamily="18" charset="0"/>
                                       <a:cs typeface="Times New Roman" panose="02020603050405020304" pitchFamily="18" charset="0"/>
                                     </a:rPr>
@@ -8100,8 +8950,11 @@
                             </m:oMath>
                           </m:oMathPara>
                         </a14:m>
-                        <a:endParaRPr lang="zh-CN" altLang="en-US" sz="2400" b="1" i="1" dirty="0">
-                          <a:latin typeface="Cambria Math" panose="02040503050406030204" pitchFamily="18" charset="0"/>
+                        <a:endParaRPr lang="zh-CN" altLang="en-US" sz="2800" b="1" i="1" dirty="0">
+                          <a:solidFill>
+                            <a:srgbClr val="92D050"/>
+                          </a:solidFill>
+                          <a:latin typeface="Times New Roman" panose="02020603050405020304" pitchFamily="18" charset="0"/>
                           <a:cs typeface="Times New Roman" panose="02020603050405020304" pitchFamily="18" charset="0"/>
                         </a:endParaRPr>
                       </a:p>
@@ -8111,10 +8964,10 @@
                 <mc:Fallback xmlns="">
                   <p:sp>
                     <p:nvSpPr>
-                      <p:cNvPr id="10" name="文本框 9">
+                      <p:cNvPr id="26" name="文本框 25">
                         <a:extLst>
                           <a:ext uri="{FF2B5EF4-FFF2-40B4-BE49-F238E27FC236}">
-                            <a16:creationId xmlns:a16="http://schemas.microsoft.com/office/drawing/2014/main" id="{A152B024-AFB1-4125-8D49-6356A3CE7D60}"/>
+                            <a16:creationId xmlns:a16="http://schemas.microsoft.com/office/drawing/2014/main" id="{635AD57E-BFF6-4F41-A15A-37B0B59A27A9}"/>
                           </a:ext>
                         </a:extLst>
                       </p:cNvPr>
@@ -8125,406 +8978,16 @@
                     </p:nvSpPr>
                     <p:spPr>
                       <a:xfrm>
-                        <a:off x="4687599" y="1222132"/>
-                        <a:ext cx="558970" cy="423519"/>
+                        <a:off x="5246569" y="2235890"/>
+                        <a:ext cx="298037" cy="523220"/>
                       </a:xfrm>
                       <a:prstGeom prst="rect">
                         <a:avLst/>
                       </a:prstGeom>
                       <a:blipFill>
-                        <a:blip r:embed="rId3"/>
+                        <a:blip r:embed="rId7"/>
                         <a:stretch>
-                          <a:fillRect r="-7609" b="-5333"/>
-                        </a:stretch>
-                      </a:blipFill>
-                    </p:spPr>
-                    <p:txBody>
-                      <a:bodyPr/>
-                      <a:lstStyle/>
-                      <a:p>
-                        <a:r>
-                          <a:rPr lang="zh-CN" altLang="en-US">
-                            <a:noFill/>
-                          </a:rPr>
-                          <a:t> </a:t>
-                        </a:r>
-                      </a:p>
-                    </p:txBody>
-                  </p:sp>
-                </mc:Fallback>
-              </mc:AlternateContent>
-              <mc:AlternateContent xmlns:mc="http://schemas.openxmlformats.org/markup-compatibility/2006" xmlns:a14="http://schemas.microsoft.com/office/drawing/2010/main">
-                <mc:Choice Requires="a14">
-                  <p:sp>
-                    <p:nvSpPr>
-                      <p:cNvPr id="12" name="文本框 11">
-                        <a:extLst>
-                          <a:ext uri="{FF2B5EF4-FFF2-40B4-BE49-F238E27FC236}">
-                            <a16:creationId xmlns:a16="http://schemas.microsoft.com/office/drawing/2014/main" id="{E0896BE0-9BC6-4E96-859A-E67A7E266F9D}"/>
-                          </a:ext>
-                        </a:extLst>
-                      </p:cNvPr>
-                      <p:cNvSpPr txBox="1"/>
-                      <p:nvPr/>
-                    </p:nvSpPr>
-                    <p:spPr>
-                      <a:xfrm>
-                        <a:off x="3200638" y="2803527"/>
-                        <a:ext cx="699226" cy="423519"/>
-                      </a:xfrm>
-                      <a:prstGeom prst="rect">
-                        <a:avLst/>
-                      </a:prstGeom>
-                      <a:solidFill>
-                        <a:schemeClr val="bg1"/>
-                      </a:solidFill>
-                    </p:spPr>
-                    <p:txBody>
-                      <a:bodyPr wrap="square" rtlCol="0">
-                        <a:spAutoFit/>
-                      </a:bodyPr>
-                      <a:lstStyle/>
-                      <a:p>
-                        <a:pPr/>
-                        <a14:m>
-                          <m:oMathPara xmlns:m="http://schemas.openxmlformats.org/officeDocument/2006/math">
-                            <m:oMathParaPr>
-                              <m:jc m:val="centerGroup"/>
-                            </m:oMathParaPr>
-                            <m:oMath xmlns:m="http://schemas.openxmlformats.org/officeDocument/2006/math">
-                              <m:sSub>
-                                <m:sSubPr>
-                                  <m:ctrlPr>
-                                    <a:rPr lang="en-US" altLang="zh-CN" sz="2400" b="1" i="1" dirty="0" smtClean="0">
-                                      <a:latin typeface="Cambria Math" panose="02040503050406030204" pitchFamily="18" charset="0"/>
-                                      <a:cs typeface="Times New Roman" panose="02020603050405020304" pitchFamily="18" charset="0"/>
-                                    </a:rPr>
-                                  </m:ctrlPr>
-                                </m:sSubPr>
-                                <m:e>
-                                  <m:r>
-                                    <a:rPr lang="en-US" altLang="zh-CN" sz="2400" b="1" i="1" dirty="0" smtClean="0">
-                                      <a:latin typeface="Cambria Math" panose="02040503050406030204" pitchFamily="18" charset="0"/>
-                                      <a:cs typeface="Times New Roman" panose="02020603050405020304" pitchFamily="18" charset="0"/>
-                                    </a:rPr>
-                                    <m:t>𝒗</m:t>
-                                  </m:r>
-                                </m:e>
-                                <m:sub>
-                                  <m:r>
-                                    <a:rPr lang="en-US" altLang="zh-CN" sz="2400" b="1" i="1" dirty="0" smtClean="0">
-                                      <a:latin typeface="Cambria Math" panose="02040503050406030204" pitchFamily="18" charset="0"/>
-                                      <a:cs typeface="Times New Roman" panose="02020603050405020304" pitchFamily="18" charset="0"/>
-                                    </a:rPr>
-                                    <m:t>𝒔</m:t>
-                                  </m:r>
-                                  <m:r>
-                                    <a:rPr lang="en-US" altLang="zh-CN" sz="2400" b="1" i="1" dirty="0" smtClean="0">
-                                      <a:latin typeface="Cambria Math" panose="02040503050406030204" pitchFamily="18" charset="0"/>
-                                      <a:cs typeface="Times New Roman" panose="02020603050405020304" pitchFamily="18" charset="0"/>
-                                    </a:rPr>
-                                    <m:t>𝟐</m:t>
-                                  </m:r>
-                                </m:sub>
-                              </m:sSub>
-                            </m:oMath>
-                          </m:oMathPara>
-                        </a14:m>
-                        <a:endParaRPr lang="zh-CN" altLang="en-US" sz="2400" b="1" i="1" dirty="0">
-                          <a:latin typeface="Times New Roman" panose="02020603050405020304" pitchFamily="18" charset="0"/>
-                          <a:cs typeface="Times New Roman" panose="02020603050405020304" pitchFamily="18" charset="0"/>
-                        </a:endParaRPr>
-                      </a:p>
-                    </p:txBody>
-                  </p:sp>
-                </mc:Choice>
-                <mc:Fallback xmlns="">
-                  <p:sp>
-                    <p:nvSpPr>
-                      <p:cNvPr id="12" name="文本框 11">
-                        <a:extLst>
-                          <a:ext uri="{FF2B5EF4-FFF2-40B4-BE49-F238E27FC236}">
-                            <a16:creationId xmlns:a16="http://schemas.microsoft.com/office/drawing/2014/main" id="{E0896BE0-9BC6-4E96-859A-E67A7E266F9D}"/>
-                          </a:ext>
-                        </a:extLst>
-                      </p:cNvPr>
-                      <p:cNvSpPr txBox="1">
-                        <a:spLocks noRot="1" noChangeAspect="1" noMove="1" noResize="1" noEditPoints="1" noAdjustHandles="1" noChangeArrowheads="1" noChangeShapeType="1" noTextEdit="1"/>
-                      </p:cNvSpPr>
-                      <p:nvPr/>
-                    </p:nvSpPr>
-                    <p:spPr>
-                      <a:xfrm>
-                        <a:off x="3200638" y="2803527"/>
-                        <a:ext cx="699226" cy="423519"/>
-                      </a:xfrm>
-                      <a:prstGeom prst="rect">
-                        <a:avLst/>
-                      </a:prstGeom>
-                      <a:blipFill>
-                        <a:blip r:embed="rId4"/>
-                        <a:stretch>
-                          <a:fillRect b="-3947"/>
-                        </a:stretch>
-                      </a:blipFill>
-                    </p:spPr>
-                    <p:txBody>
-                      <a:bodyPr/>
-                      <a:lstStyle/>
-                      <a:p>
-                        <a:r>
-                          <a:rPr lang="zh-CN" altLang="en-US">
-                            <a:noFill/>
-                          </a:rPr>
-                          <a:t> </a:t>
-                        </a:r>
-                      </a:p>
-                    </p:txBody>
-                  </p:sp>
-                </mc:Fallback>
-              </mc:AlternateContent>
-              <mc:AlternateContent xmlns:mc="http://schemas.openxmlformats.org/markup-compatibility/2006" xmlns:a14="http://schemas.microsoft.com/office/drawing/2010/main">
-                <mc:Choice Requires="a14">
-                  <p:sp>
-                    <p:nvSpPr>
-                      <p:cNvPr id="14" name="文本框 13">
-                        <a:extLst>
-                          <a:ext uri="{FF2B5EF4-FFF2-40B4-BE49-F238E27FC236}">
-                            <a16:creationId xmlns:a16="http://schemas.microsoft.com/office/drawing/2014/main" id="{593D6791-297B-4637-8D5C-5D3B83DC6B8C}"/>
-                          </a:ext>
-                        </a:extLst>
-                      </p:cNvPr>
-                      <p:cNvSpPr txBox="1"/>
-                      <p:nvPr/>
-                    </p:nvSpPr>
-                    <p:spPr>
-                      <a:xfrm>
-                        <a:off x="6864168" y="1227530"/>
-                        <a:ext cx="558965" cy="423519"/>
-                      </a:xfrm>
-                      <a:prstGeom prst="rect">
-                        <a:avLst/>
-                      </a:prstGeom>
-                      <a:solidFill>
-                        <a:schemeClr val="bg1"/>
-                      </a:solidFill>
-                    </p:spPr>
-                    <p:txBody>
-                      <a:bodyPr wrap="square" rtlCol="0">
-                        <a:spAutoFit/>
-                      </a:bodyPr>
-                      <a:lstStyle/>
-                      <a:p>
-                        <a:pPr/>
-                        <a14:m>
-                          <m:oMathPara xmlns:m="http://schemas.openxmlformats.org/officeDocument/2006/math">
-                            <m:oMathParaPr>
-                              <m:jc m:val="centerGroup"/>
-                            </m:oMathParaPr>
-                            <m:oMath xmlns:m="http://schemas.openxmlformats.org/officeDocument/2006/math">
-                              <m:sSub>
-                                <m:sSubPr>
-                                  <m:ctrlPr>
-                                    <a:rPr lang="en-US" altLang="zh-CN" sz="2400" b="1" i="1" dirty="0" smtClean="0">
-                                      <a:latin typeface="Cambria Math" panose="02040503050406030204" pitchFamily="18" charset="0"/>
-                                      <a:cs typeface="Times New Roman" panose="02020603050405020304" pitchFamily="18" charset="0"/>
-                                    </a:rPr>
-                                  </m:ctrlPr>
-                                </m:sSubPr>
-                                <m:e>
-                                  <m:r>
-                                    <a:rPr lang="en-US" altLang="zh-CN" sz="2400" b="1" i="1" dirty="0" smtClean="0">
-                                      <a:latin typeface="Cambria Math" panose="02040503050406030204" pitchFamily="18" charset="0"/>
-                                      <a:cs typeface="Times New Roman" panose="02020603050405020304" pitchFamily="18" charset="0"/>
-                                    </a:rPr>
-                                    <m:t>𝒗</m:t>
-                                  </m:r>
-                                </m:e>
-                                <m:sub>
-                                  <m:r>
-                                    <a:rPr lang="en-US" altLang="zh-CN" sz="2400" b="1" i="1" dirty="0" smtClean="0">
-                                      <a:latin typeface="Cambria Math" panose="02040503050406030204" pitchFamily="18" charset="0"/>
-                                      <a:cs typeface="Times New Roman" panose="02020603050405020304" pitchFamily="18" charset="0"/>
-                                    </a:rPr>
-                                    <m:t>𝒔</m:t>
-                                  </m:r>
-                                  <m:r>
-                                    <a:rPr lang="en-US" altLang="zh-CN" sz="2400" b="1" i="1" dirty="0" smtClean="0">
-                                      <a:latin typeface="Cambria Math" panose="02040503050406030204" pitchFamily="18" charset="0"/>
-                                      <a:cs typeface="Times New Roman" panose="02020603050405020304" pitchFamily="18" charset="0"/>
-                                    </a:rPr>
-                                    <m:t>𝟒</m:t>
-                                  </m:r>
-                                </m:sub>
-                              </m:sSub>
-                            </m:oMath>
-                          </m:oMathPara>
-                        </a14:m>
-                        <a:endParaRPr lang="zh-CN" altLang="en-US" sz="2800" b="1" i="1" dirty="0">
-                          <a:latin typeface="Times New Roman" panose="02020603050405020304" pitchFamily="18" charset="0"/>
-                          <a:cs typeface="Times New Roman" panose="02020603050405020304" pitchFamily="18" charset="0"/>
-                        </a:endParaRPr>
-                      </a:p>
-                    </p:txBody>
-                  </p:sp>
-                </mc:Choice>
-                <mc:Fallback xmlns="">
-                  <p:sp>
-                    <p:nvSpPr>
-                      <p:cNvPr id="14" name="文本框 13">
-                        <a:extLst>
-                          <a:ext uri="{FF2B5EF4-FFF2-40B4-BE49-F238E27FC236}">
-                            <a16:creationId xmlns:a16="http://schemas.microsoft.com/office/drawing/2014/main" id="{593D6791-297B-4637-8D5C-5D3B83DC6B8C}"/>
-                          </a:ext>
-                        </a:extLst>
-                      </p:cNvPr>
-                      <p:cNvSpPr txBox="1">
-                        <a:spLocks noRot="1" noChangeAspect="1" noMove="1" noResize="1" noEditPoints="1" noAdjustHandles="1" noChangeArrowheads="1" noChangeShapeType="1" noTextEdit="1"/>
-                      </p:cNvSpPr>
-                      <p:nvPr/>
-                    </p:nvSpPr>
-                    <p:spPr>
-                      <a:xfrm>
-                        <a:off x="6864168" y="1227530"/>
-                        <a:ext cx="558965" cy="423519"/>
-                      </a:xfrm>
-                      <a:prstGeom prst="rect">
-                        <a:avLst/>
-                      </a:prstGeom>
-                      <a:blipFill>
-                        <a:blip r:embed="rId5"/>
-                        <a:stretch>
-                          <a:fillRect r="-7609" b="-4000"/>
-                        </a:stretch>
-                      </a:blipFill>
-                    </p:spPr>
-                    <p:txBody>
-                      <a:bodyPr/>
-                      <a:lstStyle/>
-                      <a:p>
-                        <a:r>
-                          <a:rPr lang="zh-CN" altLang="en-US">
-                            <a:noFill/>
-                          </a:rPr>
-                          <a:t> </a:t>
-                        </a:r>
-                      </a:p>
-                    </p:txBody>
-                  </p:sp>
-                </mc:Fallback>
-              </mc:AlternateContent>
-              <mc:AlternateContent xmlns:mc="http://schemas.openxmlformats.org/markup-compatibility/2006" xmlns:a14="http://schemas.microsoft.com/office/drawing/2010/main">
-                <mc:Choice Requires="a14">
-                  <p:sp>
-                    <p:nvSpPr>
-                      <p:cNvPr id="16" name="文本框 15">
-                        <a:extLst>
-                          <a:ext uri="{FF2B5EF4-FFF2-40B4-BE49-F238E27FC236}">
-                            <a16:creationId xmlns:a16="http://schemas.microsoft.com/office/drawing/2014/main" id="{7F1436C2-A02D-4BC4-AD15-174D90EA6E37}"/>
-                          </a:ext>
-                        </a:extLst>
-                      </p:cNvPr>
-                      <p:cNvSpPr txBox="1"/>
-                      <p:nvPr/>
-                    </p:nvSpPr>
-                    <p:spPr>
-                      <a:xfrm>
-                        <a:off x="8211059" y="2695823"/>
-                        <a:ext cx="699226" cy="423519"/>
-                      </a:xfrm>
-                      <a:prstGeom prst="rect">
-                        <a:avLst/>
-                      </a:prstGeom>
-                      <a:solidFill>
-                        <a:schemeClr val="bg1"/>
-                      </a:solidFill>
-                    </p:spPr>
-                    <p:txBody>
-                      <a:bodyPr wrap="square" rtlCol="0">
-                        <a:spAutoFit/>
-                      </a:bodyPr>
-                      <a:lstStyle/>
-                      <a:p>
-                        <a:pPr/>
-                        <a14:m>
-                          <m:oMathPara xmlns:m="http://schemas.openxmlformats.org/officeDocument/2006/math">
-                            <m:oMathParaPr>
-                              <m:jc m:val="centerGroup"/>
-                            </m:oMathParaPr>
-                            <m:oMath xmlns:m="http://schemas.openxmlformats.org/officeDocument/2006/math">
-                              <m:sSub>
-                                <m:sSubPr>
-                                  <m:ctrlPr>
-                                    <a:rPr lang="en-US" altLang="zh-CN" sz="2400" b="1" i="1" dirty="0" smtClean="0">
-                                      <a:latin typeface="Cambria Math" panose="02040503050406030204" pitchFamily="18" charset="0"/>
-                                      <a:cs typeface="Times New Roman" panose="02020603050405020304" pitchFamily="18" charset="0"/>
-                                    </a:rPr>
-                                  </m:ctrlPr>
-                                </m:sSubPr>
-                                <m:e>
-                                  <m:r>
-                                    <a:rPr lang="en-US" altLang="zh-CN" sz="2400" b="1" i="1" dirty="0" smtClean="0">
-                                      <a:latin typeface="Cambria Math" panose="02040503050406030204" pitchFamily="18" charset="0"/>
-                                      <a:cs typeface="Times New Roman" panose="02020603050405020304" pitchFamily="18" charset="0"/>
-                                    </a:rPr>
-                                    <m:t>𝒗</m:t>
-                                  </m:r>
-                                </m:e>
-                                <m:sub>
-                                  <m:r>
-                                    <a:rPr lang="en-US" altLang="zh-CN" sz="2400" b="1" i="1" dirty="0" smtClean="0">
-                                      <a:latin typeface="Cambria Math" panose="02040503050406030204" pitchFamily="18" charset="0"/>
-                                      <a:cs typeface="Times New Roman" panose="02020603050405020304" pitchFamily="18" charset="0"/>
-                                    </a:rPr>
-                                    <m:t>𝒔</m:t>
-                                  </m:r>
-                                  <m:r>
-                                    <a:rPr lang="en-US" altLang="zh-CN" sz="2400" b="1" i="1" dirty="0" smtClean="0">
-                                      <a:latin typeface="Cambria Math" panose="02040503050406030204" pitchFamily="18" charset="0"/>
-                                      <a:cs typeface="Times New Roman" panose="02020603050405020304" pitchFamily="18" charset="0"/>
-                                    </a:rPr>
-                                    <m:t>𝟑</m:t>
-                                  </m:r>
-                                </m:sub>
-                              </m:sSub>
-                            </m:oMath>
-                          </m:oMathPara>
-                        </a14:m>
-                        <a:endParaRPr lang="zh-CN" altLang="en-US" sz="2400" b="1" i="1" dirty="0">
-                          <a:latin typeface="Times New Roman" panose="02020603050405020304" pitchFamily="18" charset="0"/>
-                          <a:cs typeface="Times New Roman" panose="02020603050405020304" pitchFamily="18" charset="0"/>
-                        </a:endParaRPr>
-                      </a:p>
-                    </p:txBody>
-                  </p:sp>
-                </mc:Choice>
-                <mc:Fallback xmlns="">
-                  <p:sp>
-                    <p:nvSpPr>
-                      <p:cNvPr id="16" name="文本框 15">
-                        <a:extLst>
-                          <a:ext uri="{FF2B5EF4-FFF2-40B4-BE49-F238E27FC236}">
-                            <a16:creationId xmlns:a16="http://schemas.microsoft.com/office/drawing/2014/main" id="{7F1436C2-A02D-4BC4-AD15-174D90EA6E37}"/>
-                          </a:ext>
-                        </a:extLst>
-                      </p:cNvPr>
-                      <p:cNvSpPr txBox="1">
-                        <a:spLocks noRot="1" noChangeAspect="1" noMove="1" noResize="1" noEditPoints="1" noAdjustHandles="1" noChangeArrowheads="1" noChangeShapeType="1" noTextEdit="1"/>
-                      </p:cNvSpPr>
-                      <p:nvPr/>
-                    </p:nvSpPr>
-                    <p:spPr>
-                      <a:xfrm>
-                        <a:off x="8211059" y="2695823"/>
-                        <a:ext cx="699226" cy="423519"/>
-                      </a:xfrm>
-                      <a:prstGeom prst="rect">
-                        <a:avLst/>
-                      </a:prstGeom>
-                      <a:blipFill>
-                        <a:blip r:embed="rId6"/>
-                        <a:stretch>
-                          <a:fillRect b="-3947"/>
+                          <a:fillRect r="-40816"/>
                         </a:stretch>
                       </a:blipFill>
                     </p:spPr>
@@ -8546,10 +9009,830 @@
             </p:grpSp>
             <p:cxnSp>
               <p:nvCxnSpPr>
-                <p:cNvPr id="18" name="直接箭头连接符 17">
+                <p:cNvPr id="27" name="直接箭头连接符 26">
                   <a:extLst>
                     <a:ext uri="{FF2B5EF4-FFF2-40B4-BE49-F238E27FC236}">
-                      <a16:creationId xmlns:a16="http://schemas.microsoft.com/office/drawing/2014/main" id="{891E72F7-21A1-48F4-8618-E72ACF50E3C2}"/>
+                      <a16:creationId xmlns:a16="http://schemas.microsoft.com/office/drawing/2014/main" id="{9C63DD58-9466-44DE-BE3E-32BF12B4BB1C}"/>
+                    </a:ext>
+                  </a:extLst>
+                </p:cNvPr>
+                <p:cNvCxnSpPr>
+                  <a:cxnSpLocks/>
+                </p:cNvCxnSpPr>
+                <p:nvPr/>
+              </p:nvCxnSpPr>
+              <p:spPr>
+                <a:xfrm flipH="1" flipV="1">
+                  <a:off x="7141691" y="474133"/>
+                  <a:ext cx="6321" cy="1455792"/>
+                </a:xfrm>
+                <a:prstGeom prst="straightConnector1">
+                  <a:avLst/>
+                </a:prstGeom>
+                <a:ln w="57150">
+                  <a:solidFill>
+                    <a:schemeClr val="accent2">
+                      <a:lumMod val="75000"/>
+                    </a:schemeClr>
+                  </a:solidFill>
+                  <a:tailEnd type="stealth" w="lg" len="lg"/>
+                </a:ln>
+              </p:spPr>
+              <p:style>
+                <a:lnRef idx="1">
+                  <a:schemeClr val="accent1"/>
+                </a:lnRef>
+                <a:fillRef idx="0">
+                  <a:schemeClr val="accent1"/>
+                </a:fillRef>
+                <a:effectRef idx="0">
+                  <a:schemeClr val="accent1"/>
+                </a:effectRef>
+                <a:fontRef idx="minor">
+                  <a:schemeClr val="tx1"/>
+                </a:fontRef>
+              </p:style>
+            </p:cxnSp>
+            <p:cxnSp>
+              <p:nvCxnSpPr>
+                <p:cNvPr id="28" name="直接箭头连接符 27">
+                  <a:extLst>
+                    <a:ext uri="{FF2B5EF4-FFF2-40B4-BE49-F238E27FC236}">
+                      <a16:creationId xmlns:a16="http://schemas.microsoft.com/office/drawing/2014/main" id="{C26A77DA-63B6-4766-99B0-AB99DB7AF307}"/>
+                    </a:ext>
+                  </a:extLst>
+                </p:cNvPr>
+                <p:cNvCxnSpPr>
+                  <a:cxnSpLocks/>
+                </p:cNvCxnSpPr>
+                <p:nvPr/>
+              </p:nvCxnSpPr>
+              <p:spPr>
+                <a:xfrm flipV="1">
+                  <a:off x="7150158" y="2063160"/>
+                  <a:ext cx="0" cy="1487428"/>
+                </a:xfrm>
+                <a:prstGeom prst="straightConnector1">
+                  <a:avLst/>
+                </a:prstGeom>
+                <a:ln w="57150">
+                  <a:solidFill>
+                    <a:schemeClr val="accent2">
+                      <a:lumMod val="75000"/>
+                    </a:schemeClr>
+                  </a:solidFill>
+                  <a:tailEnd type="stealth" w="lg" len="lg"/>
+                </a:ln>
+              </p:spPr>
+              <p:style>
+                <a:lnRef idx="1">
+                  <a:schemeClr val="accent1"/>
+                </a:lnRef>
+                <a:fillRef idx="0">
+                  <a:schemeClr val="accent1"/>
+                </a:fillRef>
+                <a:effectRef idx="0">
+                  <a:schemeClr val="accent1"/>
+                </a:effectRef>
+                <a:fontRef idx="minor">
+                  <a:schemeClr val="tx1"/>
+                </a:fontRef>
+              </p:style>
+            </p:cxnSp>
+            <mc:AlternateContent xmlns:mc="http://schemas.openxmlformats.org/markup-compatibility/2006" xmlns:a14="http://schemas.microsoft.com/office/drawing/2010/main">
+              <mc:Choice Requires="a14">
+                <p:sp>
+                  <p:nvSpPr>
+                    <p:cNvPr id="31" name="文本框 30">
+                      <a:extLst>
+                        <a:ext uri="{FF2B5EF4-FFF2-40B4-BE49-F238E27FC236}">
+                          <a16:creationId xmlns:a16="http://schemas.microsoft.com/office/drawing/2014/main" id="{16DC7A17-ACDC-40D0-88BC-0FFFBBEE7C53}"/>
+                        </a:ext>
+                      </a:extLst>
+                    </p:cNvPr>
+                    <p:cNvSpPr txBox="1"/>
+                    <p:nvPr/>
+                  </p:nvSpPr>
+                  <p:spPr>
+                    <a:xfrm>
+                      <a:off x="3790911" y="593885"/>
+                      <a:ext cx="558970" cy="523220"/>
+                    </a:xfrm>
+                    <a:prstGeom prst="rect">
+                      <a:avLst/>
+                    </a:prstGeom>
+                    <a:noFill/>
+                    <a:ln>
+                      <a:noFill/>
+                    </a:ln>
+                  </p:spPr>
+                  <p:txBody>
+                    <a:bodyPr wrap="square" rtlCol="0">
+                      <a:spAutoFit/>
+                    </a:bodyPr>
+                    <a:lstStyle/>
+                    <a:p>
+                      <a:pPr/>
+                      <a14:m>
+                        <m:oMathPara xmlns:m="http://schemas.openxmlformats.org/officeDocument/2006/math">
+                          <m:oMathParaPr>
+                            <m:jc m:val="centerGroup"/>
+                          </m:oMathParaPr>
+                          <m:oMath xmlns:m="http://schemas.openxmlformats.org/officeDocument/2006/math">
+                            <m:sSub>
+                              <m:sSubPr>
+                                <m:ctrlPr>
+                                  <a:rPr lang="en-US" altLang="zh-CN" sz="2800" b="1" i="1" dirty="0" smtClean="0">
+                                    <a:ln>
+                                      <a:noFill/>
+                                    </a:ln>
+                                    <a:solidFill>
+                                      <a:schemeClr val="accent2">
+                                        <a:lumMod val="75000"/>
+                                      </a:schemeClr>
+                                    </a:solidFill>
+                                    <a:latin typeface="Cambria Math" panose="02040503050406030204" pitchFamily="18" charset="0"/>
+                                    <a:cs typeface="Times New Roman" panose="02020603050405020304" pitchFamily="18" charset="0"/>
+                                  </a:rPr>
+                                </m:ctrlPr>
+                              </m:sSubPr>
+                              <m:e>
+                                <m:r>
+                                  <a:rPr lang="en-US" altLang="zh-CN" sz="2800" b="1" i="1" dirty="0">
+                                    <a:ln>
+                                      <a:noFill/>
+                                    </a:ln>
+                                    <a:solidFill>
+                                      <a:schemeClr val="accent2">
+                                        <a:lumMod val="75000"/>
+                                      </a:schemeClr>
+                                    </a:solidFill>
+                                    <a:latin typeface="Cambria Math" panose="02040503050406030204" pitchFamily="18" charset="0"/>
+                                    <a:cs typeface="Times New Roman" panose="02020603050405020304" pitchFamily="18" charset="0"/>
+                                  </a:rPr>
+                                  <m:t>𝒗</m:t>
+                                </m:r>
+                              </m:e>
+                              <m:sub>
+                                <m:r>
+                                  <a:rPr lang="en-US" altLang="zh-CN" sz="2800" b="1" i="1" dirty="0" smtClean="0">
+                                    <a:ln>
+                                      <a:noFill/>
+                                    </a:ln>
+                                    <a:solidFill>
+                                      <a:schemeClr val="accent2">
+                                        <a:lumMod val="75000"/>
+                                      </a:schemeClr>
+                                    </a:solidFill>
+                                    <a:latin typeface="Cambria Math" panose="02040503050406030204" pitchFamily="18" charset="0"/>
+                                    <a:cs typeface="Times New Roman" panose="02020603050405020304" pitchFamily="18" charset="0"/>
+                                  </a:rPr>
+                                  <m:t>𝟏</m:t>
+                                </m:r>
+                              </m:sub>
+                            </m:sSub>
+                          </m:oMath>
+                        </m:oMathPara>
+                      </a14:m>
+                      <a:endParaRPr lang="zh-CN" altLang="en-US" sz="2800" b="1" i="1" dirty="0">
+                        <a:ln>
+                          <a:noFill/>
+                        </a:ln>
+                        <a:solidFill>
+                          <a:schemeClr val="accent2">
+                            <a:lumMod val="75000"/>
+                          </a:schemeClr>
+                        </a:solidFill>
+                        <a:latin typeface="Cambria Math" panose="02040503050406030204" pitchFamily="18" charset="0"/>
+                        <a:cs typeface="Times New Roman" panose="02020603050405020304" pitchFamily="18" charset="0"/>
+                      </a:endParaRPr>
+                    </a:p>
+                  </p:txBody>
+                </p:sp>
+              </mc:Choice>
+              <mc:Fallback xmlns="">
+                <p:sp>
+                  <p:nvSpPr>
+                    <p:cNvPr id="31" name="文本框 30">
+                      <a:extLst>
+                        <a:ext uri="{FF2B5EF4-FFF2-40B4-BE49-F238E27FC236}">
+                          <a16:creationId xmlns:a16="http://schemas.microsoft.com/office/drawing/2014/main" id="{16DC7A17-ACDC-40D0-88BC-0FFFBBEE7C53}"/>
+                        </a:ext>
+                      </a:extLst>
+                    </p:cNvPr>
+                    <p:cNvSpPr txBox="1">
+                      <a:spLocks noRot="1" noChangeAspect="1" noMove="1" noResize="1" noEditPoints="1" noAdjustHandles="1" noChangeArrowheads="1" noChangeShapeType="1" noTextEdit="1"/>
+                    </p:cNvSpPr>
+                    <p:nvPr/>
+                  </p:nvSpPr>
+                  <p:spPr>
+                    <a:xfrm>
+                      <a:off x="3790911" y="593885"/>
+                      <a:ext cx="558970" cy="523220"/>
+                    </a:xfrm>
+                    <a:prstGeom prst="rect">
+                      <a:avLst/>
+                    </a:prstGeom>
+                    <a:blipFill>
+                      <a:blip r:embed="rId8"/>
+                      <a:stretch>
+                        <a:fillRect/>
+                      </a:stretch>
+                    </a:blipFill>
+                    <a:ln>
+                      <a:noFill/>
+                    </a:ln>
+                  </p:spPr>
+                  <p:txBody>
+                    <a:bodyPr/>
+                    <a:lstStyle/>
+                    <a:p>
+                      <a:r>
+                        <a:rPr lang="zh-CN" altLang="en-US">
+                          <a:noFill/>
+                        </a:rPr>
+                        <a:t> </a:t>
+                      </a:r>
+                    </a:p>
+                  </p:txBody>
+                </p:sp>
+              </mc:Fallback>
+            </mc:AlternateContent>
+            <mc:AlternateContent xmlns:mc="http://schemas.openxmlformats.org/markup-compatibility/2006" xmlns:a14="http://schemas.microsoft.com/office/drawing/2010/main">
+              <mc:Choice Requires="a14">
+                <p:sp>
+                  <p:nvSpPr>
+                    <p:cNvPr id="32" name="文本框 31">
+                      <a:extLst>
+                        <a:ext uri="{FF2B5EF4-FFF2-40B4-BE49-F238E27FC236}">
+                          <a16:creationId xmlns:a16="http://schemas.microsoft.com/office/drawing/2014/main" id="{E566DB27-B4F6-4C52-8A0F-ABEFB4C7DA06}"/>
+                        </a:ext>
+                      </a:extLst>
+                    </p:cNvPr>
+                    <p:cNvSpPr txBox="1"/>
+                    <p:nvPr/>
+                  </p:nvSpPr>
+                  <p:spPr>
+                    <a:xfrm>
+                      <a:off x="3805361" y="2403226"/>
+                      <a:ext cx="558970" cy="523220"/>
+                    </a:xfrm>
+                    <a:prstGeom prst="rect">
+                      <a:avLst/>
+                    </a:prstGeom>
+                    <a:noFill/>
+                    <a:ln>
+                      <a:noFill/>
+                    </a:ln>
+                  </p:spPr>
+                  <p:txBody>
+                    <a:bodyPr wrap="square" rtlCol="0">
+                      <a:spAutoFit/>
+                    </a:bodyPr>
+                    <a:lstStyle/>
+                    <a:p>
+                      <a:pPr/>
+                      <a14:m>
+                        <m:oMathPara xmlns:m="http://schemas.openxmlformats.org/officeDocument/2006/math">
+                          <m:oMathParaPr>
+                            <m:jc m:val="centerGroup"/>
+                          </m:oMathParaPr>
+                          <m:oMath xmlns:m="http://schemas.openxmlformats.org/officeDocument/2006/math">
+                            <m:sSub>
+                              <m:sSubPr>
+                                <m:ctrlPr>
+                                  <a:rPr lang="en-US" altLang="zh-CN" sz="2800" b="1" i="1" dirty="0" smtClean="0">
+                                    <a:ln>
+                                      <a:noFill/>
+                                    </a:ln>
+                                    <a:solidFill>
+                                      <a:schemeClr val="accent2">
+                                        <a:lumMod val="75000"/>
+                                      </a:schemeClr>
+                                    </a:solidFill>
+                                    <a:latin typeface="Cambria Math" panose="02040503050406030204" pitchFamily="18" charset="0"/>
+                                    <a:cs typeface="Times New Roman" panose="02020603050405020304" pitchFamily="18" charset="0"/>
+                                  </a:rPr>
+                                </m:ctrlPr>
+                              </m:sSubPr>
+                              <m:e>
+                                <m:r>
+                                  <a:rPr lang="en-US" altLang="zh-CN" sz="2800" b="1" i="1" dirty="0">
+                                    <a:ln>
+                                      <a:noFill/>
+                                    </a:ln>
+                                    <a:solidFill>
+                                      <a:schemeClr val="accent2">
+                                        <a:lumMod val="75000"/>
+                                      </a:schemeClr>
+                                    </a:solidFill>
+                                    <a:latin typeface="Cambria Math" panose="02040503050406030204" pitchFamily="18" charset="0"/>
+                                    <a:cs typeface="Times New Roman" panose="02020603050405020304" pitchFamily="18" charset="0"/>
+                                  </a:rPr>
+                                  <m:t>𝒗</m:t>
+                                </m:r>
+                              </m:e>
+                              <m:sub>
+                                <m:r>
+                                  <a:rPr lang="en-US" altLang="zh-CN" sz="2800" b="1" i="1" dirty="0" smtClean="0">
+                                    <a:ln>
+                                      <a:noFill/>
+                                    </a:ln>
+                                    <a:solidFill>
+                                      <a:schemeClr val="accent2">
+                                        <a:lumMod val="75000"/>
+                                      </a:schemeClr>
+                                    </a:solidFill>
+                                    <a:latin typeface="Cambria Math" panose="02040503050406030204" pitchFamily="18" charset="0"/>
+                                    <a:cs typeface="Times New Roman" panose="02020603050405020304" pitchFamily="18" charset="0"/>
+                                  </a:rPr>
+                                  <m:t>𝟐</m:t>
+                                </m:r>
+                              </m:sub>
+                            </m:sSub>
+                          </m:oMath>
+                        </m:oMathPara>
+                      </a14:m>
+                      <a:endParaRPr lang="zh-CN" altLang="en-US" sz="2800" b="1" i="1" dirty="0">
+                        <a:ln>
+                          <a:noFill/>
+                        </a:ln>
+                        <a:solidFill>
+                          <a:schemeClr val="accent2">
+                            <a:lumMod val="75000"/>
+                          </a:schemeClr>
+                        </a:solidFill>
+                        <a:latin typeface="Cambria Math" panose="02040503050406030204" pitchFamily="18" charset="0"/>
+                        <a:cs typeface="Times New Roman" panose="02020603050405020304" pitchFamily="18" charset="0"/>
+                      </a:endParaRPr>
+                    </a:p>
+                  </p:txBody>
+                </p:sp>
+              </mc:Choice>
+              <mc:Fallback xmlns="">
+                <p:sp>
+                  <p:nvSpPr>
+                    <p:cNvPr id="32" name="文本框 31">
+                      <a:extLst>
+                        <a:ext uri="{FF2B5EF4-FFF2-40B4-BE49-F238E27FC236}">
+                          <a16:creationId xmlns:a16="http://schemas.microsoft.com/office/drawing/2014/main" id="{E566DB27-B4F6-4C52-8A0F-ABEFB4C7DA06}"/>
+                        </a:ext>
+                      </a:extLst>
+                    </p:cNvPr>
+                    <p:cNvSpPr txBox="1">
+                      <a:spLocks noRot="1" noChangeAspect="1" noMove="1" noResize="1" noEditPoints="1" noAdjustHandles="1" noChangeArrowheads="1" noChangeShapeType="1" noTextEdit="1"/>
+                    </p:cNvSpPr>
+                    <p:nvPr/>
+                  </p:nvSpPr>
+                  <p:spPr>
+                    <a:xfrm>
+                      <a:off x="3805361" y="2403226"/>
+                      <a:ext cx="558970" cy="523220"/>
+                    </a:xfrm>
+                    <a:prstGeom prst="rect">
+                      <a:avLst/>
+                    </a:prstGeom>
+                    <a:blipFill>
+                      <a:blip r:embed="rId9"/>
+                      <a:stretch>
+                        <a:fillRect/>
+                      </a:stretch>
+                    </a:blipFill>
+                    <a:ln>
+                      <a:noFill/>
+                    </a:ln>
+                  </p:spPr>
+                  <p:txBody>
+                    <a:bodyPr/>
+                    <a:lstStyle/>
+                    <a:p>
+                      <a:r>
+                        <a:rPr lang="zh-CN" altLang="en-US">
+                          <a:noFill/>
+                        </a:rPr>
+                        <a:t> </a:t>
+                      </a:r>
+                    </a:p>
+                  </p:txBody>
+                </p:sp>
+              </mc:Fallback>
+            </mc:AlternateContent>
+            <mc:AlternateContent xmlns:mc="http://schemas.openxmlformats.org/markup-compatibility/2006" xmlns:a14="http://schemas.microsoft.com/office/drawing/2010/main">
+              <mc:Choice Requires="a14">
+                <p:sp>
+                  <p:nvSpPr>
+                    <p:cNvPr id="33" name="文本框 32">
+                      <a:extLst>
+                        <a:ext uri="{FF2B5EF4-FFF2-40B4-BE49-F238E27FC236}">
+                          <a16:creationId xmlns:a16="http://schemas.microsoft.com/office/drawing/2014/main" id="{03A44032-9095-45DE-8350-7D54A1882888}"/>
+                        </a:ext>
+                      </a:extLst>
+                    </p:cNvPr>
+                    <p:cNvSpPr txBox="1"/>
+                    <p:nvPr/>
+                  </p:nvSpPr>
+                  <p:spPr>
+                    <a:xfrm>
+                      <a:off x="7237556" y="593885"/>
+                      <a:ext cx="558970" cy="523220"/>
+                    </a:xfrm>
+                    <a:prstGeom prst="rect">
+                      <a:avLst/>
+                    </a:prstGeom>
+                    <a:noFill/>
+                    <a:ln>
+                      <a:noFill/>
+                    </a:ln>
+                  </p:spPr>
+                  <p:txBody>
+                    <a:bodyPr wrap="square" rtlCol="0">
+                      <a:spAutoFit/>
+                    </a:bodyPr>
+                    <a:lstStyle/>
+                    <a:p>
+                      <a:pPr/>
+                      <a14:m>
+                        <m:oMathPara xmlns:m="http://schemas.openxmlformats.org/officeDocument/2006/math">
+                          <m:oMathParaPr>
+                            <m:jc m:val="centerGroup"/>
+                          </m:oMathParaPr>
+                          <m:oMath xmlns:m="http://schemas.openxmlformats.org/officeDocument/2006/math">
+                            <m:sSub>
+                              <m:sSubPr>
+                                <m:ctrlPr>
+                                  <a:rPr lang="en-US" altLang="zh-CN" sz="2800" b="1" i="1" smtClean="0">
+                                    <a:ln>
+                                      <a:noFill/>
+                                    </a:ln>
+                                    <a:solidFill>
+                                      <a:schemeClr val="accent2">
+                                        <a:lumMod val="75000"/>
+                                      </a:schemeClr>
+                                    </a:solidFill>
+                                    <a:latin typeface="Cambria Math" panose="02040503050406030204" pitchFamily="18" charset="0"/>
+                                    <a:cs typeface="Times New Roman" panose="02020603050405020304" pitchFamily="18" charset="0"/>
+                                  </a:rPr>
+                                </m:ctrlPr>
+                              </m:sSubPr>
+                              <m:e>
+                                <m:r>
+                                  <a:rPr lang="en-US" altLang="zh-CN" sz="2800" b="1" i="1" smtClean="0">
+                                    <a:ln>
+                                      <a:noFill/>
+                                    </a:ln>
+                                    <a:solidFill>
+                                      <a:schemeClr val="accent2">
+                                        <a:lumMod val="75000"/>
+                                      </a:schemeClr>
+                                    </a:solidFill>
+                                    <a:latin typeface="Cambria Math" panose="02040503050406030204" pitchFamily="18" charset="0"/>
+                                    <a:cs typeface="Times New Roman" panose="02020603050405020304" pitchFamily="18" charset="0"/>
+                                  </a:rPr>
+                                  <m:t>𝒗</m:t>
+                                </m:r>
+                              </m:e>
+                              <m:sub>
+                                <m:r>
+                                  <a:rPr lang="en-US" altLang="zh-CN" sz="2800" b="1" i="1" smtClean="0">
+                                    <a:ln>
+                                      <a:noFill/>
+                                    </a:ln>
+                                    <a:solidFill>
+                                      <a:schemeClr val="accent2">
+                                        <a:lumMod val="75000"/>
+                                      </a:schemeClr>
+                                    </a:solidFill>
+                                    <a:latin typeface="Cambria Math" panose="02040503050406030204" pitchFamily="18" charset="0"/>
+                                    <a:cs typeface="Times New Roman" panose="02020603050405020304" pitchFamily="18" charset="0"/>
+                                  </a:rPr>
+                                  <m:t>𝟒</m:t>
+                                </m:r>
+                              </m:sub>
+                            </m:sSub>
+                          </m:oMath>
+                        </m:oMathPara>
+                      </a14:m>
+                      <a:endParaRPr lang="zh-CN" altLang="en-US" sz="2800" b="1" i="1" dirty="0">
+                        <a:ln>
+                          <a:noFill/>
+                        </a:ln>
+                        <a:solidFill>
+                          <a:schemeClr val="accent2">
+                            <a:lumMod val="75000"/>
+                          </a:schemeClr>
+                        </a:solidFill>
+                        <a:latin typeface="Cambria Math" panose="02040503050406030204" pitchFamily="18" charset="0"/>
+                        <a:cs typeface="Times New Roman" panose="02020603050405020304" pitchFamily="18" charset="0"/>
+                      </a:endParaRPr>
+                    </a:p>
+                  </p:txBody>
+                </p:sp>
+              </mc:Choice>
+              <mc:Fallback xmlns="">
+                <p:sp>
+                  <p:nvSpPr>
+                    <p:cNvPr id="33" name="文本框 32">
+                      <a:extLst>
+                        <a:ext uri="{FF2B5EF4-FFF2-40B4-BE49-F238E27FC236}">
+                          <a16:creationId xmlns:a16="http://schemas.microsoft.com/office/drawing/2014/main" id="{03A44032-9095-45DE-8350-7D54A1882888}"/>
+                        </a:ext>
+                      </a:extLst>
+                    </p:cNvPr>
+                    <p:cNvSpPr txBox="1">
+                      <a:spLocks noRot="1" noChangeAspect="1" noMove="1" noResize="1" noEditPoints="1" noAdjustHandles="1" noChangeArrowheads="1" noChangeShapeType="1" noTextEdit="1"/>
+                    </p:cNvSpPr>
+                    <p:nvPr/>
+                  </p:nvSpPr>
+                  <p:spPr>
+                    <a:xfrm>
+                      <a:off x="7237556" y="593885"/>
+                      <a:ext cx="558970" cy="523220"/>
+                    </a:xfrm>
+                    <a:prstGeom prst="rect">
+                      <a:avLst/>
+                    </a:prstGeom>
+                    <a:blipFill>
+                      <a:blip r:embed="rId10"/>
+                      <a:stretch>
+                        <a:fillRect/>
+                      </a:stretch>
+                    </a:blipFill>
+                    <a:ln>
+                      <a:noFill/>
+                    </a:ln>
+                  </p:spPr>
+                  <p:txBody>
+                    <a:bodyPr/>
+                    <a:lstStyle/>
+                    <a:p>
+                      <a:r>
+                        <a:rPr lang="zh-CN" altLang="en-US">
+                          <a:noFill/>
+                        </a:rPr>
+                        <a:t> </a:t>
+                      </a:r>
+                    </a:p>
+                  </p:txBody>
+                </p:sp>
+              </mc:Fallback>
+            </mc:AlternateContent>
+            <mc:AlternateContent xmlns:mc="http://schemas.openxmlformats.org/markup-compatibility/2006" xmlns:a14="http://schemas.microsoft.com/office/drawing/2010/main">
+              <mc:Choice Requires="a14">
+                <p:sp>
+                  <p:nvSpPr>
+                    <p:cNvPr id="34" name="文本框 33">
+                      <a:extLst>
+                        <a:ext uri="{FF2B5EF4-FFF2-40B4-BE49-F238E27FC236}">
+                          <a16:creationId xmlns:a16="http://schemas.microsoft.com/office/drawing/2014/main" id="{519A74F7-81BA-4E3E-8D12-EB78F0064ECD}"/>
+                        </a:ext>
+                      </a:extLst>
+                    </p:cNvPr>
+                    <p:cNvSpPr txBox="1"/>
+                    <p:nvPr/>
+                  </p:nvSpPr>
+                  <p:spPr>
+                    <a:xfrm>
+                      <a:off x="7192472" y="2455285"/>
+                      <a:ext cx="558970" cy="523220"/>
+                    </a:xfrm>
+                    <a:prstGeom prst="rect">
+                      <a:avLst/>
+                    </a:prstGeom>
+                    <a:noFill/>
+                    <a:ln>
+                      <a:noFill/>
+                    </a:ln>
+                  </p:spPr>
+                  <p:txBody>
+                    <a:bodyPr wrap="square" rtlCol="0">
+                      <a:spAutoFit/>
+                    </a:bodyPr>
+                    <a:lstStyle/>
+                    <a:p>
+                      <a:pPr/>
+                      <a14:m>
+                        <m:oMathPara xmlns:m="http://schemas.openxmlformats.org/officeDocument/2006/math">
+                          <m:oMathParaPr>
+                            <m:jc m:val="centerGroup"/>
+                          </m:oMathParaPr>
+                          <m:oMath xmlns:m="http://schemas.openxmlformats.org/officeDocument/2006/math">
+                            <m:sSub>
+                              <m:sSubPr>
+                                <m:ctrlPr>
+                                  <a:rPr lang="en-US" altLang="zh-CN" sz="2800" b="1" i="1" dirty="0" smtClean="0">
+                                    <a:ln>
+                                      <a:noFill/>
+                                    </a:ln>
+                                    <a:solidFill>
+                                      <a:schemeClr val="accent2">
+                                        <a:lumMod val="75000"/>
+                                      </a:schemeClr>
+                                    </a:solidFill>
+                                    <a:latin typeface="Cambria Math" panose="02040503050406030204" pitchFamily="18" charset="0"/>
+                                    <a:cs typeface="Times New Roman" panose="02020603050405020304" pitchFamily="18" charset="0"/>
+                                  </a:rPr>
+                                </m:ctrlPr>
+                              </m:sSubPr>
+                              <m:e>
+                                <m:r>
+                                  <a:rPr lang="en-US" altLang="zh-CN" sz="2800" b="1" i="1" dirty="0">
+                                    <a:ln>
+                                      <a:noFill/>
+                                    </a:ln>
+                                    <a:solidFill>
+                                      <a:schemeClr val="accent2">
+                                        <a:lumMod val="75000"/>
+                                      </a:schemeClr>
+                                    </a:solidFill>
+                                    <a:latin typeface="Cambria Math" panose="02040503050406030204" pitchFamily="18" charset="0"/>
+                                    <a:cs typeface="Times New Roman" panose="02020603050405020304" pitchFamily="18" charset="0"/>
+                                  </a:rPr>
+                                  <m:t>𝒗</m:t>
+                                </m:r>
+                              </m:e>
+                              <m:sub>
+                                <m:r>
+                                  <a:rPr lang="en-US" altLang="zh-CN" sz="2800" b="1" i="1" dirty="0" smtClean="0">
+                                    <a:ln>
+                                      <a:noFill/>
+                                    </a:ln>
+                                    <a:solidFill>
+                                      <a:schemeClr val="accent2">
+                                        <a:lumMod val="75000"/>
+                                      </a:schemeClr>
+                                    </a:solidFill>
+                                    <a:latin typeface="Cambria Math" panose="02040503050406030204" pitchFamily="18" charset="0"/>
+                                    <a:cs typeface="Times New Roman" panose="02020603050405020304" pitchFamily="18" charset="0"/>
+                                  </a:rPr>
+                                  <m:t>𝟑</m:t>
+                                </m:r>
+                              </m:sub>
+                            </m:sSub>
+                          </m:oMath>
+                        </m:oMathPara>
+                      </a14:m>
+                      <a:endParaRPr lang="zh-CN" altLang="en-US" sz="2800" b="1" i="1" dirty="0">
+                        <a:ln>
+                          <a:noFill/>
+                        </a:ln>
+                        <a:solidFill>
+                          <a:schemeClr val="accent2">
+                            <a:lumMod val="75000"/>
+                          </a:schemeClr>
+                        </a:solidFill>
+                        <a:latin typeface="Cambria Math" panose="02040503050406030204" pitchFamily="18" charset="0"/>
+                        <a:cs typeface="Times New Roman" panose="02020603050405020304" pitchFamily="18" charset="0"/>
+                      </a:endParaRPr>
+                    </a:p>
+                  </p:txBody>
+                </p:sp>
+              </mc:Choice>
+              <mc:Fallback xmlns="">
+                <p:sp>
+                  <p:nvSpPr>
+                    <p:cNvPr id="34" name="文本框 33">
+                      <a:extLst>
+                        <a:ext uri="{FF2B5EF4-FFF2-40B4-BE49-F238E27FC236}">
+                          <a16:creationId xmlns:a16="http://schemas.microsoft.com/office/drawing/2014/main" id="{519A74F7-81BA-4E3E-8D12-EB78F0064ECD}"/>
+                        </a:ext>
+                      </a:extLst>
+                    </p:cNvPr>
+                    <p:cNvSpPr txBox="1">
+                      <a:spLocks noRot="1" noChangeAspect="1" noMove="1" noResize="1" noEditPoints="1" noAdjustHandles="1" noChangeArrowheads="1" noChangeShapeType="1" noTextEdit="1"/>
+                    </p:cNvSpPr>
+                    <p:nvPr/>
+                  </p:nvSpPr>
+                  <p:spPr>
+                    <a:xfrm>
+                      <a:off x="7192472" y="2455285"/>
+                      <a:ext cx="558970" cy="523220"/>
+                    </a:xfrm>
+                    <a:prstGeom prst="rect">
+                      <a:avLst/>
+                    </a:prstGeom>
+                    <a:blipFill>
+                      <a:blip r:embed="rId11"/>
+                      <a:stretch>
+                        <a:fillRect/>
+                      </a:stretch>
+                    </a:blipFill>
+                    <a:ln>
+                      <a:noFill/>
+                    </a:ln>
+                  </p:spPr>
+                  <p:txBody>
+                    <a:bodyPr/>
+                    <a:lstStyle/>
+                    <a:p>
+                      <a:r>
+                        <a:rPr lang="zh-CN" altLang="en-US">
+                          <a:noFill/>
+                        </a:rPr>
+                        <a:t> </a:t>
+                      </a:r>
+                    </a:p>
+                  </p:txBody>
+                </p:sp>
+              </mc:Fallback>
+            </mc:AlternateContent>
+            <p:cxnSp>
+              <p:nvCxnSpPr>
+                <p:cNvPr id="35" name="直接箭头连接符 34">
+                  <a:extLst>
+                    <a:ext uri="{FF2B5EF4-FFF2-40B4-BE49-F238E27FC236}">
+                      <a16:creationId xmlns:a16="http://schemas.microsoft.com/office/drawing/2014/main" id="{ACB3D952-BFA6-4057-9961-F1CCE07A55B7}"/>
+                    </a:ext>
+                  </a:extLst>
+                </p:cNvPr>
+                <p:cNvCxnSpPr>
+                  <a:cxnSpLocks/>
+                </p:cNvCxnSpPr>
+                <p:nvPr/>
+              </p:nvCxnSpPr>
+              <p:spPr>
+                <a:xfrm flipV="1">
+                  <a:off x="4385556" y="2077295"/>
+                  <a:ext cx="0" cy="1487428"/>
+                </a:xfrm>
+                <a:prstGeom prst="straightConnector1">
+                  <a:avLst/>
+                </a:prstGeom>
+                <a:ln w="57150">
+                  <a:solidFill>
+                    <a:schemeClr val="accent2">
+                      <a:lumMod val="75000"/>
+                    </a:schemeClr>
+                  </a:solidFill>
+                  <a:tailEnd type="stealth" w="lg" len="lg"/>
+                </a:ln>
+              </p:spPr>
+              <p:style>
+                <a:lnRef idx="1">
+                  <a:schemeClr val="accent1"/>
+                </a:lnRef>
+                <a:fillRef idx="0">
+                  <a:schemeClr val="accent1"/>
+                </a:fillRef>
+                <a:effectRef idx="0">
+                  <a:schemeClr val="accent1"/>
+                </a:effectRef>
+                <a:fontRef idx="minor">
+                  <a:schemeClr val="tx1"/>
+                </a:fontRef>
+              </p:style>
+            </p:cxnSp>
+            <p:cxnSp>
+              <p:nvCxnSpPr>
+                <p:cNvPr id="36" name="直接箭头连接符 35">
+                  <a:extLst>
+                    <a:ext uri="{FF2B5EF4-FFF2-40B4-BE49-F238E27FC236}">
+                      <a16:creationId xmlns:a16="http://schemas.microsoft.com/office/drawing/2014/main" id="{829288A9-70E3-4490-B938-43DA0EE8DCBD}"/>
+                    </a:ext>
+                  </a:extLst>
+                </p:cNvPr>
+                <p:cNvCxnSpPr>
+                  <a:cxnSpLocks/>
+                </p:cNvCxnSpPr>
+                <p:nvPr/>
+              </p:nvCxnSpPr>
+              <p:spPr>
+                <a:xfrm flipH="1" flipV="1">
+                  <a:off x="4373928" y="479868"/>
+                  <a:ext cx="6321" cy="1455792"/>
+                </a:xfrm>
+                <a:prstGeom prst="straightConnector1">
+                  <a:avLst/>
+                </a:prstGeom>
+                <a:ln w="57150">
+                  <a:solidFill>
+                    <a:schemeClr val="accent2">
+                      <a:lumMod val="75000"/>
+                    </a:schemeClr>
+                  </a:solidFill>
+                  <a:tailEnd type="stealth" w="lg" len="lg"/>
+                </a:ln>
+              </p:spPr>
+              <p:style>
+                <a:lnRef idx="1">
+                  <a:schemeClr val="accent1"/>
+                </a:lnRef>
+                <a:fillRef idx="0">
+                  <a:schemeClr val="accent1"/>
+                </a:fillRef>
+                <a:effectRef idx="0">
+                  <a:schemeClr val="accent1"/>
+                </a:effectRef>
+                <a:fontRef idx="minor">
+                  <a:schemeClr val="tx1"/>
+                </a:fontRef>
+              </p:style>
+            </p:cxnSp>
+            <p:cxnSp>
+              <p:nvCxnSpPr>
+                <p:cNvPr id="37" name="直接连接符 36">
+                  <a:extLst>
+                    <a:ext uri="{FF2B5EF4-FFF2-40B4-BE49-F238E27FC236}">
+                      <a16:creationId xmlns:a16="http://schemas.microsoft.com/office/drawing/2014/main" id="{D750C07C-3700-4B7E-9C53-CB25C9AA2AB0}"/>
                     </a:ext>
                   </a:extLst>
                 </p:cNvPr>
@@ -8560,201 +9843,15 @@
               </p:nvCxnSpPr>
               <p:spPr>
                 <a:xfrm>
-                  <a:off x="6306253" y="2027483"/>
-                  <a:ext cx="0" cy="2315917"/>
-                </a:xfrm>
-                <a:prstGeom prst="straightConnector1">
-                  <a:avLst/>
-                </a:prstGeom>
-                <a:ln w="38100">
-                  <a:headEnd type="triangle"/>
-                  <a:tailEnd type="triangle"/>
-                </a:ln>
-              </p:spPr>
-              <p:style>
-                <a:lnRef idx="3">
-                  <a:schemeClr val="accent3"/>
-                </a:lnRef>
-                <a:fillRef idx="0">
-                  <a:schemeClr val="accent3"/>
-                </a:fillRef>
-                <a:effectRef idx="2">
-                  <a:schemeClr val="accent3"/>
-                </a:effectRef>
-                <a:fontRef idx="minor">
-                  <a:schemeClr val="tx1"/>
-                </a:fontRef>
-              </p:style>
-            </p:cxnSp>
-            <p:sp>
-              <p:nvSpPr>
-                <p:cNvPr id="20" name="文本框 19">
-                  <a:extLst>
-                    <a:ext uri="{FF2B5EF4-FFF2-40B4-BE49-F238E27FC236}">
-                      <a16:creationId xmlns:a16="http://schemas.microsoft.com/office/drawing/2014/main" id="{A7DEC3FE-5C5D-40AC-A2BD-EAC1D9695ECF}"/>
-                    </a:ext>
-                  </a:extLst>
-                </p:cNvPr>
-                <p:cNvSpPr txBox="1"/>
-                <p:nvPr/>
-              </p:nvSpPr>
-              <p:spPr>
-                <a:xfrm>
-                  <a:off x="6373979" y="2640421"/>
-                  <a:ext cx="369077" cy="523220"/>
-                </a:xfrm>
-                <a:prstGeom prst="rect">
-                  <a:avLst/>
-                </a:prstGeom>
-                <a:noFill/>
-              </p:spPr>
-              <p:txBody>
-                <a:bodyPr wrap="square" rtlCol="0">
-                  <a:spAutoFit/>
-                </a:bodyPr>
-                <a:lstStyle/>
-                <a:p>
-                  <a:r>
-                    <a:rPr lang="en-US" altLang="zh-CN" sz="2800" b="1" i="1" dirty="0">
-                      <a:solidFill>
-                        <a:schemeClr val="bg1">
-                          <a:lumMod val="50000"/>
-                        </a:schemeClr>
-                      </a:solidFill>
-                      <a:latin typeface="Times New Roman" panose="02020603050405020304" pitchFamily="18" charset="0"/>
-                      <a:cs typeface="Times New Roman" panose="02020603050405020304" pitchFamily="18" charset="0"/>
-                    </a:rPr>
-                    <a:t>l</a:t>
-                  </a:r>
-                  <a:endParaRPr lang="zh-CN" altLang="en-US" sz="2800" b="1" i="1" dirty="0">
-                    <a:solidFill>
-                      <a:schemeClr val="bg1">
-                        <a:lumMod val="50000"/>
-                      </a:schemeClr>
-                    </a:solidFill>
-                    <a:latin typeface="Times New Roman" panose="02020603050405020304" pitchFamily="18" charset="0"/>
-                    <a:cs typeface="Times New Roman" panose="02020603050405020304" pitchFamily="18" charset="0"/>
-                  </a:endParaRPr>
-                </a:p>
-              </p:txBody>
-            </p:sp>
-            <p:cxnSp>
-              <p:nvCxnSpPr>
-                <p:cNvPr id="21" name="直接箭头连接符 20">
-                  <a:extLst>
-                    <a:ext uri="{FF2B5EF4-FFF2-40B4-BE49-F238E27FC236}">
-                      <a16:creationId xmlns:a16="http://schemas.microsoft.com/office/drawing/2014/main" id="{FA8D30A0-B581-45A4-B461-AA5B0B43913F}"/>
-                    </a:ext>
-                  </a:extLst>
-                </p:cNvPr>
-                <p:cNvCxnSpPr>
-                  <a:cxnSpLocks/>
-                </p:cNvCxnSpPr>
-                <p:nvPr/>
-              </p:nvCxnSpPr>
-              <p:spPr>
-                <a:xfrm>
-                  <a:off x="5009486" y="5180212"/>
-                  <a:ext cx="2112682" cy="0"/>
-                </a:xfrm>
-                <a:prstGeom prst="straightConnector1">
-                  <a:avLst/>
-                </a:prstGeom>
-                <a:ln w="38100">
-                  <a:headEnd type="triangle"/>
-                  <a:tailEnd type="triangle"/>
-                </a:ln>
-              </p:spPr>
-              <p:style>
-                <a:lnRef idx="3">
-                  <a:schemeClr val="accent3"/>
-                </a:lnRef>
-                <a:fillRef idx="0">
-                  <a:schemeClr val="accent3"/>
-                </a:fillRef>
-                <a:effectRef idx="2">
-                  <a:schemeClr val="accent3"/>
-                </a:effectRef>
-                <a:fontRef idx="minor">
-                  <a:schemeClr val="tx1"/>
-                </a:fontRef>
-              </p:style>
-            </p:cxnSp>
-            <p:sp>
-              <p:nvSpPr>
-                <p:cNvPr id="22" name="文本框 21">
-                  <a:extLst>
-                    <a:ext uri="{FF2B5EF4-FFF2-40B4-BE49-F238E27FC236}">
-                      <a16:creationId xmlns:a16="http://schemas.microsoft.com/office/drawing/2014/main" id="{A27FE382-5312-45FE-8497-ECD02126D6D1}"/>
-                    </a:ext>
-                  </a:extLst>
-                </p:cNvPr>
-                <p:cNvSpPr txBox="1"/>
-                <p:nvPr/>
-              </p:nvSpPr>
-              <p:spPr>
-                <a:xfrm>
-                  <a:off x="5334052" y="4656992"/>
-                  <a:ext cx="369077" cy="523220"/>
-                </a:xfrm>
-                <a:prstGeom prst="rect">
-                  <a:avLst/>
-                </a:prstGeom>
-                <a:noFill/>
-              </p:spPr>
-              <p:txBody>
-                <a:bodyPr wrap="square" rtlCol="0">
-                  <a:spAutoFit/>
-                </a:bodyPr>
-                <a:lstStyle/>
-                <a:p>
-                  <a:r>
-                    <a:rPr lang="en-US" altLang="zh-CN" sz="2800" b="1" i="1" dirty="0">
-                      <a:solidFill>
-                        <a:schemeClr val="bg1">
-                          <a:lumMod val="50000"/>
-                        </a:schemeClr>
-                      </a:solidFill>
-                      <a:latin typeface="Times New Roman" panose="02020603050405020304" pitchFamily="18" charset="0"/>
-                      <a:cs typeface="Times New Roman" panose="02020603050405020304" pitchFamily="18" charset="0"/>
-                    </a:rPr>
-                    <a:t>w</a:t>
-                  </a:r>
-                  <a:endParaRPr lang="zh-CN" altLang="en-US" sz="2800" b="1" i="1" dirty="0">
-                    <a:solidFill>
-                      <a:schemeClr val="bg1">
-                        <a:lumMod val="50000"/>
-                      </a:schemeClr>
-                    </a:solidFill>
-                    <a:latin typeface="Times New Roman" panose="02020603050405020304" pitchFamily="18" charset="0"/>
-                    <a:cs typeface="Times New Roman" panose="02020603050405020304" pitchFamily="18" charset="0"/>
-                  </a:endParaRPr>
-                </a:p>
-              </p:txBody>
-            </p:sp>
-            <p:cxnSp>
-              <p:nvCxnSpPr>
-                <p:cNvPr id="23" name="直接连接符 22">
-                  <a:extLst>
-                    <a:ext uri="{FF2B5EF4-FFF2-40B4-BE49-F238E27FC236}">
-                      <a16:creationId xmlns:a16="http://schemas.microsoft.com/office/drawing/2014/main" id="{FC1E7A85-15D8-4864-A7FD-8A674FE8AE77}"/>
-                    </a:ext>
-                  </a:extLst>
-                </p:cNvPr>
-                <p:cNvCxnSpPr>
-                  <a:cxnSpLocks/>
-                </p:cNvCxnSpPr>
-                <p:nvPr/>
-              </p:nvCxnSpPr>
-              <p:spPr>
-                <a:xfrm>
-                  <a:off x="4997808" y="4343400"/>
-                  <a:ext cx="0" cy="982354"/>
+                  <a:off x="4377879" y="495940"/>
+                  <a:ext cx="720528" cy="642945"/>
                 </a:xfrm>
                 <a:prstGeom prst="line">
                   <a:avLst/>
                 </a:prstGeom>
-                <a:ln w="19050"/>
+                <a:ln w="19050">
+                  <a:prstDash val="sysDash"/>
+                </a:ln>
               </p:spPr>
               <p:style>
                 <a:lnRef idx="1">
@@ -8773,25 +9870,29 @@
             </p:cxnSp>
             <p:cxnSp>
               <p:nvCxnSpPr>
-                <p:cNvPr id="24" name="直接连接符 23">
+                <p:cNvPr id="38" name="直接连接符 37">
                   <a:extLst>
                     <a:ext uri="{FF2B5EF4-FFF2-40B4-BE49-F238E27FC236}">
-                      <a16:creationId xmlns:a16="http://schemas.microsoft.com/office/drawing/2014/main" id="{F2773E81-3C0B-46C8-93C3-ED95C984EFCB}"/>
+                      <a16:creationId xmlns:a16="http://schemas.microsoft.com/office/drawing/2014/main" id="{102A01D3-A179-4CD7-B754-FBD2D926832F}"/>
                     </a:ext>
                   </a:extLst>
                 </p:cNvPr>
-                <p:cNvCxnSpPr/>
+                <p:cNvCxnSpPr>
+                  <a:cxnSpLocks/>
+                </p:cNvCxnSpPr>
                 <p:nvPr/>
               </p:nvCxnSpPr>
               <p:spPr>
                 <a:xfrm>
-                  <a:off x="7122168" y="4343400"/>
-                  <a:ext cx="0" cy="982354"/>
+                  <a:off x="7192472" y="2108155"/>
+                  <a:ext cx="720528" cy="642945"/>
                 </a:xfrm>
                 <a:prstGeom prst="line">
                   <a:avLst/>
                 </a:prstGeom>
-                <a:ln w="19050"/>
+                <a:ln w="19050">
+                  <a:prstDash val="sysDash"/>
+                </a:ln>
               </p:spPr>
               <p:style>
                 <a:lnRef idx="1">
@@ -8810,10 +9911,10 @@
             </p:cxnSp>
             <p:cxnSp>
               <p:nvCxnSpPr>
-                <p:cNvPr id="25" name="直接箭头连接符 24">
+                <p:cNvPr id="39" name="直接连接符 38">
                   <a:extLst>
                     <a:ext uri="{FF2B5EF4-FFF2-40B4-BE49-F238E27FC236}">
-                      <a16:creationId xmlns:a16="http://schemas.microsoft.com/office/drawing/2014/main" id="{AEC0C3ED-2E31-4961-8C4C-6552ADC68745}"/>
+                      <a16:creationId xmlns:a16="http://schemas.microsoft.com/office/drawing/2014/main" id="{2864A982-0BF8-476C-B785-2C97CA107999}"/>
                     </a:ext>
                   </a:extLst>
                 </p:cNvPr>
@@ -8823,1155 +9924,2386 @@
                 <p:nvPr/>
               </p:nvCxnSpPr>
               <p:spPr>
-                <a:xfrm flipH="1" flipV="1">
-                  <a:off x="4701993" y="2354580"/>
-                  <a:ext cx="1387190" cy="809061"/>
+                <a:xfrm flipH="1">
+                  <a:off x="6435759" y="494859"/>
+                  <a:ext cx="698975" cy="660960"/>
                 </a:xfrm>
-                <a:prstGeom prst="straightConnector1">
+                <a:prstGeom prst="line">
                   <a:avLst/>
                 </a:prstGeom>
-                <a:ln w="38100">
-                  <a:solidFill>
-                    <a:srgbClr val="92D050"/>
-                  </a:solidFill>
+                <a:ln w="19050">
                   <a:prstDash val="sysDash"/>
-                  <a:tailEnd type="stealth" w="lg" len="lg"/>
                 </a:ln>
               </p:spPr>
               <p:style>
                 <a:lnRef idx="1">
-                  <a:schemeClr val="accent6"/>
+                  <a:schemeClr val="accent3"/>
                 </a:lnRef>
                 <a:fillRef idx="0">
-                  <a:schemeClr val="accent6"/>
+                  <a:schemeClr val="accent3"/>
                 </a:fillRef>
                 <a:effectRef idx="0">
-                  <a:schemeClr val="accent6"/>
+                  <a:schemeClr val="accent3"/>
                 </a:effectRef>
                 <a:fontRef idx="minor">
                   <a:schemeClr val="tx1"/>
                 </a:fontRef>
               </p:style>
             </p:cxnSp>
-            <mc:AlternateContent xmlns:mc="http://schemas.openxmlformats.org/markup-compatibility/2006" xmlns:a14="http://schemas.microsoft.com/office/drawing/2010/main">
-              <mc:Choice Requires="a14">
-                <p:sp>
-                  <p:nvSpPr>
-                    <p:cNvPr id="26" name="文本框 25">
-                      <a:extLst>
-                        <a:ext uri="{FF2B5EF4-FFF2-40B4-BE49-F238E27FC236}">
-                          <a16:creationId xmlns:a16="http://schemas.microsoft.com/office/drawing/2014/main" id="{635AD57E-BFF6-4F41-A15A-37B0B59A27A9}"/>
-                        </a:ext>
-                      </a:extLst>
-                    </p:cNvPr>
-                    <p:cNvSpPr txBox="1"/>
-                    <p:nvPr/>
-                  </p:nvSpPr>
-                  <p:spPr>
-                    <a:xfrm>
-                      <a:off x="5246569" y="2235890"/>
-                      <a:ext cx="298037" cy="523220"/>
-                    </a:xfrm>
-                    <a:prstGeom prst="rect">
-                      <a:avLst/>
-                    </a:prstGeom>
-                    <a:noFill/>
-                  </p:spPr>
-                  <p:txBody>
-                    <a:bodyPr wrap="square" rtlCol="0">
-                      <a:spAutoFit/>
-                    </a:bodyPr>
-                    <a:lstStyle/>
-                    <a:p>
-                      <a:pPr/>
-                      <a14:m>
-                        <m:oMathPara xmlns:m="http://schemas.openxmlformats.org/officeDocument/2006/math">
-                          <m:oMathParaPr>
-                            <m:jc m:val="centerGroup"/>
-                          </m:oMathParaPr>
-                          <m:oMath xmlns:m="http://schemas.openxmlformats.org/officeDocument/2006/math">
-                            <m:sSub>
-                              <m:sSubPr>
-                                <m:ctrlPr>
-                                  <a:rPr lang="en-US" altLang="zh-CN" sz="2800" b="1" i="1" dirty="0" smtClean="0">
-                                    <a:solidFill>
-                                      <a:srgbClr val="92D050"/>
-                                    </a:solidFill>
-                                    <a:latin typeface="Cambria Math" panose="02040503050406030204" pitchFamily="18" charset="0"/>
-                                    <a:cs typeface="Times New Roman" panose="02020603050405020304" pitchFamily="18" charset="0"/>
-                                  </a:rPr>
-                                </m:ctrlPr>
-                              </m:sSubPr>
-                              <m:e>
-                                <m:r>
-                                  <a:rPr lang="en-US" altLang="zh-CN" sz="2800" b="1" i="1" dirty="0" smtClean="0">
-                                    <a:solidFill>
-                                      <a:srgbClr val="92D050"/>
-                                    </a:solidFill>
-                                    <a:latin typeface="Cambria Math" panose="02040503050406030204" pitchFamily="18" charset="0"/>
-                                    <a:cs typeface="Times New Roman" panose="02020603050405020304" pitchFamily="18" charset="0"/>
-                                  </a:rPr>
-                                  <m:t>𝒓</m:t>
-                                </m:r>
-                              </m:e>
-                              <m:sub>
-                                <m:r>
-                                  <a:rPr lang="en-US" altLang="zh-CN" sz="2800" b="1" i="1" dirty="0" smtClean="0">
-                                    <a:solidFill>
-                                      <a:srgbClr val="92D050"/>
-                                    </a:solidFill>
-                                    <a:latin typeface="Cambria Math" panose="02040503050406030204" pitchFamily="18" charset="0"/>
-                                    <a:cs typeface="Times New Roman" panose="02020603050405020304" pitchFamily="18" charset="0"/>
-                                  </a:rPr>
-                                  <m:t>𝟏</m:t>
-                                </m:r>
-                              </m:sub>
-                            </m:sSub>
-                          </m:oMath>
-                        </m:oMathPara>
-                      </a14:m>
-                      <a:endParaRPr lang="zh-CN" altLang="en-US" sz="2800" b="1" i="1" dirty="0">
-                        <a:solidFill>
-                          <a:srgbClr val="92D050"/>
-                        </a:solidFill>
-                        <a:latin typeface="Times New Roman" panose="02020603050405020304" pitchFamily="18" charset="0"/>
-                        <a:cs typeface="Times New Roman" panose="02020603050405020304" pitchFamily="18" charset="0"/>
-                      </a:endParaRPr>
-                    </a:p>
-                  </p:txBody>
-                </p:sp>
-              </mc:Choice>
-              <mc:Fallback xmlns="">
-                <p:sp>
-                  <p:nvSpPr>
-                    <p:cNvPr id="26" name="文本框 25">
-                      <a:extLst>
-                        <a:ext uri="{FF2B5EF4-FFF2-40B4-BE49-F238E27FC236}">
-                          <a16:creationId xmlns:a16="http://schemas.microsoft.com/office/drawing/2014/main" id="{635AD57E-BFF6-4F41-A15A-37B0B59A27A9}"/>
-                        </a:ext>
-                      </a:extLst>
-                    </p:cNvPr>
-                    <p:cNvSpPr txBox="1">
-                      <a:spLocks noRot="1" noChangeAspect="1" noMove="1" noResize="1" noEditPoints="1" noAdjustHandles="1" noChangeArrowheads="1" noChangeShapeType="1" noTextEdit="1"/>
-                    </p:cNvSpPr>
-                    <p:nvPr/>
-                  </p:nvSpPr>
-                  <p:spPr>
-                    <a:xfrm>
-                      <a:off x="5246569" y="2235890"/>
-                      <a:ext cx="298037" cy="523220"/>
-                    </a:xfrm>
-                    <a:prstGeom prst="rect">
-                      <a:avLst/>
-                    </a:prstGeom>
-                    <a:blipFill>
-                      <a:blip r:embed="rId7"/>
-                      <a:stretch>
-                        <a:fillRect r="-40816"/>
-                      </a:stretch>
-                    </a:blipFill>
-                  </p:spPr>
-                  <p:txBody>
-                    <a:bodyPr/>
-                    <a:lstStyle/>
-                    <a:p>
-                      <a:r>
-                        <a:rPr lang="zh-CN" altLang="en-US">
-                          <a:noFill/>
-                        </a:rPr>
-                        <a:t> </a:t>
-                      </a:r>
-                    </a:p>
-                  </p:txBody>
-                </p:sp>
-              </mc:Fallback>
-            </mc:AlternateContent>
+            <p:cxnSp>
+              <p:nvCxnSpPr>
+                <p:cNvPr id="40" name="直接连接符 39">
+                  <a:extLst>
+                    <a:ext uri="{FF2B5EF4-FFF2-40B4-BE49-F238E27FC236}">
+                      <a16:creationId xmlns:a16="http://schemas.microsoft.com/office/drawing/2014/main" id="{0EF0C3B7-929A-4812-80DF-FCC525C35847}"/>
+                    </a:ext>
+                  </a:extLst>
+                </p:cNvPr>
+                <p:cNvCxnSpPr>
+                  <a:cxnSpLocks/>
+                </p:cNvCxnSpPr>
+                <p:nvPr/>
+              </p:nvCxnSpPr>
+              <p:spPr>
+                <a:xfrm flipH="1">
+                  <a:off x="3683809" y="2101201"/>
+                  <a:ext cx="698975" cy="660960"/>
+                </a:xfrm>
+                <a:prstGeom prst="line">
+                  <a:avLst/>
+                </a:prstGeom>
+                <a:ln w="19050">
+                  <a:prstDash val="sysDash"/>
+                </a:ln>
+              </p:spPr>
+              <p:style>
+                <a:lnRef idx="1">
+                  <a:schemeClr val="accent3"/>
+                </a:lnRef>
+                <a:fillRef idx="0">
+                  <a:schemeClr val="accent3"/>
+                </a:fillRef>
+                <a:effectRef idx="0">
+                  <a:schemeClr val="accent3"/>
+                </a:effectRef>
+                <a:fontRef idx="minor">
+                  <a:schemeClr val="tx1"/>
+                </a:fontRef>
+              </p:style>
+            </p:cxnSp>
           </p:grpSp>
-          <p:cxnSp>
-            <p:nvCxnSpPr>
-              <p:cNvPr id="27" name="直接箭头连接符 26">
-                <a:extLst>
-                  <a:ext uri="{FF2B5EF4-FFF2-40B4-BE49-F238E27FC236}">
-                    <a16:creationId xmlns:a16="http://schemas.microsoft.com/office/drawing/2014/main" id="{9C63DD58-9466-44DE-BE3E-32BF12B4BB1C}"/>
-                  </a:ext>
-                </a:extLst>
-              </p:cNvPr>
-              <p:cNvCxnSpPr>
-                <a:cxnSpLocks/>
-              </p:cNvCxnSpPr>
-              <p:nvPr/>
-            </p:nvCxnSpPr>
-            <p:spPr>
-              <a:xfrm flipH="1" flipV="1">
-                <a:off x="7141691" y="474133"/>
-                <a:ext cx="6321" cy="1455792"/>
-              </a:xfrm>
-              <a:prstGeom prst="straightConnector1">
-                <a:avLst/>
-              </a:prstGeom>
-              <a:ln w="57150">
+        </p:grpSp>
+        <p:pic>
+          <p:nvPicPr>
+            <p:cNvPr id="5" name="图片 4">
+              <a:extLst>
+                <a:ext uri="{FF2B5EF4-FFF2-40B4-BE49-F238E27FC236}">
+                  <a16:creationId xmlns:a16="http://schemas.microsoft.com/office/drawing/2014/main" id="{DF5679F8-9383-4CCD-8C2D-57A13AAEA3B1}"/>
+                </a:ext>
+              </a:extLst>
+            </p:cNvPr>
+            <p:cNvPicPr>
+              <a:picLocks noChangeAspect="1"/>
+            </p:cNvPicPr>
+            <p:nvPr/>
+          </p:nvPicPr>
+          <p:blipFill>
+            <a:blip r:embed="rId12"/>
+            <a:stretch>
+              <a:fillRect/>
+            </a:stretch>
+          </p:blipFill>
+          <p:spPr>
+            <a:xfrm rot="16200000">
+              <a:off x="4681226" y="2178356"/>
+              <a:ext cx="5663202" cy="2192208"/>
+            </a:xfrm>
+            <a:prstGeom prst="rect">
+              <a:avLst/>
+            </a:prstGeom>
+          </p:spPr>
+        </p:pic>
+        <p:cxnSp>
+          <p:nvCxnSpPr>
+            <p:cNvPr id="45" name="直接箭头连接符 44">
+              <a:extLst>
+                <a:ext uri="{FF2B5EF4-FFF2-40B4-BE49-F238E27FC236}">
+                  <a16:creationId xmlns:a16="http://schemas.microsoft.com/office/drawing/2014/main" id="{31E6B584-F628-4DA1-A604-FD6CA450083F}"/>
+                </a:ext>
+              </a:extLst>
+            </p:cNvPr>
+            <p:cNvCxnSpPr>
+              <a:cxnSpLocks/>
+            </p:cNvCxnSpPr>
+            <p:nvPr/>
+          </p:nvCxnSpPr>
+          <p:spPr>
+            <a:xfrm>
+              <a:off x="7843101" y="975437"/>
+              <a:ext cx="0" cy="1503812"/>
+            </a:xfrm>
+            <a:prstGeom prst="straightConnector1">
+              <a:avLst/>
+            </a:prstGeom>
+            <a:ln w="38100">
+              <a:headEnd type="triangle"/>
+              <a:tailEnd type="triangle"/>
+            </a:ln>
+          </p:spPr>
+          <p:style>
+            <a:lnRef idx="3">
+              <a:schemeClr val="accent3"/>
+            </a:lnRef>
+            <a:fillRef idx="0">
+              <a:schemeClr val="accent3"/>
+            </a:fillRef>
+            <a:effectRef idx="2">
+              <a:schemeClr val="accent3"/>
+            </a:effectRef>
+            <a:fontRef idx="minor">
+              <a:schemeClr val="tx1"/>
+            </a:fontRef>
+          </p:style>
+        </p:cxnSp>
+        <p:sp>
+          <p:nvSpPr>
+            <p:cNvPr id="46" name="文本框 45">
+              <a:extLst>
+                <a:ext uri="{FF2B5EF4-FFF2-40B4-BE49-F238E27FC236}">
+                  <a16:creationId xmlns:a16="http://schemas.microsoft.com/office/drawing/2014/main" id="{C662DDE7-85C4-46AA-A12B-C40857F44BBD}"/>
+                </a:ext>
+              </a:extLst>
+            </p:cNvPr>
+            <p:cNvSpPr txBox="1"/>
+            <p:nvPr/>
+          </p:nvSpPr>
+          <p:spPr>
+            <a:xfrm>
+              <a:off x="7888309" y="1375286"/>
+              <a:ext cx="369077" cy="461665"/>
+            </a:xfrm>
+            <a:prstGeom prst="rect">
+              <a:avLst/>
+            </a:prstGeom>
+            <a:noFill/>
+          </p:spPr>
+          <p:txBody>
+            <a:bodyPr wrap="square" rtlCol="0">
+              <a:spAutoFit/>
+            </a:bodyPr>
+            <a:lstStyle/>
+            <a:p>
+              <a:r>
+                <a:rPr lang="en-US" altLang="zh-CN" sz="2400" b="1" i="1" dirty="0">
+                  <a:solidFill>
+                    <a:schemeClr val="bg1">
+                      <a:lumMod val="50000"/>
+                    </a:schemeClr>
+                  </a:solidFill>
+                  <a:latin typeface="Times New Roman" panose="02020603050405020304" pitchFamily="18" charset="0"/>
+                  <a:cs typeface="Times New Roman" panose="02020603050405020304" pitchFamily="18" charset="0"/>
+                </a:rPr>
+                <a:t>l</a:t>
+              </a:r>
+              <a:endParaRPr lang="zh-CN" altLang="en-US" sz="2400" b="1" i="1" dirty="0">
                 <a:solidFill>
-                  <a:schemeClr val="accent2">
-                    <a:lumMod val="75000"/>
+                  <a:schemeClr val="bg1">
+                    <a:lumMod val="50000"/>
                   </a:schemeClr>
                 </a:solidFill>
-                <a:tailEnd type="stealth" w="lg" len="lg"/>
-              </a:ln>
-            </p:spPr>
-            <p:style>
-              <a:lnRef idx="1">
-                <a:schemeClr val="accent1"/>
-              </a:lnRef>
-              <a:fillRef idx="0">
-                <a:schemeClr val="accent1"/>
-              </a:fillRef>
-              <a:effectRef idx="0">
-                <a:schemeClr val="accent1"/>
-              </a:effectRef>
-              <a:fontRef idx="minor">
-                <a:schemeClr val="tx1"/>
-              </a:fontRef>
-            </p:style>
-          </p:cxnSp>
-          <p:cxnSp>
-            <p:nvCxnSpPr>
-              <p:cNvPr id="28" name="直接箭头连接符 27">
-                <a:extLst>
-                  <a:ext uri="{FF2B5EF4-FFF2-40B4-BE49-F238E27FC236}">
-                    <a16:creationId xmlns:a16="http://schemas.microsoft.com/office/drawing/2014/main" id="{C26A77DA-63B6-4766-99B0-AB99DB7AF307}"/>
-                  </a:ext>
-                </a:extLst>
-              </p:cNvPr>
-              <p:cNvCxnSpPr>
-                <a:cxnSpLocks/>
-              </p:cNvCxnSpPr>
-              <p:nvPr/>
-            </p:nvCxnSpPr>
-            <p:spPr>
-              <a:xfrm flipV="1">
-                <a:off x="7150158" y="2063160"/>
-                <a:ext cx="0" cy="1487428"/>
-              </a:xfrm>
-              <a:prstGeom prst="straightConnector1">
-                <a:avLst/>
-              </a:prstGeom>
-              <a:ln w="57150">
+                <a:latin typeface="Times New Roman" panose="02020603050405020304" pitchFamily="18" charset="0"/>
+                <a:cs typeface="Times New Roman" panose="02020603050405020304" pitchFamily="18" charset="0"/>
+              </a:endParaRPr>
+            </a:p>
+          </p:txBody>
+        </p:sp>
+        <p:cxnSp>
+          <p:nvCxnSpPr>
+            <p:cNvPr id="47" name="直接箭头连接符 46">
+              <a:extLst>
+                <a:ext uri="{FF2B5EF4-FFF2-40B4-BE49-F238E27FC236}">
+                  <a16:creationId xmlns:a16="http://schemas.microsoft.com/office/drawing/2014/main" id="{D1C03968-E760-424F-9A29-B0EC36864DEA}"/>
+                </a:ext>
+              </a:extLst>
+            </p:cNvPr>
+            <p:cNvCxnSpPr>
+              <a:cxnSpLocks/>
+            </p:cNvCxnSpPr>
+            <p:nvPr/>
+          </p:nvCxnSpPr>
+          <p:spPr>
+            <a:xfrm>
+              <a:off x="6772861" y="3369209"/>
+              <a:ext cx="1461895" cy="0"/>
+            </a:xfrm>
+            <a:prstGeom prst="straightConnector1">
+              <a:avLst/>
+            </a:prstGeom>
+            <a:ln w="38100">
+              <a:headEnd type="triangle"/>
+              <a:tailEnd type="triangle"/>
+            </a:ln>
+          </p:spPr>
+          <p:style>
+            <a:lnRef idx="3">
+              <a:schemeClr val="accent3"/>
+            </a:lnRef>
+            <a:fillRef idx="0">
+              <a:schemeClr val="accent3"/>
+            </a:fillRef>
+            <a:effectRef idx="2">
+              <a:schemeClr val="accent3"/>
+            </a:effectRef>
+            <a:fontRef idx="minor">
+              <a:schemeClr val="tx1"/>
+            </a:fontRef>
+          </p:style>
+        </p:cxnSp>
+        <p:cxnSp>
+          <p:nvCxnSpPr>
+            <p:cNvPr id="48" name="直接连接符 47">
+              <a:extLst>
+                <a:ext uri="{FF2B5EF4-FFF2-40B4-BE49-F238E27FC236}">
+                  <a16:creationId xmlns:a16="http://schemas.microsoft.com/office/drawing/2014/main" id="{A6ADB122-4799-49F3-B861-830CC1C462D4}"/>
+                </a:ext>
+              </a:extLst>
+            </p:cNvPr>
+            <p:cNvCxnSpPr>
+              <a:cxnSpLocks/>
+            </p:cNvCxnSpPr>
+            <p:nvPr/>
+          </p:nvCxnSpPr>
+          <p:spPr>
+            <a:xfrm>
+              <a:off x="6761183" y="2532397"/>
+              <a:ext cx="0" cy="982354"/>
+            </a:xfrm>
+            <a:prstGeom prst="line">
+              <a:avLst/>
+            </a:prstGeom>
+            <a:ln w="19050"/>
+          </p:spPr>
+          <p:style>
+            <a:lnRef idx="1">
+              <a:schemeClr val="accent3"/>
+            </a:lnRef>
+            <a:fillRef idx="0">
+              <a:schemeClr val="accent3"/>
+            </a:fillRef>
+            <a:effectRef idx="0">
+              <a:schemeClr val="accent3"/>
+            </a:effectRef>
+            <a:fontRef idx="minor">
+              <a:schemeClr val="tx1"/>
+            </a:fontRef>
+          </p:style>
+        </p:cxnSp>
+        <p:cxnSp>
+          <p:nvCxnSpPr>
+            <p:cNvPr id="49" name="直接连接符 48">
+              <a:extLst>
+                <a:ext uri="{FF2B5EF4-FFF2-40B4-BE49-F238E27FC236}">
+                  <a16:creationId xmlns:a16="http://schemas.microsoft.com/office/drawing/2014/main" id="{D23A3897-569C-4BC5-8270-E2D8F1E77249}"/>
+                </a:ext>
+              </a:extLst>
+            </p:cNvPr>
+            <p:cNvCxnSpPr/>
+            <p:nvPr/>
+          </p:nvCxnSpPr>
+          <p:spPr>
+            <a:xfrm>
+              <a:off x="8257386" y="2532397"/>
+              <a:ext cx="0" cy="982354"/>
+            </a:xfrm>
+            <a:prstGeom prst="line">
+              <a:avLst/>
+            </a:prstGeom>
+            <a:ln w="19050"/>
+          </p:spPr>
+          <p:style>
+            <a:lnRef idx="1">
+              <a:schemeClr val="accent3"/>
+            </a:lnRef>
+            <a:fillRef idx="0">
+              <a:schemeClr val="accent3"/>
+            </a:fillRef>
+            <a:effectRef idx="0">
+              <a:schemeClr val="accent3"/>
+            </a:effectRef>
+            <a:fontRef idx="minor">
+              <a:schemeClr val="tx1"/>
+            </a:fontRef>
+          </p:style>
+        </p:cxnSp>
+        <p:sp>
+          <p:nvSpPr>
+            <p:cNvPr id="50" name="文本框 49">
+              <a:extLst>
+                <a:ext uri="{FF2B5EF4-FFF2-40B4-BE49-F238E27FC236}">
+                  <a16:creationId xmlns:a16="http://schemas.microsoft.com/office/drawing/2014/main" id="{D30C1618-34A6-42F6-9072-3145CB68272F}"/>
+                </a:ext>
+              </a:extLst>
+            </p:cNvPr>
+            <p:cNvSpPr txBox="1"/>
+            <p:nvPr/>
+          </p:nvSpPr>
+          <p:spPr>
+            <a:xfrm>
+              <a:off x="6989979" y="2868282"/>
+              <a:ext cx="369077" cy="461665"/>
+            </a:xfrm>
+            <a:prstGeom prst="rect">
+              <a:avLst/>
+            </a:prstGeom>
+            <a:noFill/>
+          </p:spPr>
+          <p:txBody>
+            <a:bodyPr wrap="square" rtlCol="0">
+              <a:spAutoFit/>
+            </a:bodyPr>
+            <a:lstStyle/>
+            <a:p>
+              <a:r>
+                <a:rPr lang="en-US" altLang="zh-CN" sz="2400" b="1" i="1" dirty="0">
+                  <a:solidFill>
+                    <a:schemeClr val="bg1">
+                      <a:lumMod val="50000"/>
+                    </a:schemeClr>
+                  </a:solidFill>
+                  <a:latin typeface="Times New Roman" panose="02020603050405020304" pitchFamily="18" charset="0"/>
+                  <a:cs typeface="Times New Roman" panose="02020603050405020304" pitchFamily="18" charset="0"/>
+                </a:rPr>
+                <a:t>w</a:t>
+              </a:r>
+              <a:endParaRPr lang="zh-CN" altLang="en-US" sz="2400" b="1" i="1" dirty="0">
                 <a:solidFill>
-                  <a:schemeClr val="accent2">
-                    <a:lumMod val="75000"/>
+                  <a:schemeClr val="bg1">
+                    <a:lumMod val="50000"/>
                   </a:schemeClr>
                 </a:solidFill>
-                <a:tailEnd type="stealth" w="lg" len="lg"/>
-              </a:ln>
-            </p:spPr>
-            <p:style>
-              <a:lnRef idx="1">
-                <a:schemeClr val="accent1"/>
-              </a:lnRef>
-              <a:fillRef idx="0">
-                <a:schemeClr val="accent1"/>
-              </a:fillRef>
-              <a:effectRef idx="0">
-                <a:schemeClr val="accent1"/>
-              </a:effectRef>
-              <a:fontRef idx="minor">
-                <a:schemeClr val="tx1"/>
-              </a:fontRef>
-            </p:style>
-          </p:cxnSp>
-          <mc:AlternateContent xmlns:mc="http://schemas.openxmlformats.org/markup-compatibility/2006" xmlns:a14="http://schemas.microsoft.com/office/drawing/2010/main">
-            <mc:Choice Requires="a14">
-              <p:sp>
-                <p:nvSpPr>
-                  <p:cNvPr id="31" name="文本框 30">
-                    <a:extLst>
-                      <a:ext uri="{FF2B5EF4-FFF2-40B4-BE49-F238E27FC236}">
-                        <a16:creationId xmlns:a16="http://schemas.microsoft.com/office/drawing/2014/main" id="{16DC7A17-ACDC-40D0-88BC-0FFFBBEE7C53}"/>
-                      </a:ext>
-                    </a:extLst>
-                  </p:cNvPr>
-                  <p:cNvSpPr txBox="1"/>
-                  <p:nvPr/>
-                </p:nvSpPr>
-                <p:spPr>
-                  <a:xfrm>
-                    <a:off x="3790911" y="593885"/>
-                    <a:ext cx="558970" cy="523220"/>
-                  </a:xfrm>
-                  <a:prstGeom prst="rect">
-                    <a:avLst/>
-                  </a:prstGeom>
+                <a:latin typeface="Times New Roman" panose="02020603050405020304" pitchFamily="18" charset="0"/>
+                <a:cs typeface="Times New Roman" panose="02020603050405020304" pitchFamily="18" charset="0"/>
+              </a:endParaRPr>
+            </a:p>
+          </p:txBody>
+        </p:sp>
+        <p:cxnSp>
+          <p:nvCxnSpPr>
+            <p:cNvPr id="51" name="直接箭头连接符 50">
+              <a:extLst>
+                <a:ext uri="{FF2B5EF4-FFF2-40B4-BE49-F238E27FC236}">
+                  <a16:creationId xmlns:a16="http://schemas.microsoft.com/office/drawing/2014/main" id="{BCC61FD5-F10B-4100-B3B6-CB0F806287AF}"/>
+                </a:ext>
+              </a:extLst>
+            </p:cNvPr>
+            <p:cNvCxnSpPr>
+              <a:cxnSpLocks/>
+            </p:cNvCxnSpPr>
+            <p:nvPr/>
+          </p:nvCxnSpPr>
+          <p:spPr>
+            <a:xfrm flipH="1" flipV="1">
+              <a:off x="6847566" y="1055999"/>
+              <a:ext cx="643990" cy="617558"/>
+            </a:xfrm>
+            <a:prstGeom prst="straightConnector1">
+              <a:avLst/>
+            </a:prstGeom>
+            <a:ln w="38100">
+              <a:solidFill>
+                <a:srgbClr val="92D050"/>
+              </a:solidFill>
+              <a:prstDash val="sysDash"/>
+              <a:tailEnd type="stealth" w="lg" len="lg"/>
+            </a:ln>
+          </p:spPr>
+          <p:style>
+            <a:lnRef idx="1">
+              <a:schemeClr val="accent6"/>
+            </a:lnRef>
+            <a:fillRef idx="0">
+              <a:schemeClr val="accent6"/>
+            </a:fillRef>
+            <a:effectRef idx="0">
+              <a:schemeClr val="accent6"/>
+            </a:effectRef>
+            <a:fontRef idx="minor">
+              <a:schemeClr val="tx1"/>
+            </a:fontRef>
+          </p:style>
+        </p:cxnSp>
+        <mc:AlternateContent xmlns:mc="http://schemas.openxmlformats.org/markup-compatibility/2006" xmlns:a14="http://schemas.microsoft.com/office/drawing/2010/main">
+          <mc:Choice Requires="a14">
+            <p:sp>
+              <p:nvSpPr>
+                <p:cNvPr id="52" name="文本框 51">
+                  <a:extLst>
+                    <a:ext uri="{FF2B5EF4-FFF2-40B4-BE49-F238E27FC236}">
+                      <a16:creationId xmlns:a16="http://schemas.microsoft.com/office/drawing/2014/main" id="{61224DC2-4EBB-4C6B-91C4-DF8852C0FF87}"/>
+                    </a:ext>
+                  </a:extLst>
+                </p:cNvPr>
+                <p:cNvSpPr txBox="1"/>
+                <p:nvPr/>
+              </p:nvSpPr>
+              <p:spPr>
+                <a:xfrm>
+                  <a:off x="7079036" y="939363"/>
+                  <a:ext cx="298037" cy="461665"/>
+                </a:xfrm>
+                <a:prstGeom prst="rect">
+                  <a:avLst/>
+                </a:prstGeom>
+                <a:noFill/>
+              </p:spPr>
+              <p:txBody>
+                <a:bodyPr wrap="square" rtlCol="0">
+                  <a:spAutoFit/>
+                </a:bodyPr>
+                <a:lstStyle/>
+                <a:p>
+                  <a:pPr/>
+                  <a14:m>
+                    <m:oMathPara xmlns:m="http://schemas.openxmlformats.org/officeDocument/2006/math">
+                      <m:oMathParaPr>
+                        <m:jc m:val="centerGroup"/>
+                      </m:oMathParaPr>
+                      <m:oMath xmlns:m="http://schemas.openxmlformats.org/officeDocument/2006/math">
+                        <m:sSub>
+                          <m:sSubPr>
+                            <m:ctrlPr>
+                              <a:rPr lang="en-US" altLang="zh-CN" sz="2400" b="1" i="1" dirty="0" smtClean="0">
+                                <a:solidFill>
+                                  <a:srgbClr val="92D050"/>
+                                </a:solidFill>
+                                <a:latin typeface="Cambria Math" panose="02040503050406030204" pitchFamily="18" charset="0"/>
+                                <a:cs typeface="Times New Roman" panose="02020603050405020304" pitchFamily="18" charset="0"/>
+                              </a:rPr>
+                            </m:ctrlPr>
+                          </m:sSubPr>
+                          <m:e>
+                            <m:r>
+                              <a:rPr lang="en-US" altLang="zh-CN" sz="2400" b="1" i="1" dirty="0" smtClean="0">
+                                <a:solidFill>
+                                  <a:srgbClr val="92D050"/>
+                                </a:solidFill>
+                                <a:latin typeface="Cambria Math" panose="02040503050406030204" pitchFamily="18" charset="0"/>
+                                <a:cs typeface="Times New Roman" panose="02020603050405020304" pitchFamily="18" charset="0"/>
+                              </a:rPr>
+                              <m:t>𝒓</m:t>
+                            </m:r>
+                          </m:e>
+                          <m:sub>
+                            <m:r>
+                              <a:rPr lang="en-US" altLang="zh-CN" sz="2400" b="1" i="1" dirty="0" smtClean="0">
+                                <a:solidFill>
+                                  <a:srgbClr val="92D050"/>
+                                </a:solidFill>
+                                <a:latin typeface="Cambria Math" panose="02040503050406030204" pitchFamily="18" charset="0"/>
+                                <a:cs typeface="Times New Roman" panose="02020603050405020304" pitchFamily="18" charset="0"/>
+                              </a:rPr>
+                              <m:t>𝟏</m:t>
+                            </m:r>
+                          </m:sub>
+                        </m:sSub>
+                      </m:oMath>
+                    </m:oMathPara>
+                  </a14:m>
+                  <a:endParaRPr lang="zh-CN" altLang="en-US" sz="2400" b="1" i="1" dirty="0">
+                    <a:solidFill>
+                      <a:srgbClr val="92D050"/>
+                    </a:solidFill>
+                    <a:latin typeface="Times New Roman" panose="02020603050405020304" pitchFamily="18" charset="0"/>
+                    <a:cs typeface="Times New Roman" panose="02020603050405020304" pitchFamily="18" charset="0"/>
+                  </a:endParaRPr>
+                </a:p>
+              </p:txBody>
+            </p:sp>
+          </mc:Choice>
+          <mc:Fallback xmlns="">
+            <p:sp>
+              <p:nvSpPr>
+                <p:cNvPr id="52" name="文本框 51">
+                  <a:extLst>
+                    <a:ext uri="{FF2B5EF4-FFF2-40B4-BE49-F238E27FC236}">
+                      <a16:creationId xmlns:a16="http://schemas.microsoft.com/office/drawing/2014/main" id="{61224DC2-4EBB-4C6B-91C4-DF8852C0FF87}"/>
+                    </a:ext>
+                  </a:extLst>
+                </p:cNvPr>
+                <p:cNvSpPr txBox="1">
+                  <a:spLocks noRot="1" noChangeAspect="1" noMove="1" noResize="1" noEditPoints="1" noAdjustHandles="1" noChangeArrowheads="1" noChangeShapeType="1" noTextEdit="1"/>
+                </p:cNvSpPr>
+                <p:nvPr/>
+              </p:nvSpPr>
+              <p:spPr>
+                <a:xfrm>
+                  <a:off x="7079036" y="939363"/>
+                  <a:ext cx="298037" cy="461665"/>
+                </a:xfrm>
+                <a:prstGeom prst="rect">
+                  <a:avLst/>
+                </a:prstGeom>
+                <a:blipFill>
+                  <a:blip r:embed="rId13"/>
+                  <a:stretch>
+                    <a:fillRect r="-57143" b="-3947"/>
+                  </a:stretch>
+                </a:blipFill>
+              </p:spPr>
+              <p:txBody>
+                <a:bodyPr/>
+                <a:lstStyle/>
+                <a:p>
+                  <a:r>
+                    <a:rPr lang="zh-CN" altLang="en-US">
+                      <a:noFill/>
+                    </a:rPr>
+                    <a:t> </a:t>
+                  </a:r>
+                </a:p>
+              </p:txBody>
+            </p:sp>
+          </mc:Fallback>
+        </mc:AlternateContent>
+        <p:cxnSp>
+          <p:nvCxnSpPr>
+            <p:cNvPr id="58" name="直接箭头连接符 57">
+              <a:extLst>
+                <a:ext uri="{FF2B5EF4-FFF2-40B4-BE49-F238E27FC236}">
+                  <a16:creationId xmlns:a16="http://schemas.microsoft.com/office/drawing/2014/main" id="{BDDCE529-19D2-4FB9-B0FB-4367625799AA}"/>
+                </a:ext>
+              </a:extLst>
+            </p:cNvPr>
+            <p:cNvCxnSpPr>
+              <a:cxnSpLocks/>
+            </p:cNvCxnSpPr>
+            <p:nvPr/>
+          </p:nvCxnSpPr>
+          <p:spPr>
+            <a:xfrm flipV="1">
+              <a:off x="6761183" y="4257074"/>
+              <a:ext cx="0" cy="611555"/>
+            </a:xfrm>
+            <a:prstGeom prst="straightConnector1">
+              <a:avLst/>
+            </a:prstGeom>
+            <a:ln w="57150">
+              <a:solidFill>
+                <a:schemeClr val="accent2">
+                  <a:lumMod val="75000"/>
+                </a:schemeClr>
+              </a:solidFill>
+              <a:tailEnd type="stealth" w="lg" len="lg"/>
+            </a:ln>
+          </p:spPr>
+          <p:style>
+            <a:lnRef idx="1">
+              <a:schemeClr val="accent1"/>
+            </a:lnRef>
+            <a:fillRef idx="0">
+              <a:schemeClr val="accent1"/>
+            </a:fillRef>
+            <a:effectRef idx="0">
+              <a:schemeClr val="accent1"/>
+            </a:effectRef>
+            <a:fontRef idx="minor">
+              <a:schemeClr val="tx1"/>
+            </a:fontRef>
+          </p:style>
+        </p:cxnSp>
+        <p:cxnSp>
+          <p:nvCxnSpPr>
+            <p:cNvPr id="61" name="直接箭头连接符 60">
+              <a:extLst>
+                <a:ext uri="{FF2B5EF4-FFF2-40B4-BE49-F238E27FC236}">
+                  <a16:creationId xmlns:a16="http://schemas.microsoft.com/office/drawing/2014/main" id="{F18ADF52-A65F-4424-99AA-F33790CED267}"/>
+                </a:ext>
+              </a:extLst>
+            </p:cNvPr>
+            <p:cNvCxnSpPr>
+              <a:cxnSpLocks/>
+            </p:cNvCxnSpPr>
+            <p:nvPr/>
+          </p:nvCxnSpPr>
+          <p:spPr>
+            <a:xfrm flipV="1">
+              <a:off x="8200551" y="3550090"/>
+              <a:ext cx="0" cy="599964"/>
+            </a:xfrm>
+            <a:prstGeom prst="straightConnector1">
+              <a:avLst/>
+            </a:prstGeom>
+            <a:ln w="57150">
+              <a:solidFill>
+                <a:schemeClr val="accent2">
+                  <a:lumMod val="75000"/>
+                </a:schemeClr>
+              </a:solidFill>
+              <a:tailEnd type="stealth" w="lg" len="lg"/>
+            </a:ln>
+          </p:spPr>
+          <p:style>
+            <a:lnRef idx="1">
+              <a:schemeClr val="accent1"/>
+            </a:lnRef>
+            <a:fillRef idx="0">
+              <a:schemeClr val="accent1"/>
+            </a:fillRef>
+            <a:effectRef idx="0">
+              <a:schemeClr val="accent1"/>
+            </a:effectRef>
+            <a:fontRef idx="minor">
+              <a:schemeClr val="tx1"/>
+            </a:fontRef>
+          </p:style>
+        </p:cxnSp>
+        <p:cxnSp>
+          <p:nvCxnSpPr>
+            <p:cNvPr id="63" name="直接箭头连接符 62">
+              <a:extLst>
+                <a:ext uri="{FF2B5EF4-FFF2-40B4-BE49-F238E27FC236}">
+                  <a16:creationId xmlns:a16="http://schemas.microsoft.com/office/drawing/2014/main" id="{72401C93-ED60-4A3C-A43A-EA234E081BA6}"/>
+                </a:ext>
+              </a:extLst>
+            </p:cNvPr>
+            <p:cNvCxnSpPr>
+              <a:cxnSpLocks/>
+            </p:cNvCxnSpPr>
+            <p:nvPr/>
+          </p:nvCxnSpPr>
+          <p:spPr>
+            <a:xfrm flipV="1">
+              <a:off x="8190067" y="5138417"/>
+              <a:ext cx="0" cy="574257"/>
+            </a:xfrm>
+            <a:prstGeom prst="straightConnector1">
+              <a:avLst/>
+            </a:prstGeom>
+            <a:ln w="57150">
+              <a:solidFill>
+                <a:schemeClr val="accent2">
+                  <a:lumMod val="75000"/>
+                </a:schemeClr>
+              </a:solidFill>
+              <a:tailEnd type="stealth" w="lg" len="lg"/>
+            </a:ln>
+          </p:spPr>
+          <p:style>
+            <a:lnRef idx="1">
+              <a:schemeClr val="accent1"/>
+            </a:lnRef>
+            <a:fillRef idx="0">
+              <a:schemeClr val="accent1"/>
+            </a:fillRef>
+            <a:effectRef idx="0">
+              <a:schemeClr val="accent1"/>
+            </a:effectRef>
+            <a:fontRef idx="minor">
+              <a:schemeClr val="tx1"/>
+            </a:fontRef>
+          </p:style>
+        </p:cxnSp>
+        <mc:AlternateContent xmlns:mc="http://schemas.openxmlformats.org/markup-compatibility/2006" xmlns:a14="http://schemas.microsoft.com/office/drawing/2010/main">
+          <mc:Choice Requires="a14">
+            <p:sp>
+              <p:nvSpPr>
+                <p:cNvPr id="65" name="文本框 64">
+                  <a:extLst>
+                    <a:ext uri="{FF2B5EF4-FFF2-40B4-BE49-F238E27FC236}">
+                      <a16:creationId xmlns:a16="http://schemas.microsoft.com/office/drawing/2014/main" id="{7592B7FA-43C4-49C9-A612-8F243463ADB3}"/>
+                    </a:ext>
+                  </a:extLst>
+                </p:cNvPr>
+                <p:cNvSpPr txBox="1"/>
+                <p:nvPr/>
+              </p:nvSpPr>
+              <p:spPr>
+                <a:xfrm>
+                  <a:off x="6165431" y="4342168"/>
+                  <a:ext cx="558970" cy="461665"/>
+                </a:xfrm>
+                <a:prstGeom prst="rect">
+                  <a:avLst/>
+                </a:prstGeom>
+                <a:noFill/>
+                <a:ln>
                   <a:noFill/>
-                  <a:ln>
-                    <a:noFill/>
-                  </a:ln>
-                </p:spPr>
-                <p:txBody>
-                  <a:bodyPr wrap="square" rtlCol="0">
-                    <a:spAutoFit/>
-                  </a:bodyPr>
-                  <a:lstStyle/>
-                  <a:p>
-                    <a:pPr/>
-                    <a14:m>
-                      <m:oMathPara xmlns:m="http://schemas.openxmlformats.org/officeDocument/2006/math">
-                        <m:oMathParaPr>
-                          <m:jc m:val="centerGroup"/>
-                        </m:oMathParaPr>
-                        <m:oMath xmlns:m="http://schemas.openxmlformats.org/officeDocument/2006/math">
-                          <m:sSub>
-                            <m:sSubPr>
-                              <m:ctrlPr>
-                                <a:rPr lang="en-US" altLang="zh-CN" sz="2800" b="1" i="1" dirty="0" smtClean="0">
-                                  <a:ln>
-                                    <a:noFill/>
-                                  </a:ln>
-                                  <a:solidFill>
-                                    <a:schemeClr val="accent2">
-                                      <a:lumMod val="75000"/>
-                                    </a:schemeClr>
-                                  </a:solidFill>
-                                  <a:latin typeface="Cambria Math" panose="02040503050406030204" pitchFamily="18" charset="0"/>
-                                  <a:cs typeface="Times New Roman" panose="02020603050405020304" pitchFamily="18" charset="0"/>
-                                </a:rPr>
-                              </m:ctrlPr>
-                            </m:sSubPr>
-                            <m:e>
-                              <m:r>
-                                <a:rPr lang="en-US" altLang="zh-CN" sz="2800" b="1" i="1" dirty="0">
-                                  <a:ln>
-                                    <a:noFill/>
-                                  </a:ln>
-                                  <a:solidFill>
-                                    <a:schemeClr val="accent2">
-                                      <a:lumMod val="75000"/>
-                                    </a:schemeClr>
-                                  </a:solidFill>
-                                  <a:latin typeface="Cambria Math" panose="02040503050406030204" pitchFamily="18" charset="0"/>
-                                  <a:cs typeface="Times New Roman" panose="02020603050405020304" pitchFamily="18" charset="0"/>
-                                </a:rPr>
-                                <m:t>𝒗</m:t>
-                              </m:r>
-                            </m:e>
-                            <m:sub>
-                              <m:r>
-                                <a:rPr lang="en-US" altLang="zh-CN" sz="2800" b="1" i="1" dirty="0" smtClean="0">
-                                  <a:ln>
-                                    <a:noFill/>
-                                  </a:ln>
-                                  <a:solidFill>
-                                    <a:schemeClr val="accent2">
-                                      <a:lumMod val="75000"/>
-                                    </a:schemeClr>
-                                  </a:solidFill>
-                                  <a:latin typeface="Cambria Math" panose="02040503050406030204" pitchFamily="18" charset="0"/>
-                                  <a:cs typeface="Times New Roman" panose="02020603050405020304" pitchFamily="18" charset="0"/>
-                                </a:rPr>
-                                <m:t>𝟏</m:t>
-                              </m:r>
-                            </m:sub>
-                          </m:sSub>
-                        </m:oMath>
-                      </m:oMathPara>
-                    </a14:m>
-                    <a:endParaRPr lang="zh-CN" altLang="en-US" sz="2800" b="1" i="1" dirty="0">
-                      <a:ln>
-                        <a:noFill/>
-                      </a:ln>
-                      <a:solidFill>
-                        <a:schemeClr val="accent2">
-                          <a:lumMod val="75000"/>
-                        </a:schemeClr>
-                      </a:solidFill>
-                      <a:latin typeface="Cambria Math" panose="02040503050406030204" pitchFamily="18" charset="0"/>
-                      <a:cs typeface="Times New Roman" panose="02020603050405020304" pitchFamily="18" charset="0"/>
-                    </a:endParaRPr>
-                  </a:p>
-                </p:txBody>
-              </p:sp>
-            </mc:Choice>
-            <mc:Fallback xmlns="">
-              <p:sp>
-                <p:nvSpPr>
-                  <p:cNvPr id="31" name="文本框 30">
-                    <a:extLst>
-                      <a:ext uri="{FF2B5EF4-FFF2-40B4-BE49-F238E27FC236}">
-                        <a16:creationId xmlns:a16="http://schemas.microsoft.com/office/drawing/2014/main" id="{16DC7A17-ACDC-40D0-88BC-0FFFBBEE7C53}"/>
-                      </a:ext>
-                    </a:extLst>
-                  </p:cNvPr>
-                  <p:cNvSpPr txBox="1">
-                    <a:spLocks noRot="1" noChangeAspect="1" noMove="1" noResize="1" noEditPoints="1" noAdjustHandles="1" noChangeArrowheads="1" noChangeShapeType="1" noTextEdit="1"/>
-                  </p:cNvSpPr>
-                  <p:nvPr/>
-                </p:nvSpPr>
-                <p:spPr>
-                  <a:xfrm>
-                    <a:off x="3790911" y="593885"/>
-                    <a:ext cx="558970" cy="523220"/>
-                  </a:xfrm>
-                  <a:prstGeom prst="rect">
-                    <a:avLst/>
-                  </a:prstGeom>
-                  <a:blipFill>
-                    <a:blip r:embed="rId8"/>
-                    <a:stretch>
-                      <a:fillRect/>
-                    </a:stretch>
-                  </a:blipFill>
-                  <a:ln>
-                    <a:noFill/>
-                  </a:ln>
-                </p:spPr>
-                <p:txBody>
-                  <a:bodyPr/>
-                  <a:lstStyle/>
-                  <a:p>
-                    <a:r>
-                      <a:rPr lang="zh-CN" altLang="en-US">
-                        <a:noFill/>
-                      </a:rPr>
-                      <a:t> </a:t>
-                    </a:r>
-                  </a:p>
-                </p:txBody>
-              </p:sp>
-            </mc:Fallback>
-          </mc:AlternateContent>
-          <mc:AlternateContent xmlns:mc="http://schemas.openxmlformats.org/markup-compatibility/2006" xmlns:a14="http://schemas.microsoft.com/office/drawing/2010/main">
-            <mc:Choice Requires="a14">
-              <p:sp>
-                <p:nvSpPr>
-                  <p:cNvPr id="32" name="文本框 31">
-                    <a:extLst>
-                      <a:ext uri="{FF2B5EF4-FFF2-40B4-BE49-F238E27FC236}">
-                        <a16:creationId xmlns:a16="http://schemas.microsoft.com/office/drawing/2014/main" id="{E566DB27-B4F6-4C52-8A0F-ABEFB4C7DA06}"/>
-                      </a:ext>
-                    </a:extLst>
-                  </p:cNvPr>
-                  <p:cNvSpPr txBox="1"/>
-                  <p:nvPr/>
-                </p:nvSpPr>
-                <p:spPr>
-                  <a:xfrm>
-                    <a:off x="3805361" y="2403226"/>
-                    <a:ext cx="558970" cy="523220"/>
-                  </a:xfrm>
-                  <a:prstGeom prst="rect">
-                    <a:avLst/>
-                  </a:prstGeom>
+                </a:ln>
+              </p:spPr>
+              <p:txBody>
+                <a:bodyPr wrap="square" rtlCol="0">
+                  <a:spAutoFit/>
+                </a:bodyPr>
+                <a:lstStyle/>
+                <a:p>
+                  <a:pPr/>
+                  <a14:m>
+                    <m:oMathPara xmlns:m="http://schemas.openxmlformats.org/officeDocument/2006/math">
+                      <m:oMathParaPr>
+                        <m:jc m:val="centerGroup"/>
+                      </m:oMathParaPr>
+                      <m:oMath xmlns:m="http://schemas.openxmlformats.org/officeDocument/2006/math">
+                        <m:sSub>
+                          <m:sSubPr>
+                            <m:ctrlPr>
+                              <a:rPr lang="en-US" altLang="zh-CN" sz="2400" b="1" i="1" dirty="0" smtClean="0">
+                                <a:ln>
+                                  <a:noFill/>
+                                </a:ln>
+                                <a:solidFill>
+                                  <a:schemeClr val="accent2">
+                                    <a:lumMod val="75000"/>
+                                  </a:schemeClr>
+                                </a:solidFill>
+                                <a:latin typeface="Cambria Math" panose="02040503050406030204" pitchFamily="18" charset="0"/>
+                                <a:cs typeface="Times New Roman" panose="02020603050405020304" pitchFamily="18" charset="0"/>
+                              </a:rPr>
+                            </m:ctrlPr>
+                          </m:sSubPr>
+                          <m:e>
+                            <m:r>
+                              <a:rPr lang="en-US" altLang="zh-CN" sz="2400" b="1" i="1" dirty="0">
+                                <a:ln>
+                                  <a:noFill/>
+                                </a:ln>
+                                <a:solidFill>
+                                  <a:schemeClr val="accent2">
+                                    <a:lumMod val="75000"/>
+                                  </a:schemeClr>
+                                </a:solidFill>
+                                <a:latin typeface="Cambria Math" panose="02040503050406030204" pitchFamily="18" charset="0"/>
+                                <a:cs typeface="Times New Roman" panose="02020603050405020304" pitchFamily="18" charset="0"/>
+                              </a:rPr>
+                              <m:t>𝒗</m:t>
+                            </m:r>
+                          </m:e>
+                          <m:sub>
+                            <m:r>
+                              <a:rPr lang="en-US" altLang="zh-CN" sz="2400" b="1" i="1" dirty="0" smtClean="0">
+                                <a:ln>
+                                  <a:noFill/>
+                                </a:ln>
+                                <a:solidFill>
+                                  <a:schemeClr val="accent2">
+                                    <a:lumMod val="75000"/>
+                                  </a:schemeClr>
+                                </a:solidFill>
+                                <a:latin typeface="Cambria Math" panose="02040503050406030204" pitchFamily="18" charset="0"/>
+                                <a:cs typeface="Times New Roman" panose="02020603050405020304" pitchFamily="18" charset="0"/>
+                              </a:rPr>
+                              <m:t>𝟏</m:t>
+                            </m:r>
+                          </m:sub>
+                        </m:sSub>
+                      </m:oMath>
+                    </m:oMathPara>
+                  </a14:m>
+                  <a:endParaRPr lang="zh-CN" altLang="en-US" sz="2400" b="1" i="1" dirty="0">
+                    <a:ln>
+                      <a:noFill/>
+                    </a:ln>
+                    <a:solidFill>
+                      <a:schemeClr val="accent2">
+                        <a:lumMod val="75000"/>
+                      </a:schemeClr>
+                    </a:solidFill>
+                    <a:latin typeface="Cambria Math" panose="02040503050406030204" pitchFamily="18" charset="0"/>
+                    <a:cs typeface="Times New Roman" panose="02020603050405020304" pitchFamily="18" charset="0"/>
+                  </a:endParaRPr>
+                </a:p>
+              </p:txBody>
+            </p:sp>
+          </mc:Choice>
+          <mc:Fallback xmlns="">
+            <p:sp>
+              <p:nvSpPr>
+                <p:cNvPr id="65" name="文本框 64">
+                  <a:extLst>
+                    <a:ext uri="{FF2B5EF4-FFF2-40B4-BE49-F238E27FC236}">
+                      <a16:creationId xmlns:a16="http://schemas.microsoft.com/office/drawing/2014/main" id="{7592B7FA-43C4-49C9-A612-8F243463ADB3}"/>
+                    </a:ext>
+                  </a:extLst>
+                </p:cNvPr>
+                <p:cNvSpPr txBox="1">
+                  <a:spLocks noRot="1" noChangeAspect="1" noMove="1" noResize="1" noEditPoints="1" noAdjustHandles="1" noChangeArrowheads="1" noChangeShapeType="1" noTextEdit="1"/>
+                </p:cNvSpPr>
+                <p:nvPr/>
+              </p:nvSpPr>
+              <p:spPr>
+                <a:xfrm>
+                  <a:off x="6165431" y="4342168"/>
+                  <a:ext cx="558970" cy="461665"/>
+                </a:xfrm>
+                <a:prstGeom prst="rect">
+                  <a:avLst/>
+                </a:prstGeom>
+                <a:blipFill>
+                  <a:blip r:embed="rId14"/>
+                  <a:stretch>
+                    <a:fillRect b="-5263"/>
+                  </a:stretch>
+                </a:blipFill>
+                <a:ln>
                   <a:noFill/>
-                  <a:ln>
-                    <a:noFill/>
-                  </a:ln>
-                </p:spPr>
-                <p:txBody>
-                  <a:bodyPr wrap="square" rtlCol="0">
-                    <a:spAutoFit/>
-                  </a:bodyPr>
-                  <a:lstStyle/>
-                  <a:p>
-                    <a:pPr/>
-                    <a14:m>
-                      <m:oMathPara xmlns:m="http://schemas.openxmlformats.org/officeDocument/2006/math">
-                        <m:oMathParaPr>
-                          <m:jc m:val="centerGroup"/>
-                        </m:oMathParaPr>
-                        <m:oMath xmlns:m="http://schemas.openxmlformats.org/officeDocument/2006/math">
-                          <m:sSub>
-                            <m:sSubPr>
-                              <m:ctrlPr>
-                                <a:rPr lang="en-US" altLang="zh-CN" sz="2800" b="1" i="1" dirty="0" smtClean="0">
-                                  <a:ln>
-                                    <a:noFill/>
-                                  </a:ln>
-                                  <a:solidFill>
-                                    <a:schemeClr val="accent2">
-                                      <a:lumMod val="75000"/>
-                                    </a:schemeClr>
-                                  </a:solidFill>
-                                  <a:latin typeface="Cambria Math" panose="02040503050406030204" pitchFamily="18" charset="0"/>
-                                  <a:cs typeface="Times New Roman" panose="02020603050405020304" pitchFamily="18" charset="0"/>
-                                </a:rPr>
-                              </m:ctrlPr>
-                            </m:sSubPr>
-                            <m:e>
-                              <m:r>
-                                <a:rPr lang="en-US" altLang="zh-CN" sz="2800" b="1" i="1" dirty="0">
-                                  <a:ln>
-                                    <a:noFill/>
-                                  </a:ln>
-                                  <a:solidFill>
-                                    <a:schemeClr val="accent2">
-                                      <a:lumMod val="75000"/>
-                                    </a:schemeClr>
-                                  </a:solidFill>
-                                  <a:latin typeface="Cambria Math" panose="02040503050406030204" pitchFamily="18" charset="0"/>
-                                  <a:cs typeface="Times New Roman" panose="02020603050405020304" pitchFamily="18" charset="0"/>
-                                </a:rPr>
-                                <m:t>𝒗</m:t>
-                              </m:r>
-                            </m:e>
-                            <m:sub>
-                              <m:r>
-                                <a:rPr lang="en-US" altLang="zh-CN" sz="2800" b="1" i="1" dirty="0" smtClean="0">
-                                  <a:ln>
-                                    <a:noFill/>
-                                  </a:ln>
-                                  <a:solidFill>
-                                    <a:schemeClr val="accent2">
-                                      <a:lumMod val="75000"/>
-                                    </a:schemeClr>
-                                  </a:solidFill>
-                                  <a:latin typeface="Cambria Math" panose="02040503050406030204" pitchFamily="18" charset="0"/>
-                                  <a:cs typeface="Times New Roman" panose="02020603050405020304" pitchFamily="18" charset="0"/>
-                                </a:rPr>
-                                <m:t>𝟐</m:t>
-                              </m:r>
-                            </m:sub>
-                          </m:sSub>
-                        </m:oMath>
-                      </m:oMathPara>
-                    </a14:m>
-                    <a:endParaRPr lang="zh-CN" altLang="en-US" sz="2800" b="1" i="1" dirty="0">
-                      <a:ln>
-                        <a:noFill/>
-                      </a:ln>
-                      <a:solidFill>
-                        <a:schemeClr val="accent2">
-                          <a:lumMod val="75000"/>
-                        </a:schemeClr>
-                      </a:solidFill>
-                      <a:latin typeface="Cambria Math" panose="02040503050406030204" pitchFamily="18" charset="0"/>
-                      <a:cs typeface="Times New Roman" panose="02020603050405020304" pitchFamily="18" charset="0"/>
-                    </a:endParaRPr>
-                  </a:p>
-                </p:txBody>
-              </p:sp>
-            </mc:Choice>
-            <mc:Fallback xmlns="">
-              <p:sp>
-                <p:nvSpPr>
-                  <p:cNvPr id="32" name="文本框 31">
-                    <a:extLst>
-                      <a:ext uri="{FF2B5EF4-FFF2-40B4-BE49-F238E27FC236}">
-                        <a16:creationId xmlns:a16="http://schemas.microsoft.com/office/drawing/2014/main" id="{E566DB27-B4F6-4C52-8A0F-ABEFB4C7DA06}"/>
-                      </a:ext>
-                    </a:extLst>
-                  </p:cNvPr>
-                  <p:cNvSpPr txBox="1">
-                    <a:spLocks noRot="1" noChangeAspect="1" noMove="1" noResize="1" noEditPoints="1" noAdjustHandles="1" noChangeArrowheads="1" noChangeShapeType="1" noTextEdit="1"/>
-                  </p:cNvSpPr>
-                  <p:nvPr/>
-                </p:nvSpPr>
-                <p:spPr>
-                  <a:xfrm>
-                    <a:off x="3805361" y="2403226"/>
-                    <a:ext cx="558970" cy="523220"/>
-                  </a:xfrm>
-                  <a:prstGeom prst="rect">
-                    <a:avLst/>
-                  </a:prstGeom>
-                  <a:blipFill>
-                    <a:blip r:embed="rId9"/>
-                    <a:stretch>
-                      <a:fillRect/>
-                    </a:stretch>
-                  </a:blipFill>
-                  <a:ln>
-                    <a:noFill/>
-                  </a:ln>
-                </p:spPr>
-                <p:txBody>
-                  <a:bodyPr/>
-                  <a:lstStyle/>
-                  <a:p>
-                    <a:r>
-                      <a:rPr lang="zh-CN" altLang="en-US">
-                        <a:noFill/>
-                      </a:rPr>
-                      <a:t> </a:t>
-                    </a:r>
-                  </a:p>
-                </p:txBody>
-              </p:sp>
-            </mc:Fallback>
-          </mc:AlternateContent>
-          <mc:AlternateContent xmlns:mc="http://schemas.openxmlformats.org/markup-compatibility/2006" xmlns:a14="http://schemas.microsoft.com/office/drawing/2010/main">
-            <mc:Choice Requires="a14">
-              <p:sp>
-                <p:nvSpPr>
-                  <p:cNvPr id="33" name="文本框 32">
-                    <a:extLst>
-                      <a:ext uri="{FF2B5EF4-FFF2-40B4-BE49-F238E27FC236}">
-                        <a16:creationId xmlns:a16="http://schemas.microsoft.com/office/drawing/2014/main" id="{03A44032-9095-45DE-8350-7D54A1882888}"/>
-                      </a:ext>
-                    </a:extLst>
-                  </p:cNvPr>
-                  <p:cNvSpPr txBox="1"/>
-                  <p:nvPr/>
-                </p:nvSpPr>
-                <p:spPr>
-                  <a:xfrm>
-                    <a:off x="7237556" y="593885"/>
-                    <a:ext cx="558970" cy="523220"/>
-                  </a:xfrm>
-                  <a:prstGeom prst="rect">
-                    <a:avLst/>
-                  </a:prstGeom>
+                </a:ln>
+              </p:spPr>
+              <p:txBody>
+                <a:bodyPr/>
+                <a:lstStyle/>
+                <a:p>
+                  <a:r>
+                    <a:rPr lang="zh-CN" altLang="en-US">
+                      <a:noFill/>
+                    </a:rPr>
+                    <a:t> </a:t>
+                  </a:r>
+                </a:p>
+              </p:txBody>
+            </p:sp>
+          </mc:Fallback>
+        </mc:AlternateContent>
+        <mc:AlternateContent xmlns:mc="http://schemas.openxmlformats.org/markup-compatibility/2006" xmlns:a14="http://schemas.microsoft.com/office/drawing/2010/main">
+          <mc:Choice Requires="a14">
+            <p:sp>
+              <p:nvSpPr>
+                <p:cNvPr id="66" name="文本框 65">
+                  <a:extLst>
+                    <a:ext uri="{FF2B5EF4-FFF2-40B4-BE49-F238E27FC236}">
+                      <a16:creationId xmlns:a16="http://schemas.microsoft.com/office/drawing/2014/main" id="{CCE99ED2-9BE4-4926-BF2A-5BF52C46FB10}"/>
+                    </a:ext>
+                  </a:extLst>
+                </p:cNvPr>
+                <p:cNvSpPr txBox="1"/>
+                <p:nvPr/>
+              </p:nvSpPr>
+              <p:spPr>
+                <a:xfrm>
+                  <a:off x="8265949" y="4956585"/>
+                  <a:ext cx="558970" cy="461665"/>
+                </a:xfrm>
+                <a:prstGeom prst="rect">
+                  <a:avLst/>
+                </a:prstGeom>
+                <a:noFill/>
+                <a:ln>
                   <a:noFill/>
-                  <a:ln>
-                    <a:noFill/>
-                  </a:ln>
-                </p:spPr>
-                <p:txBody>
-                  <a:bodyPr wrap="square" rtlCol="0">
-                    <a:spAutoFit/>
-                  </a:bodyPr>
-                  <a:lstStyle/>
-                  <a:p>
-                    <a:pPr/>
-                    <a14:m>
-                      <m:oMathPara xmlns:m="http://schemas.openxmlformats.org/officeDocument/2006/math">
-                        <m:oMathParaPr>
-                          <m:jc m:val="centerGroup"/>
-                        </m:oMathParaPr>
-                        <m:oMath xmlns:m="http://schemas.openxmlformats.org/officeDocument/2006/math">
-                          <m:sSub>
-                            <m:sSubPr>
-                              <m:ctrlPr>
-                                <a:rPr lang="en-US" altLang="zh-CN" sz="2800" b="1" i="1" smtClean="0">
-                                  <a:ln>
-                                    <a:noFill/>
-                                  </a:ln>
-                                  <a:solidFill>
-                                    <a:schemeClr val="accent2">
-                                      <a:lumMod val="75000"/>
-                                    </a:schemeClr>
-                                  </a:solidFill>
-                                  <a:latin typeface="Cambria Math" panose="02040503050406030204" pitchFamily="18" charset="0"/>
-                                  <a:cs typeface="Times New Roman" panose="02020603050405020304" pitchFamily="18" charset="0"/>
-                                </a:rPr>
-                              </m:ctrlPr>
-                            </m:sSubPr>
-                            <m:e>
-                              <m:r>
-                                <a:rPr lang="en-US" altLang="zh-CN" sz="2800" b="1" i="1" smtClean="0">
-                                  <a:ln>
-                                    <a:noFill/>
-                                  </a:ln>
-                                  <a:solidFill>
-                                    <a:schemeClr val="accent2">
-                                      <a:lumMod val="75000"/>
-                                    </a:schemeClr>
-                                  </a:solidFill>
-                                  <a:latin typeface="Cambria Math" panose="02040503050406030204" pitchFamily="18" charset="0"/>
-                                  <a:cs typeface="Times New Roman" panose="02020603050405020304" pitchFamily="18" charset="0"/>
-                                </a:rPr>
-                                <m:t>𝒗</m:t>
-                              </m:r>
-                            </m:e>
-                            <m:sub>
-                              <m:r>
-                                <a:rPr lang="en-US" altLang="zh-CN" sz="2800" b="1" i="1" smtClean="0">
-                                  <a:ln>
-                                    <a:noFill/>
-                                  </a:ln>
-                                  <a:solidFill>
-                                    <a:schemeClr val="accent2">
-                                      <a:lumMod val="75000"/>
-                                    </a:schemeClr>
-                                  </a:solidFill>
-                                  <a:latin typeface="Cambria Math" panose="02040503050406030204" pitchFamily="18" charset="0"/>
-                                  <a:cs typeface="Times New Roman" panose="02020603050405020304" pitchFamily="18" charset="0"/>
-                                </a:rPr>
-                                <m:t>𝟒</m:t>
-                              </m:r>
-                            </m:sub>
-                          </m:sSub>
-                        </m:oMath>
-                      </m:oMathPara>
-                    </a14:m>
-                    <a:endParaRPr lang="zh-CN" altLang="en-US" sz="2800" b="1" i="1" dirty="0">
-                      <a:ln>
-                        <a:noFill/>
-                      </a:ln>
-                      <a:solidFill>
-                        <a:schemeClr val="accent2">
-                          <a:lumMod val="75000"/>
-                        </a:schemeClr>
-                      </a:solidFill>
-                      <a:latin typeface="Cambria Math" panose="02040503050406030204" pitchFamily="18" charset="0"/>
-                      <a:cs typeface="Times New Roman" panose="02020603050405020304" pitchFamily="18" charset="0"/>
-                    </a:endParaRPr>
-                  </a:p>
-                </p:txBody>
-              </p:sp>
-            </mc:Choice>
-            <mc:Fallback xmlns="">
-              <p:sp>
-                <p:nvSpPr>
-                  <p:cNvPr id="33" name="文本框 32">
-                    <a:extLst>
-                      <a:ext uri="{FF2B5EF4-FFF2-40B4-BE49-F238E27FC236}">
-                        <a16:creationId xmlns:a16="http://schemas.microsoft.com/office/drawing/2014/main" id="{03A44032-9095-45DE-8350-7D54A1882888}"/>
-                      </a:ext>
-                    </a:extLst>
-                  </p:cNvPr>
-                  <p:cNvSpPr txBox="1">
-                    <a:spLocks noRot="1" noChangeAspect="1" noMove="1" noResize="1" noEditPoints="1" noAdjustHandles="1" noChangeArrowheads="1" noChangeShapeType="1" noTextEdit="1"/>
-                  </p:cNvSpPr>
-                  <p:nvPr/>
-                </p:nvSpPr>
-                <p:spPr>
-                  <a:xfrm>
-                    <a:off x="7237556" y="593885"/>
-                    <a:ext cx="558970" cy="523220"/>
-                  </a:xfrm>
-                  <a:prstGeom prst="rect">
-                    <a:avLst/>
-                  </a:prstGeom>
-                  <a:blipFill>
-                    <a:blip r:embed="rId10"/>
-                    <a:stretch>
-                      <a:fillRect/>
-                    </a:stretch>
-                  </a:blipFill>
-                  <a:ln>
-                    <a:noFill/>
-                  </a:ln>
-                </p:spPr>
-                <p:txBody>
-                  <a:bodyPr/>
-                  <a:lstStyle/>
-                  <a:p>
-                    <a:r>
-                      <a:rPr lang="zh-CN" altLang="en-US">
-                        <a:noFill/>
-                      </a:rPr>
-                      <a:t> </a:t>
-                    </a:r>
-                  </a:p>
-                </p:txBody>
-              </p:sp>
-            </mc:Fallback>
-          </mc:AlternateContent>
-          <mc:AlternateContent xmlns:mc="http://schemas.openxmlformats.org/markup-compatibility/2006" xmlns:a14="http://schemas.microsoft.com/office/drawing/2010/main">
-            <mc:Choice Requires="a14">
-              <p:sp>
-                <p:nvSpPr>
-                  <p:cNvPr id="34" name="文本框 33">
-                    <a:extLst>
-                      <a:ext uri="{FF2B5EF4-FFF2-40B4-BE49-F238E27FC236}">
-                        <a16:creationId xmlns:a16="http://schemas.microsoft.com/office/drawing/2014/main" id="{519A74F7-81BA-4E3E-8D12-EB78F0064ECD}"/>
-                      </a:ext>
-                    </a:extLst>
-                  </p:cNvPr>
-                  <p:cNvSpPr txBox="1"/>
-                  <p:nvPr/>
-                </p:nvSpPr>
-                <p:spPr>
-                  <a:xfrm>
-                    <a:off x="7192472" y="2455285"/>
-                    <a:ext cx="558970" cy="523220"/>
-                  </a:xfrm>
-                  <a:prstGeom prst="rect">
-                    <a:avLst/>
-                  </a:prstGeom>
+                </a:ln>
+              </p:spPr>
+              <p:txBody>
+                <a:bodyPr wrap="square" rtlCol="0">
+                  <a:spAutoFit/>
+                </a:bodyPr>
+                <a:lstStyle/>
+                <a:p>
+                  <a:pPr/>
+                  <a14:m>
+                    <m:oMathPara xmlns:m="http://schemas.openxmlformats.org/officeDocument/2006/math">
+                      <m:oMathParaPr>
+                        <m:jc m:val="centerGroup"/>
+                      </m:oMathParaPr>
+                      <m:oMath xmlns:m="http://schemas.openxmlformats.org/officeDocument/2006/math">
+                        <m:sSub>
+                          <m:sSubPr>
+                            <m:ctrlPr>
+                              <a:rPr lang="en-US" altLang="zh-CN" sz="2400" b="1" i="1" dirty="0" smtClean="0">
+                                <a:ln>
+                                  <a:noFill/>
+                                </a:ln>
+                                <a:solidFill>
+                                  <a:schemeClr val="accent2">
+                                    <a:lumMod val="75000"/>
+                                  </a:schemeClr>
+                                </a:solidFill>
+                                <a:latin typeface="Cambria Math" panose="02040503050406030204" pitchFamily="18" charset="0"/>
+                                <a:cs typeface="Times New Roman" panose="02020603050405020304" pitchFamily="18" charset="0"/>
+                              </a:rPr>
+                            </m:ctrlPr>
+                          </m:sSubPr>
+                          <m:e>
+                            <m:r>
+                              <a:rPr lang="en-US" altLang="zh-CN" sz="2400" b="1" i="1" dirty="0">
+                                <a:ln>
+                                  <a:noFill/>
+                                </a:ln>
+                                <a:solidFill>
+                                  <a:schemeClr val="accent2">
+                                    <a:lumMod val="75000"/>
+                                  </a:schemeClr>
+                                </a:solidFill>
+                                <a:latin typeface="Cambria Math" panose="02040503050406030204" pitchFamily="18" charset="0"/>
+                                <a:cs typeface="Times New Roman" panose="02020603050405020304" pitchFamily="18" charset="0"/>
+                              </a:rPr>
+                              <m:t>𝒗</m:t>
+                            </m:r>
+                          </m:e>
+                          <m:sub>
+                            <m:r>
+                              <a:rPr lang="en-US" altLang="zh-CN" sz="2400" b="1" i="1" dirty="0" smtClean="0">
+                                <a:ln>
+                                  <a:noFill/>
+                                </a:ln>
+                                <a:solidFill>
+                                  <a:schemeClr val="accent2">
+                                    <a:lumMod val="75000"/>
+                                  </a:schemeClr>
+                                </a:solidFill>
+                                <a:latin typeface="Cambria Math" panose="02040503050406030204" pitchFamily="18" charset="0"/>
+                                <a:cs typeface="Times New Roman" panose="02020603050405020304" pitchFamily="18" charset="0"/>
+                              </a:rPr>
+                              <m:t>𝟐</m:t>
+                            </m:r>
+                          </m:sub>
+                        </m:sSub>
+                      </m:oMath>
+                    </m:oMathPara>
+                  </a14:m>
+                  <a:endParaRPr lang="zh-CN" altLang="en-US" sz="2400" b="1" i="1" dirty="0">
+                    <a:ln>
+                      <a:noFill/>
+                    </a:ln>
+                    <a:solidFill>
+                      <a:schemeClr val="accent2">
+                        <a:lumMod val="75000"/>
+                      </a:schemeClr>
+                    </a:solidFill>
+                    <a:latin typeface="Cambria Math" panose="02040503050406030204" pitchFamily="18" charset="0"/>
+                    <a:cs typeface="Times New Roman" panose="02020603050405020304" pitchFamily="18" charset="0"/>
+                  </a:endParaRPr>
+                </a:p>
+              </p:txBody>
+            </p:sp>
+          </mc:Choice>
+          <mc:Fallback xmlns="">
+            <p:sp>
+              <p:nvSpPr>
+                <p:cNvPr id="66" name="文本框 65">
+                  <a:extLst>
+                    <a:ext uri="{FF2B5EF4-FFF2-40B4-BE49-F238E27FC236}">
+                      <a16:creationId xmlns:a16="http://schemas.microsoft.com/office/drawing/2014/main" id="{CCE99ED2-9BE4-4926-BF2A-5BF52C46FB10}"/>
+                    </a:ext>
+                  </a:extLst>
+                </p:cNvPr>
+                <p:cNvSpPr txBox="1">
+                  <a:spLocks noRot="1" noChangeAspect="1" noMove="1" noResize="1" noEditPoints="1" noAdjustHandles="1" noChangeArrowheads="1" noChangeShapeType="1" noTextEdit="1"/>
+                </p:cNvSpPr>
+                <p:nvPr/>
+              </p:nvSpPr>
+              <p:spPr>
+                <a:xfrm>
+                  <a:off x="8265949" y="4956585"/>
+                  <a:ext cx="558970" cy="461665"/>
+                </a:xfrm>
+                <a:prstGeom prst="rect">
+                  <a:avLst/>
+                </a:prstGeom>
+                <a:blipFill>
+                  <a:blip r:embed="rId15"/>
+                  <a:stretch>
+                    <a:fillRect b="-5263"/>
+                  </a:stretch>
+                </a:blipFill>
+                <a:ln>
                   <a:noFill/>
-                  <a:ln>
-                    <a:noFill/>
-                  </a:ln>
-                </p:spPr>
-                <p:txBody>
-                  <a:bodyPr wrap="square" rtlCol="0">
-                    <a:spAutoFit/>
-                  </a:bodyPr>
-                  <a:lstStyle/>
-                  <a:p>
-                    <a:pPr/>
-                    <a14:m>
-                      <m:oMathPara xmlns:m="http://schemas.openxmlformats.org/officeDocument/2006/math">
-                        <m:oMathParaPr>
-                          <m:jc m:val="centerGroup"/>
-                        </m:oMathParaPr>
-                        <m:oMath xmlns:m="http://schemas.openxmlformats.org/officeDocument/2006/math">
-                          <m:sSub>
-                            <m:sSubPr>
-                              <m:ctrlPr>
-                                <a:rPr lang="en-US" altLang="zh-CN" sz="2800" b="1" i="1" dirty="0" smtClean="0">
-                                  <a:ln>
-                                    <a:noFill/>
-                                  </a:ln>
-                                  <a:solidFill>
-                                    <a:schemeClr val="accent2">
-                                      <a:lumMod val="75000"/>
-                                    </a:schemeClr>
-                                  </a:solidFill>
-                                  <a:latin typeface="Cambria Math" panose="02040503050406030204" pitchFamily="18" charset="0"/>
-                                  <a:cs typeface="Times New Roman" panose="02020603050405020304" pitchFamily="18" charset="0"/>
-                                </a:rPr>
-                              </m:ctrlPr>
-                            </m:sSubPr>
-                            <m:e>
-                              <m:r>
-                                <a:rPr lang="en-US" altLang="zh-CN" sz="2800" b="1" i="1" dirty="0">
-                                  <a:ln>
-                                    <a:noFill/>
-                                  </a:ln>
-                                  <a:solidFill>
-                                    <a:schemeClr val="accent2">
-                                      <a:lumMod val="75000"/>
-                                    </a:schemeClr>
-                                  </a:solidFill>
-                                  <a:latin typeface="Cambria Math" panose="02040503050406030204" pitchFamily="18" charset="0"/>
-                                  <a:cs typeface="Times New Roman" panose="02020603050405020304" pitchFamily="18" charset="0"/>
-                                </a:rPr>
-                                <m:t>𝒗</m:t>
-                              </m:r>
-                            </m:e>
-                            <m:sub>
-                              <m:r>
-                                <a:rPr lang="en-US" altLang="zh-CN" sz="2800" b="1" i="1" dirty="0" smtClean="0">
-                                  <a:ln>
-                                    <a:noFill/>
-                                  </a:ln>
-                                  <a:solidFill>
-                                    <a:schemeClr val="accent2">
-                                      <a:lumMod val="75000"/>
-                                    </a:schemeClr>
-                                  </a:solidFill>
-                                  <a:latin typeface="Cambria Math" panose="02040503050406030204" pitchFamily="18" charset="0"/>
-                                  <a:cs typeface="Times New Roman" panose="02020603050405020304" pitchFamily="18" charset="0"/>
-                                </a:rPr>
-                                <m:t>𝟑</m:t>
-                              </m:r>
-                            </m:sub>
-                          </m:sSub>
-                        </m:oMath>
-                      </m:oMathPara>
-                    </a14:m>
-                    <a:endParaRPr lang="zh-CN" altLang="en-US" sz="2800" b="1" i="1" dirty="0">
-                      <a:ln>
-                        <a:noFill/>
-                      </a:ln>
-                      <a:solidFill>
-                        <a:schemeClr val="accent2">
-                          <a:lumMod val="75000"/>
-                        </a:schemeClr>
-                      </a:solidFill>
-                      <a:latin typeface="Cambria Math" panose="02040503050406030204" pitchFamily="18" charset="0"/>
-                      <a:cs typeface="Times New Roman" panose="02020603050405020304" pitchFamily="18" charset="0"/>
-                    </a:endParaRPr>
-                  </a:p>
-                </p:txBody>
-              </p:sp>
-            </mc:Choice>
-            <mc:Fallback xmlns="">
-              <p:sp>
-                <p:nvSpPr>
-                  <p:cNvPr id="34" name="文本框 33">
-                    <a:extLst>
-                      <a:ext uri="{FF2B5EF4-FFF2-40B4-BE49-F238E27FC236}">
-                        <a16:creationId xmlns:a16="http://schemas.microsoft.com/office/drawing/2014/main" id="{519A74F7-81BA-4E3E-8D12-EB78F0064ECD}"/>
-                      </a:ext>
-                    </a:extLst>
-                  </p:cNvPr>
-                  <p:cNvSpPr txBox="1">
-                    <a:spLocks noRot="1" noChangeAspect="1" noMove="1" noResize="1" noEditPoints="1" noAdjustHandles="1" noChangeArrowheads="1" noChangeShapeType="1" noTextEdit="1"/>
-                  </p:cNvSpPr>
-                  <p:nvPr/>
-                </p:nvSpPr>
-                <p:spPr>
-                  <a:xfrm>
-                    <a:off x="7192472" y="2455285"/>
-                    <a:ext cx="558970" cy="523220"/>
-                  </a:xfrm>
-                  <a:prstGeom prst="rect">
-                    <a:avLst/>
-                  </a:prstGeom>
-                  <a:blipFill>
-                    <a:blip r:embed="rId11"/>
-                    <a:stretch>
-                      <a:fillRect/>
-                    </a:stretch>
-                  </a:blipFill>
-                  <a:ln>
-                    <a:noFill/>
-                  </a:ln>
-                </p:spPr>
-                <p:txBody>
-                  <a:bodyPr/>
-                  <a:lstStyle/>
-                  <a:p>
-                    <a:r>
-                      <a:rPr lang="zh-CN" altLang="en-US">
-                        <a:noFill/>
-                      </a:rPr>
-                      <a:t> </a:t>
-                    </a:r>
-                  </a:p>
-                </p:txBody>
-              </p:sp>
-            </mc:Fallback>
-          </mc:AlternateContent>
-          <p:cxnSp>
-            <p:nvCxnSpPr>
-              <p:cNvPr id="35" name="直接箭头连接符 34">
-                <a:extLst>
-                  <a:ext uri="{FF2B5EF4-FFF2-40B4-BE49-F238E27FC236}">
-                    <a16:creationId xmlns:a16="http://schemas.microsoft.com/office/drawing/2014/main" id="{ACB3D952-BFA6-4057-9961-F1CCE07A55B7}"/>
-                  </a:ext>
-                </a:extLst>
-              </p:cNvPr>
-              <p:cNvCxnSpPr>
-                <a:cxnSpLocks/>
-              </p:cNvCxnSpPr>
-              <p:nvPr/>
-            </p:nvCxnSpPr>
-            <p:spPr>
-              <a:xfrm flipV="1">
-                <a:off x="4385556" y="2077295"/>
-                <a:ext cx="0" cy="1487428"/>
-              </a:xfrm>
-              <a:prstGeom prst="straightConnector1">
-                <a:avLst/>
-              </a:prstGeom>
-              <a:ln w="57150">
+                </a:ln>
+              </p:spPr>
+              <p:txBody>
+                <a:bodyPr/>
+                <a:lstStyle/>
+                <a:p>
+                  <a:r>
+                    <a:rPr lang="zh-CN" altLang="en-US">
+                      <a:noFill/>
+                    </a:rPr>
+                    <a:t> </a:t>
+                  </a:r>
+                </a:p>
+              </p:txBody>
+            </p:sp>
+          </mc:Fallback>
+        </mc:AlternateContent>
+        <mc:AlternateContent xmlns:mc="http://schemas.openxmlformats.org/markup-compatibility/2006" xmlns:a14="http://schemas.microsoft.com/office/drawing/2010/main">
+          <mc:Choice Requires="a14">
+            <p:sp>
+              <p:nvSpPr>
+                <p:cNvPr id="67" name="文本框 66">
+                  <a:extLst>
+                    <a:ext uri="{FF2B5EF4-FFF2-40B4-BE49-F238E27FC236}">
+                      <a16:creationId xmlns:a16="http://schemas.microsoft.com/office/drawing/2014/main" id="{B32A694F-FA7A-4CD6-9DD8-A8E9EF359FE7}"/>
+                    </a:ext>
+                  </a:extLst>
+                </p:cNvPr>
+                <p:cNvSpPr txBox="1"/>
+                <p:nvPr/>
+              </p:nvSpPr>
+              <p:spPr>
+                <a:xfrm>
+                  <a:off x="8230140" y="3604859"/>
+                  <a:ext cx="558970" cy="461665"/>
+                </a:xfrm>
+                <a:prstGeom prst="rect">
+                  <a:avLst/>
+                </a:prstGeom>
+                <a:noFill/>
+                <a:ln>
+                  <a:noFill/>
+                </a:ln>
+              </p:spPr>
+              <p:txBody>
+                <a:bodyPr wrap="square" rtlCol="0">
+                  <a:spAutoFit/>
+                </a:bodyPr>
+                <a:lstStyle/>
+                <a:p>
+                  <a:pPr/>
+                  <a14:m>
+                    <m:oMathPara xmlns:m="http://schemas.openxmlformats.org/officeDocument/2006/math">
+                      <m:oMathParaPr>
+                        <m:jc m:val="centerGroup"/>
+                      </m:oMathParaPr>
+                      <m:oMath xmlns:m="http://schemas.openxmlformats.org/officeDocument/2006/math">
+                        <m:sSub>
+                          <m:sSubPr>
+                            <m:ctrlPr>
+                              <a:rPr lang="en-US" altLang="zh-CN" sz="2400" b="1" i="1" dirty="0" smtClean="0">
+                                <a:ln>
+                                  <a:noFill/>
+                                </a:ln>
+                                <a:solidFill>
+                                  <a:schemeClr val="accent2">
+                                    <a:lumMod val="75000"/>
+                                  </a:schemeClr>
+                                </a:solidFill>
+                                <a:latin typeface="Cambria Math" panose="02040503050406030204" pitchFamily="18" charset="0"/>
+                                <a:cs typeface="Times New Roman" panose="02020603050405020304" pitchFamily="18" charset="0"/>
+                              </a:rPr>
+                            </m:ctrlPr>
+                          </m:sSubPr>
+                          <m:e>
+                            <m:r>
+                              <a:rPr lang="en-US" altLang="zh-CN" sz="2400" b="1" i="1" dirty="0">
+                                <a:ln>
+                                  <a:noFill/>
+                                </a:ln>
+                                <a:solidFill>
+                                  <a:schemeClr val="accent2">
+                                    <a:lumMod val="75000"/>
+                                  </a:schemeClr>
+                                </a:solidFill>
+                                <a:latin typeface="Cambria Math" panose="02040503050406030204" pitchFamily="18" charset="0"/>
+                                <a:cs typeface="Times New Roman" panose="02020603050405020304" pitchFamily="18" charset="0"/>
+                              </a:rPr>
+                              <m:t>𝒗</m:t>
+                            </m:r>
+                          </m:e>
+                          <m:sub>
+                            <m:r>
+                              <a:rPr lang="en-US" altLang="zh-CN" sz="2400" b="1" i="1" dirty="0" smtClean="0">
+                                <a:ln>
+                                  <a:noFill/>
+                                </a:ln>
+                                <a:solidFill>
+                                  <a:schemeClr val="accent2">
+                                    <a:lumMod val="75000"/>
+                                  </a:schemeClr>
+                                </a:solidFill>
+                                <a:latin typeface="Cambria Math" panose="02040503050406030204" pitchFamily="18" charset="0"/>
+                                <a:cs typeface="Times New Roman" panose="02020603050405020304" pitchFamily="18" charset="0"/>
+                              </a:rPr>
+                              <m:t>𝟑</m:t>
+                            </m:r>
+                          </m:sub>
+                        </m:sSub>
+                      </m:oMath>
+                    </m:oMathPara>
+                  </a14:m>
+                  <a:endParaRPr lang="zh-CN" altLang="en-US" sz="2400" b="1" i="1" dirty="0">
+                    <a:ln>
+                      <a:noFill/>
+                    </a:ln>
+                    <a:solidFill>
+                      <a:schemeClr val="accent2">
+                        <a:lumMod val="75000"/>
+                      </a:schemeClr>
+                    </a:solidFill>
+                    <a:latin typeface="Cambria Math" panose="02040503050406030204" pitchFamily="18" charset="0"/>
+                    <a:cs typeface="Times New Roman" panose="02020603050405020304" pitchFamily="18" charset="0"/>
+                  </a:endParaRPr>
+                </a:p>
+              </p:txBody>
+            </p:sp>
+          </mc:Choice>
+          <mc:Fallback xmlns="">
+            <p:sp>
+              <p:nvSpPr>
+                <p:cNvPr id="67" name="文本框 66">
+                  <a:extLst>
+                    <a:ext uri="{FF2B5EF4-FFF2-40B4-BE49-F238E27FC236}">
+                      <a16:creationId xmlns:a16="http://schemas.microsoft.com/office/drawing/2014/main" id="{B32A694F-FA7A-4CD6-9DD8-A8E9EF359FE7}"/>
+                    </a:ext>
+                  </a:extLst>
+                </p:cNvPr>
+                <p:cNvSpPr txBox="1">
+                  <a:spLocks noRot="1" noChangeAspect="1" noMove="1" noResize="1" noEditPoints="1" noAdjustHandles="1" noChangeArrowheads="1" noChangeShapeType="1" noTextEdit="1"/>
+                </p:cNvSpPr>
+                <p:nvPr/>
+              </p:nvSpPr>
+              <p:spPr>
+                <a:xfrm>
+                  <a:off x="8230140" y="3604859"/>
+                  <a:ext cx="558970" cy="461665"/>
+                </a:xfrm>
+                <a:prstGeom prst="rect">
+                  <a:avLst/>
+                </a:prstGeom>
+                <a:blipFill>
+                  <a:blip r:embed="rId16"/>
+                  <a:stretch>
+                    <a:fillRect b="-5263"/>
+                  </a:stretch>
+                </a:blipFill>
+                <a:ln>
+                  <a:noFill/>
+                </a:ln>
+              </p:spPr>
+              <p:txBody>
+                <a:bodyPr/>
+                <a:lstStyle/>
+                <a:p>
+                  <a:r>
+                    <a:rPr lang="zh-CN" altLang="en-US">
+                      <a:noFill/>
+                    </a:rPr>
+                    <a:t> </a:t>
+                  </a:r>
+                </a:p>
+              </p:txBody>
+            </p:sp>
+          </mc:Fallback>
+        </mc:AlternateContent>
+        <p:sp>
+          <p:nvSpPr>
+            <p:cNvPr id="69" name="文本框 68">
+              <a:extLst>
+                <a:ext uri="{FF2B5EF4-FFF2-40B4-BE49-F238E27FC236}">
+                  <a16:creationId xmlns:a16="http://schemas.microsoft.com/office/drawing/2014/main" id="{F7F2D177-E869-480A-9617-167017B0598D}"/>
+                </a:ext>
+              </a:extLst>
+            </p:cNvPr>
+            <p:cNvSpPr txBox="1"/>
+            <p:nvPr/>
+          </p:nvSpPr>
+          <p:spPr>
+            <a:xfrm>
+              <a:off x="8145405" y="4503769"/>
+              <a:ext cx="369077" cy="461665"/>
+            </a:xfrm>
+            <a:prstGeom prst="rect">
+              <a:avLst/>
+            </a:prstGeom>
+            <a:noFill/>
+          </p:spPr>
+          <p:txBody>
+            <a:bodyPr wrap="square" rtlCol="0">
+              <a:spAutoFit/>
+            </a:bodyPr>
+            <a:lstStyle/>
+            <a:p>
+              <a:endParaRPr lang="zh-CN" altLang="en-US" sz="2400" b="1" i="1" dirty="0">
                 <a:solidFill>
-                  <a:schemeClr val="accent2">
-                    <a:lumMod val="75000"/>
+                  <a:schemeClr val="bg1">
+                    <a:lumMod val="50000"/>
                   </a:schemeClr>
                 </a:solidFill>
-                <a:tailEnd type="stealth" w="lg" len="lg"/>
-              </a:ln>
-            </p:spPr>
-            <p:style>
-              <a:lnRef idx="1">
-                <a:schemeClr val="accent1"/>
-              </a:lnRef>
-              <a:fillRef idx="0">
-                <a:schemeClr val="accent1"/>
-              </a:fillRef>
-              <a:effectRef idx="0">
-                <a:schemeClr val="accent1"/>
-              </a:effectRef>
-              <a:fontRef idx="minor">
+                <a:latin typeface="Times New Roman" panose="02020603050405020304" pitchFamily="18" charset="0"/>
+                <a:cs typeface="Times New Roman" panose="02020603050405020304" pitchFamily="18" charset="0"/>
+              </a:endParaRPr>
+            </a:p>
+          </p:txBody>
+        </p:sp>
+        <p:cxnSp>
+          <p:nvCxnSpPr>
+            <p:cNvPr id="62" name="直接箭头连接符 61">
+              <a:extLst>
+                <a:ext uri="{FF2B5EF4-FFF2-40B4-BE49-F238E27FC236}">
+                  <a16:creationId xmlns:a16="http://schemas.microsoft.com/office/drawing/2014/main" id="{41EDB858-8BFE-425B-B2FF-229E128450E4}"/>
+                </a:ext>
+              </a:extLst>
+            </p:cNvPr>
+            <p:cNvCxnSpPr>
+              <a:cxnSpLocks/>
+            </p:cNvCxnSpPr>
+            <p:nvPr/>
+          </p:nvCxnSpPr>
+          <p:spPr>
+            <a:xfrm flipV="1">
+              <a:off x="8225258" y="340362"/>
+              <a:ext cx="9498" cy="723171"/>
+            </a:xfrm>
+            <a:prstGeom prst="straightConnector1">
+              <a:avLst/>
+            </a:prstGeom>
+            <a:ln w="57150">
+              <a:solidFill>
+                <a:schemeClr val="accent2">
+                  <a:lumMod val="75000"/>
+                </a:schemeClr>
+              </a:solidFill>
+              <a:tailEnd type="stealth" w="lg" len="lg"/>
+            </a:ln>
+          </p:spPr>
+          <p:style>
+            <a:lnRef idx="1">
+              <a:schemeClr val="accent1"/>
+            </a:lnRef>
+            <a:fillRef idx="0">
+              <a:schemeClr val="accent1"/>
+            </a:fillRef>
+            <a:effectRef idx="0">
+              <a:schemeClr val="accent1"/>
+            </a:effectRef>
+            <a:fontRef idx="minor">
+              <a:schemeClr val="tx1"/>
+            </a:fontRef>
+          </p:style>
+        </p:cxnSp>
+        <p:cxnSp>
+          <p:nvCxnSpPr>
+            <p:cNvPr id="64" name="直接箭头连接符 63">
+              <a:extLst>
+                <a:ext uri="{FF2B5EF4-FFF2-40B4-BE49-F238E27FC236}">
+                  <a16:creationId xmlns:a16="http://schemas.microsoft.com/office/drawing/2014/main" id="{843DAB79-E779-43EE-843B-27B7816FA3F2}"/>
+                </a:ext>
+              </a:extLst>
+            </p:cNvPr>
+            <p:cNvCxnSpPr>
+              <a:cxnSpLocks/>
+            </p:cNvCxnSpPr>
+            <p:nvPr/>
+          </p:nvCxnSpPr>
+          <p:spPr>
+            <a:xfrm flipV="1">
+              <a:off x="8213119" y="1726519"/>
+              <a:ext cx="0" cy="659197"/>
+            </a:xfrm>
+            <a:prstGeom prst="straightConnector1">
+              <a:avLst/>
+            </a:prstGeom>
+            <a:ln w="57150">
+              <a:solidFill>
+                <a:schemeClr val="accent2">
+                  <a:lumMod val="75000"/>
+                </a:schemeClr>
+              </a:solidFill>
+              <a:tailEnd type="stealth" w="lg" len="lg"/>
+            </a:ln>
+          </p:spPr>
+          <p:style>
+            <a:lnRef idx="1">
+              <a:schemeClr val="accent1"/>
+            </a:lnRef>
+            <a:fillRef idx="0">
+              <a:schemeClr val="accent1"/>
+            </a:fillRef>
+            <a:effectRef idx="0">
+              <a:schemeClr val="accent1"/>
+            </a:effectRef>
+            <a:fontRef idx="minor">
+              <a:schemeClr val="tx1"/>
+            </a:fontRef>
+          </p:style>
+        </p:cxnSp>
+        <mc:AlternateContent xmlns:mc="http://schemas.openxmlformats.org/markup-compatibility/2006" xmlns:a14="http://schemas.microsoft.com/office/drawing/2010/main">
+          <mc:Choice Requires="a14">
+            <p:sp>
+              <p:nvSpPr>
+                <p:cNvPr id="70" name="文本框 69">
+                  <a:extLst>
+                    <a:ext uri="{FF2B5EF4-FFF2-40B4-BE49-F238E27FC236}">
+                      <a16:creationId xmlns:a16="http://schemas.microsoft.com/office/drawing/2014/main" id="{9F7732A9-6732-4012-87C6-A26C53548AA9}"/>
+                    </a:ext>
+                  </a:extLst>
+                </p:cNvPr>
+                <p:cNvSpPr txBox="1"/>
+                <p:nvPr/>
+              </p:nvSpPr>
+              <p:spPr>
+                <a:xfrm>
+                  <a:off x="6236544" y="550980"/>
+                  <a:ext cx="296815" cy="461665"/>
+                </a:xfrm>
+                <a:prstGeom prst="rect">
+                  <a:avLst/>
+                </a:prstGeom>
+                <a:noFill/>
+                <a:ln>
+                  <a:noFill/>
+                </a:ln>
+              </p:spPr>
+              <p:txBody>
+                <a:bodyPr wrap="square" rtlCol="0">
+                  <a:spAutoFit/>
+                </a:bodyPr>
+                <a:lstStyle/>
+                <a:p>
+                  <a:pPr/>
+                  <a14:m>
+                    <m:oMathPara xmlns:m="http://schemas.openxmlformats.org/officeDocument/2006/math">
+                      <m:oMathParaPr>
+                        <m:jc m:val="centerGroup"/>
+                      </m:oMathParaPr>
+                      <m:oMath xmlns:m="http://schemas.openxmlformats.org/officeDocument/2006/math">
+                        <m:sSub>
+                          <m:sSubPr>
+                            <m:ctrlPr>
+                              <a:rPr lang="en-US" altLang="zh-CN" sz="2400" b="1" i="1" dirty="0" smtClean="0">
+                                <a:ln>
+                                  <a:noFill/>
+                                </a:ln>
+                                <a:solidFill>
+                                  <a:schemeClr val="accent2">
+                                    <a:lumMod val="75000"/>
+                                  </a:schemeClr>
+                                </a:solidFill>
+                                <a:latin typeface="Cambria Math" panose="02040503050406030204" pitchFamily="18" charset="0"/>
+                                <a:cs typeface="Times New Roman" panose="02020603050405020304" pitchFamily="18" charset="0"/>
+                              </a:rPr>
+                            </m:ctrlPr>
+                          </m:sSubPr>
+                          <m:e>
+                            <m:r>
+                              <a:rPr lang="en-US" altLang="zh-CN" sz="2400" b="1" i="1" dirty="0">
+                                <a:ln>
+                                  <a:noFill/>
+                                </a:ln>
+                                <a:solidFill>
+                                  <a:schemeClr val="accent2">
+                                    <a:lumMod val="75000"/>
+                                  </a:schemeClr>
+                                </a:solidFill>
+                                <a:latin typeface="Cambria Math" panose="02040503050406030204" pitchFamily="18" charset="0"/>
+                                <a:cs typeface="Times New Roman" panose="02020603050405020304" pitchFamily="18" charset="0"/>
+                              </a:rPr>
+                              <m:t>𝒗</m:t>
+                            </m:r>
+                          </m:e>
+                          <m:sub>
+                            <m:r>
+                              <a:rPr lang="en-US" altLang="zh-CN" sz="2400" b="1" i="1" dirty="0" smtClean="0">
+                                <a:ln>
+                                  <a:noFill/>
+                                </a:ln>
+                                <a:solidFill>
+                                  <a:schemeClr val="accent2">
+                                    <a:lumMod val="75000"/>
+                                  </a:schemeClr>
+                                </a:solidFill>
+                                <a:latin typeface="Cambria Math" panose="02040503050406030204" pitchFamily="18" charset="0"/>
+                                <a:cs typeface="Times New Roman" panose="02020603050405020304" pitchFamily="18" charset="0"/>
+                              </a:rPr>
+                              <m:t>𝟏</m:t>
+                            </m:r>
+                          </m:sub>
+                        </m:sSub>
+                      </m:oMath>
+                    </m:oMathPara>
+                  </a14:m>
+                  <a:endParaRPr lang="zh-CN" altLang="en-US" sz="2400" b="1" i="1" dirty="0">
+                    <a:ln>
+                      <a:noFill/>
+                    </a:ln>
+                    <a:solidFill>
+                      <a:schemeClr val="accent2">
+                        <a:lumMod val="75000"/>
+                      </a:schemeClr>
+                    </a:solidFill>
+                    <a:latin typeface="Cambria Math" panose="02040503050406030204" pitchFamily="18" charset="0"/>
+                    <a:cs typeface="Times New Roman" panose="02020603050405020304" pitchFamily="18" charset="0"/>
+                  </a:endParaRPr>
+                </a:p>
+              </p:txBody>
+            </p:sp>
+          </mc:Choice>
+          <mc:Fallback xmlns="">
+            <p:sp>
+              <p:nvSpPr>
+                <p:cNvPr id="70" name="文本框 69">
+                  <a:extLst>
+                    <a:ext uri="{FF2B5EF4-FFF2-40B4-BE49-F238E27FC236}">
+                      <a16:creationId xmlns:a16="http://schemas.microsoft.com/office/drawing/2014/main" id="{9F7732A9-6732-4012-87C6-A26C53548AA9}"/>
+                    </a:ext>
+                  </a:extLst>
+                </p:cNvPr>
+                <p:cNvSpPr txBox="1">
+                  <a:spLocks noRot="1" noChangeAspect="1" noMove="1" noResize="1" noEditPoints="1" noAdjustHandles="1" noChangeArrowheads="1" noChangeShapeType="1" noTextEdit="1"/>
+                </p:cNvSpPr>
+                <p:nvPr/>
+              </p:nvSpPr>
+              <p:spPr>
+                <a:xfrm>
+                  <a:off x="6236544" y="550980"/>
+                  <a:ext cx="296815" cy="461665"/>
+                </a:xfrm>
+                <a:prstGeom prst="rect">
+                  <a:avLst/>
+                </a:prstGeom>
+                <a:blipFill>
+                  <a:blip r:embed="rId17"/>
+                  <a:stretch>
+                    <a:fillRect r="-63265" b="-5263"/>
+                  </a:stretch>
+                </a:blipFill>
+                <a:ln>
+                  <a:noFill/>
+                </a:ln>
+              </p:spPr>
+              <p:txBody>
+                <a:bodyPr/>
+                <a:lstStyle/>
+                <a:p>
+                  <a:r>
+                    <a:rPr lang="zh-CN" altLang="en-US">
+                      <a:noFill/>
+                    </a:rPr>
+                    <a:t> </a:t>
+                  </a:r>
+                </a:p>
+              </p:txBody>
+            </p:sp>
+          </mc:Fallback>
+        </mc:AlternateContent>
+        <mc:AlternateContent xmlns:mc="http://schemas.openxmlformats.org/markup-compatibility/2006" xmlns:a14="http://schemas.microsoft.com/office/drawing/2010/main">
+          <mc:Choice Requires="a14">
+            <p:sp>
+              <p:nvSpPr>
+                <p:cNvPr id="71" name="文本框 70">
+                  <a:extLst>
+                    <a:ext uri="{FF2B5EF4-FFF2-40B4-BE49-F238E27FC236}">
+                      <a16:creationId xmlns:a16="http://schemas.microsoft.com/office/drawing/2014/main" id="{79E19ECA-B99A-4DF9-A11E-076B4FBD4234}"/>
+                    </a:ext>
+                  </a:extLst>
+                </p:cNvPr>
+                <p:cNvSpPr txBox="1"/>
+                <p:nvPr/>
+              </p:nvSpPr>
+              <p:spPr>
+                <a:xfrm>
+                  <a:off x="6205817" y="1726524"/>
+                  <a:ext cx="296815" cy="461665"/>
+                </a:xfrm>
+                <a:prstGeom prst="rect">
+                  <a:avLst/>
+                </a:prstGeom>
+                <a:noFill/>
+                <a:ln>
+                  <a:noFill/>
+                </a:ln>
+              </p:spPr>
+              <p:txBody>
+                <a:bodyPr wrap="square" rtlCol="0">
+                  <a:spAutoFit/>
+                </a:bodyPr>
+                <a:lstStyle/>
+                <a:p>
+                  <a:pPr/>
+                  <a14:m>
+                    <m:oMathPara xmlns:m="http://schemas.openxmlformats.org/officeDocument/2006/math">
+                      <m:oMathParaPr>
+                        <m:jc m:val="centerGroup"/>
+                      </m:oMathParaPr>
+                      <m:oMath xmlns:m="http://schemas.openxmlformats.org/officeDocument/2006/math">
+                        <m:sSub>
+                          <m:sSubPr>
+                            <m:ctrlPr>
+                              <a:rPr lang="en-US" altLang="zh-CN" sz="2400" b="1" i="1" dirty="0" smtClean="0">
+                                <a:ln>
+                                  <a:noFill/>
+                                </a:ln>
+                                <a:solidFill>
+                                  <a:schemeClr val="accent2">
+                                    <a:lumMod val="75000"/>
+                                  </a:schemeClr>
+                                </a:solidFill>
+                                <a:latin typeface="Cambria Math" panose="02040503050406030204" pitchFamily="18" charset="0"/>
+                                <a:cs typeface="Times New Roman" panose="02020603050405020304" pitchFamily="18" charset="0"/>
+                              </a:rPr>
+                            </m:ctrlPr>
+                          </m:sSubPr>
+                          <m:e>
+                            <m:r>
+                              <a:rPr lang="en-US" altLang="zh-CN" sz="2400" b="1" i="1" dirty="0">
+                                <a:ln>
+                                  <a:noFill/>
+                                </a:ln>
+                                <a:solidFill>
+                                  <a:schemeClr val="accent2">
+                                    <a:lumMod val="75000"/>
+                                  </a:schemeClr>
+                                </a:solidFill>
+                                <a:latin typeface="Cambria Math" panose="02040503050406030204" pitchFamily="18" charset="0"/>
+                                <a:cs typeface="Times New Roman" panose="02020603050405020304" pitchFamily="18" charset="0"/>
+                              </a:rPr>
+                              <m:t>𝒗</m:t>
+                            </m:r>
+                          </m:e>
+                          <m:sub>
+                            <m:r>
+                              <a:rPr lang="en-US" altLang="zh-CN" sz="2400" b="1" i="1" dirty="0" smtClean="0">
+                                <a:ln>
+                                  <a:noFill/>
+                                </a:ln>
+                                <a:solidFill>
+                                  <a:schemeClr val="accent2">
+                                    <a:lumMod val="75000"/>
+                                  </a:schemeClr>
+                                </a:solidFill>
+                                <a:latin typeface="Cambria Math" panose="02040503050406030204" pitchFamily="18" charset="0"/>
+                                <a:cs typeface="Times New Roman" panose="02020603050405020304" pitchFamily="18" charset="0"/>
+                              </a:rPr>
+                              <m:t>𝟐</m:t>
+                            </m:r>
+                          </m:sub>
+                        </m:sSub>
+                      </m:oMath>
+                    </m:oMathPara>
+                  </a14:m>
+                  <a:endParaRPr lang="zh-CN" altLang="en-US" sz="2400" b="1" i="1" dirty="0">
+                    <a:ln>
+                      <a:noFill/>
+                    </a:ln>
+                    <a:solidFill>
+                      <a:schemeClr val="accent2">
+                        <a:lumMod val="75000"/>
+                      </a:schemeClr>
+                    </a:solidFill>
+                    <a:latin typeface="Cambria Math" panose="02040503050406030204" pitchFamily="18" charset="0"/>
+                    <a:cs typeface="Times New Roman" panose="02020603050405020304" pitchFamily="18" charset="0"/>
+                  </a:endParaRPr>
+                </a:p>
+              </p:txBody>
+            </p:sp>
+          </mc:Choice>
+          <mc:Fallback xmlns="">
+            <p:sp>
+              <p:nvSpPr>
+                <p:cNvPr id="71" name="文本框 70">
+                  <a:extLst>
+                    <a:ext uri="{FF2B5EF4-FFF2-40B4-BE49-F238E27FC236}">
+                      <a16:creationId xmlns:a16="http://schemas.microsoft.com/office/drawing/2014/main" id="{79E19ECA-B99A-4DF9-A11E-076B4FBD4234}"/>
+                    </a:ext>
+                  </a:extLst>
+                </p:cNvPr>
+                <p:cNvSpPr txBox="1">
+                  <a:spLocks noRot="1" noChangeAspect="1" noMove="1" noResize="1" noEditPoints="1" noAdjustHandles="1" noChangeArrowheads="1" noChangeShapeType="1" noTextEdit="1"/>
+                </p:cNvSpPr>
+                <p:nvPr/>
+              </p:nvSpPr>
+              <p:spPr>
+                <a:xfrm>
+                  <a:off x="6205817" y="1726524"/>
+                  <a:ext cx="296815" cy="461665"/>
+                </a:xfrm>
+                <a:prstGeom prst="rect">
+                  <a:avLst/>
+                </a:prstGeom>
+                <a:blipFill>
+                  <a:blip r:embed="rId18"/>
+                  <a:stretch>
+                    <a:fillRect r="-63265" b="-5263"/>
+                  </a:stretch>
+                </a:blipFill>
+                <a:ln>
+                  <a:noFill/>
+                </a:ln>
+              </p:spPr>
+              <p:txBody>
+                <a:bodyPr/>
+                <a:lstStyle/>
+                <a:p>
+                  <a:r>
+                    <a:rPr lang="zh-CN" altLang="en-US">
+                      <a:noFill/>
+                    </a:rPr>
+                    <a:t> </a:t>
+                  </a:r>
+                </a:p>
+              </p:txBody>
+            </p:sp>
+          </mc:Fallback>
+        </mc:AlternateContent>
+        <mc:AlternateContent xmlns:mc="http://schemas.openxmlformats.org/markup-compatibility/2006" xmlns:a14="http://schemas.microsoft.com/office/drawing/2010/main">
+          <mc:Choice Requires="a14">
+            <p:sp>
+              <p:nvSpPr>
+                <p:cNvPr id="73" name="文本框 72">
+                  <a:extLst>
+                    <a:ext uri="{FF2B5EF4-FFF2-40B4-BE49-F238E27FC236}">
+                      <a16:creationId xmlns:a16="http://schemas.microsoft.com/office/drawing/2014/main" id="{BBE7206A-E2F7-41A0-8461-DEAFE5C38C6E}"/>
+                    </a:ext>
+                  </a:extLst>
+                </p:cNvPr>
+                <p:cNvSpPr txBox="1"/>
+                <p:nvPr/>
+              </p:nvSpPr>
+              <p:spPr>
+                <a:xfrm>
+                  <a:off x="8271640" y="472632"/>
+                  <a:ext cx="267474" cy="461665"/>
+                </a:xfrm>
+                <a:prstGeom prst="rect">
+                  <a:avLst/>
+                </a:prstGeom>
+                <a:noFill/>
+                <a:ln>
+                  <a:noFill/>
+                </a:ln>
+              </p:spPr>
+              <p:txBody>
+                <a:bodyPr wrap="square" rtlCol="0">
+                  <a:spAutoFit/>
+                </a:bodyPr>
+                <a:lstStyle/>
+                <a:p>
+                  <a:pPr/>
+                  <a14:m>
+                    <m:oMathPara xmlns:m="http://schemas.openxmlformats.org/officeDocument/2006/math">
+                      <m:oMathParaPr>
+                        <m:jc m:val="centerGroup"/>
+                      </m:oMathParaPr>
+                      <m:oMath xmlns:m="http://schemas.openxmlformats.org/officeDocument/2006/math">
+                        <m:sSub>
+                          <m:sSubPr>
+                            <m:ctrlPr>
+                              <a:rPr lang="en-US" altLang="zh-CN" sz="2400" b="1" i="1" smtClean="0">
+                                <a:ln>
+                                  <a:noFill/>
+                                </a:ln>
+                                <a:solidFill>
+                                  <a:schemeClr val="accent2">
+                                    <a:lumMod val="75000"/>
+                                  </a:schemeClr>
+                                </a:solidFill>
+                                <a:latin typeface="Cambria Math" panose="02040503050406030204" pitchFamily="18" charset="0"/>
+                                <a:cs typeface="Times New Roman" panose="02020603050405020304" pitchFamily="18" charset="0"/>
+                              </a:rPr>
+                            </m:ctrlPr>
+                          </m:sSubPr>
+                          <m:e>
+                            <m:r>
+                              <a:rPr lang="en-US" altLang="zh-CN" sz="2400" b="1" i="1" smtClean="0">
+                                <a:ln>
+                                  <a:noFill/>
+                                </a:ln>
+                                <a:solidFill>
+                                  <a:schemeClr val="accent2">
+                                    <a:lumMod val="75000"/>
+                                  </a:schemeClr>
+                                </a:solidFill>
+                                <a:latin typeface="Cambria Math" panose="02040503050406030204" pitchFamily="18" charset="0"/>
+                                <a:cs typeface="Times New Roman" panose="02020603050405020304" pitchFamily="18" charset="0"/>
+                              </a:rPr>
+                              <m:t>𝒗</m:t>
+                            </m:r>
+                          </m:e>
+                          <m:sub>
+                            <m:r>
+                              <a:rPr lang="en-US" altLang="zh-CN" sz="2400" b="1" i="1" smtClean="0">
+                                <a:ln>
+                                  <a:noFill/>
+                                </a:ln>
+                                <a:solidFill>
+                                  <a:schemeClr val="accent2">
+                                    <a:lumMod val="75000"/>
+                                  </a:schemeClr>
+                                </a:solidFill>
+                                <a:latin typeface="Cambria Math" panose="02040503050406030204" pitchFamily="18" charset="0"/>
+                                <a:cs typeface="Times New Roman" panose="02020603050405020304" pitchFamily="18" charset="0"/>
+                              </a:rPr>
+                              <m:t>𝟒</m:t>
+                            </m:r>
+                          </m:sub>
+                        </m:sSub>
+                      </m:oMath>
+                    </m:oMathPara>
+                  </a14:m>
+                  <a:endParaRPr lang="zh-CN" altLang="en-US" sz="2400" b="1" i="1" dirty="0">
+                    <a:ln>
+                      <a:noFill/>
+                    </a:ln>
+                    <a:solidFill>
+                      <a:schemeClr val="accent2">
+                        <a:lumMod val="75000"/>
+                      </a:schemeClr>
+                    </a:solidFill>
+                    <a:latin typeface="Cambria Math" panose="02040503050406030204" pitchFamily="18" charset="0"/>
+                    <a:cs typeface="Times New Roman" panose="02020603050405020304" pitchFamily="18" charset="0"/>
+                  </a:endParaRPr>
+                </a:p>
+              </p:txBody>
+            </p:sp>
+          </mc:Choice>
+          <mc:Fallback xmlns="">
+            <p:sp>
+              <p:nvSpPr>
+                <p:cNvPr id="73" name="文本框 72">
+                  <a:extLst>
+                    <a:ext uri="{FF2B5EF4-FFF2-40B4-BE49-F238E27FC236}">
+                      <a16:creationId xmlns:a16="http://schemas.microsoft.com/office/drawing/2014/main" id="{BBE7206A-E2F7-41A0-8461-DEAFE5C38C6E}"/>
+                    </a:ext>
+                  </a:extLst>
+                </p:cNvPr>
+                <p:cNvSpPr txBox="1">
+                  <a:spLocks noRot="1" noChangeAspect="1" noMove="1" noResize="1" noEditPoints="1" noAdjustHandles="1" noChangeArrowheads="1" noChangeShapeType="1" noTextEdit="1"/>
+                </p:cNvSpPr>
+                <p:nvPr/>
+              </p:nvSpPr>
+              <p:spPr>
+                <a:xfrm>
+                  <a:off x="8271640" y="472632"/>
+                  <a:ext cx="267474" cy="461665"/>
+                </a:xfrm>
+                <a:prstGeom prst="rect">
+                  <a:avLst/>
+                </a:prstGeom>
+                <a:blipFill>
+                  <a:blip r:embed="rId19"/>
+                  <a:stretch>
+                    <a:fillRect r="-81818" b="-5333"/>
+                  </a:stretch>
+                </a:blipFill>
+                <a:ln>
+                  <a:noFill/>
+                </a:ln>
+              </p:spPr>
+              <p:txBody>
+                <a:bodyPr/>
+                <a:lstStyle/>
+                <a:p>
+                  <a:r>
+                    <a:rPr lang="zh-CN" altLang="en-US">
+                      <a:noFill/>
+                    </a:rPr>
+                    <a:t> </a:t>
+                  </a:r>
+                </a:p>
+              </p:txBody>
+            </p:sp>
+          </mc:Fallback>
+        </mc:AlternateContent>
+        <mc:AlternateContent xmlns:mc="http://schemas.openxmlformats.org/markup-compatibility/2006" xmlns:a14="http://schemas.microsoft.com/office/drawing/2010/main">
+          <mc:Choice Requires="a14">
+            <p:sp>
+              <p:nvSpPr>
+                <p:cNvPr id="74" name="文本框 73">
+                  <a:extLst>
+                    <a:ext uri="{FF2B5EF4-FFF2-40B4-BE49-F238E27FC236}">
+                      <a16:creationId xmlns:a16="http://schemas.microsoft.com/office/drawing/2014/main" id="{57A2A449-5E8F-4A06-A475-B51A305DA84C}"/>
+                    </a:ext>
+                  </a:extLst>
+                </p:cNvPr>
+                <p:cNvSpPr txBox="1"/>
+                <p:nvPr/>
+              </p:nvSpPr>
+              <p:spPr>
+                <a:xfrm>
+                  <a:off x="8248619" y="1709882"/>
+                  <a:ext cx="296815" cy="461665"/>
+                </a:xfrm>
+                <a:prstGeom prst="rect">
+                  <a:avLst/>
+                </a:prstGeom>
+                <a:noFill/>
+                <a:ln>
+                  <a:noFill/>
+                </a:ln>
+              </p:spPr>
+              <p:txBody>
+                <a:bodyPr wrap="square" rtlCol="0">
+                  <a:spAutoFit/>
+                </a:bodyPr>
+                <a:lstStyle/>
+                <a:p>
+                  <a:pPr/>
+                  <a14:m>
+                    <m:oMathPara xmlns:m="http://schemas.openxmlformats.org/officeDocument/2006/math">
+                      <m:oMathParaPr>
+                        <m:jc m:val="centerGroup"/>
+                      </m:oMathParaPr>
+                      <m:oMath xmlns:m="http://schemas.openxmlformats.org/officeDocument/2006/math">
+                        <m:sSub>
+                          <m:sSubPr>
+                            <m:ctrlPr>
+                              <a:rPr lang="en-US" altLang="zh-CN" sz="2400" b="1" i="1" dirty="0" smtClean="0">
+                                <a:ln>
+                                  <a:noFill/>
+                                </a:ln>
+                                <a:solidFill>
+                                  <a:schemeClr val="accent2">
+                                    <a:lumMod val="75000"/>
+                                  </a:schemeClr>
+                                </a:solidFill>
+                                <a:latin typeface="Cambria Math" panose="02040503050406030204" pitchFamily="18" charset="0"/>
+                                <a:cs typeface="Times New Roman" panose="02020603050405020304" pitchFamily="18" charset="0"/>
+                              </a:rPr>
+                            </m:ctrlPr>
+                          </m:sSubPr>
+                          <m:e>
+                            <m:r>
+                              <a:rPr lang="en-US" altLang="zh-CN" sz="2400" b="1" i="1" dirty="0">
+                                <a:ln>
+                                  <a:noFill/>
+                                </a:ln>
+                                <a:solidFill>
+                                  <a:schemeClr val="accent2">
+                                    <a:lumMod val="75000"/>
+                                  </a:schemeClr>
+                                </a:solidFill>
+                                <a:latin typeface="Cambria Math" panose="02040503050406030204" pitchFamily="18" charset="0"/>
+                                <a:cs typeface="Times New Roman" panose="02020603050405020304" pitchFamily="18" charset="0"/>
+                              </a:rPr>
+                              <m:t>𝒗</m:t>
+                            </m:r>
+                          </m:e>
+                          <m:sub>
+                            <m:r>
+                              <a:rPr lang="en-US" altLang="zh-CN" sz="2400" b="1" i="1" dirty="0" smtClean="0">
+                                <a:ln>
+                                  <a:noFill/>
+                                </a:ln>
+                                <a:solidFill>
+                                  <a:schemeClr val="accent2">
+                                    <a:lumMod val="75000"/>
+                                  </a:schemeClr>
+                                </a:solidFill>
+                                <a:latin typeface="Cambria Math" panose="02040503050406030204" pitchFamily="18" charset="0"/>
+                                <a:cs typeface="Times New Roman" panose="02020603050405020304" pitchFamily="18" charset="0"/>
+                              </a:rPr>
+                              <m:t>𝟑</m:t>
+                            </m:r>
+                          </m:sub>
+                        </m:sSub>
+                      </m:oMath>
+                    </m:oMathPara>
+                  </a14:m>
+                  <a:endParaRPr lang="zh-CN" altLang="en-US" sz="2400" b="1" i="1" dirty="0">
+                    <a:ln>
+                      <a:noFill/>
+                    </a:ln>
+                    <a:solidFill>
+                      <a:schemeClr val="accent2">
+                        <a:lumMod val="75000"/>
+                      </a:schemeClr>
+                    </a:solidFill>
+                    <a:latin typeface="Cambria Math" panose="02040503050406030204" pitchFamily="18" charset="0"/>
+                    <a:cs typeface="Times New Roman" panose="02020603050405020304" pitchFamily="18" charset="0"/>
+                  </a:endParaRPr>
+                </a:p>
+              </p:txBody>
+            </p:sp>
+          </mc:Choice>
+          <mc:Fallback xmlns="">
+            <p:sp>
+              <p:nvSpPr>
+                <p:cNvPr id="74" name="文本框 73">
+                  <a:extLst>
+                    <a:ext uri="{FF2B5EF4-FFF2-40B4-BE49-F238E27FC236}">
+                      <a16:creationId xmlns:a16="http://schemas.microsoft.com/office/drawing/2014/main" id="{57A2A449-5E8F-4A06-A475-B51A305DA84C}"/>
+                    </a:ext>
+                  </a:extLst>
+                </p:cNvPr>
+                <p:cNvSpPr txBox="1">
+                  <a:spLocks noRot="1" noChangeAspect="1" noMove="1" noResize="1" noEditPoints="1" noAdjustHandles="1" noChangeArrowheads="1" noChangeShapeType="1" noTextEdit="1"/>
+                </p:cNvSpPr>
+                <p:nvPr/>
+              </p:nvSpPr>
+              <p:spPr>
+                <a:xfrm>
+                  <a:off x="8248619" y="1709882"/>
+                  <a:ext cx="296815" cy="461665"/>
+                </a:xfrm>
+                <a:prstGeom prst="rect">
+                  <a:avLst/>
+                </a:prstGeom>
+                <a:blipFill>
+                  <a:blip r:embed="rId20"/>
+                  <a:stretch>
+                    <a:fillRect r="-63265" b="-5263"/>
+                  </a:stretch>
+                </a:blipFill>
+                <a:ln>
+                  <a:noFill/>
+                </a:ln>
+              </p:spPr>
+              <p:txBody>
+                <a:bodyPr/>
+                <a:lstStyle/>
+                <a:p>
+                  <a:r>
+                    <a:rPr lang="zh-CN" altLang="en-US">
+                      <a:noFill/>
+                    </a:rPr>
+                    <a:t> </a:t>
+                  </a:r>
+                </a:p>
+              </p:txBody>
+            </p:sp>
+          </mc:Fallback>
+        </mc:AlternateContent>
+        <p:cxnSp>
+          <p:nvCxnSpPr>
+            <p:cNvPr id="75" name="直接箭头连接符 74">
+              <a:extLst>
+                <a:ext uri="{FF2B5EF4-FFF2-40B4-BE49-F238E27FC236}">
+                  <a16:creationId xmlns:a16="http://schemas.microsoft.com/office/drawing/2014/main" id="{684A298E-56A8-4806-81E8-1332FF8303E9}"/>
+                </a:ext>
+              </a:extLst>
+            </p:cNvPr>
+            <p:cNvCxnSpPr>
+              <a:cxnSpLocks/>
+            </p:cNvCxnSpPr>
+            <p:nvPr/>
+          </p:nvCxnSpPr>
+          <p:spPr>
+            <a:xfrm flipV="1">
+              <a:off x="6796324" y="1704334"/>
+              <a:ext cx="0" cy="688368"/>
+            </a:xfrm>
+            <a:prstGeom prst="straightConnector1">
+              <a:avLst/>
+            </a:prstGeom>
+            <a:ln w="57150">
+              <a:solidFill>
+                <a:schemeClr val="accent2">
+                  <a:lumMod val="75000"/>
+                </a:schemeClr>
+              </a:solidFill>
+              <a:tailEnd type="stealth" w="lg" len="lg"/>
+            </a:ln>
+          </p:spPr>
+          <p:style>
+            <a:lnRef idx="1">
+              <a:schemeClr val="accent1"/>
+            </a:lnRef>
+            <a:fillRef idx="0">
+              <a:schemeClr val="accent1"/>
+            </a:fillRef>
+            <a:effectRef idx="0">
+              <a:schemeClr val="accent1"/>
+            </a:effectRef>
+            <a:fontRef idx="minor">
+              <a:schemeClr val="tx1"/>
+            </a:fontRef>
+          </p:style>
+        </p:cxnSp>
+        <p:cxnSp>
+          <p:nvCxnSpPr>
+            <p:cNvPr id="76" name="直接箭头连接符 75">
+              <a:extLst>
+                <a:ext uri="{FF2B5EF4-FFF2-40B4-BE49-F238E27FC236}">
+                  <a16:creationId xmlns:a16="http://schemas.microsoft.com/office/drawing/2014/main" id="{A3AAB52F-0B7D-4058-80A8-68E9E46FBEC7}"/>
+                </a:ext>
+              </a:extLst>
+            </p:cNvPr>
+            <p:cNvCxnSpPr>
+              <a:cxnSpLocks/>
+            </p:cNvCxnSpPr>
+            <p:nvPr/>
+          </p:nvCxnSpPr>
+          <p:spPr>
+            <a:xfrm flipV="1">
+              <a:off x="6811179" y="340362"/>
+              <a:ext cx="0" cy="728340"/>
+            </a:xfrm>
+            <a:prstGeom prst="straightConnector1">
+              <a:avLst/>
+            </a:prstGeom>
+            <a:ln w="57150">
+              <a:solidFill>
+                <a:schemeClr val="accent2">
+                  <a:lumMod val="75000"/>
+                </a:schemeClr>
+              </a:solidFill>
+              <a:tailEnd type="stealth" w="lg" len="lg"/>
+            </a:ln>
+          </p:spPr>
+          <p:style>
+            <a:lnRef idx="1">
+              <a:schemeClr val="accent1"/>
+            </a:lnRef>
+            <a:fillRef idx="0">
+              <a:schemeClr val="accent1"/>
+            </a:fillRef>
+            <a:effectRef idx="0">
+              <a:schemeClr val="accent1"/>
+            </a:effectRef>
+            <a:fontRef idx="minor">
+              <a:schemeClr val="tx1"/>
+            </a:fontRef>
+          </p:style>
+        </p:cxnSp>
+        <p:cxnSp>
+          <p:nvCxnSpPr>
+            <p:cNvPr id="78" name="直接箭头连接符 77">
+              <a:extLst>
+                <a:ext uri="{FF2B5EF4-FFF2-40B4-BE49-F238E27FC236}">
+                  <a16:creationId xmlns:a16="http://schemas.microsoft.com/office/drawing/2014/main" id="{C838631D-A28B-4C03-A8E3-7A4DE4DB8455}"/>
+                </a:ext>
+              </a:extLst>
+            </p:cNvPr>
+            <p:cNvCxnSpPr>
+              <a:cxnSpLocks/>
+            </p:cNvCxnSpPr>
+            <p:nvPr/>
+          </p:nvCxnSpPr>
+          <p:spPr>
+            <a:xfrm flipV="1">
+              <a:off x="6811179" y="734242"/>
+              <a:ext cx="351545" cy="334461"/>
+            </a:xfrm>
+            <a:prstGeom prst="straightConnector1">
+              <a:avLst/>
+            </a:prstGeom>
+            <a:ln w="44450">
+              <a:solidFill>
                 <a:schemeClr val="tx1"/>
-              </a:fontRef>
-            </p:style>
-          </p:cxnSp>
-          <p:cxnSp>
-            <p:nvCxnSpPr>
-              <p:cNvPr id="36" name="直接箭头连接符 35">
-                <a:extLst>
-                  <a:ext uri="{FF2B5EF4-FFF2-40B4-BE49-F238E27FC236}">
-                    <a16:creationId xmlns:a16="http://schemas.microsoft.com/office/drawing/2014/main" id="{829288A9-70E3-4490-B938-43DA0EE8DCBD}"/>
-                  </a:ext>
-                </a:extLst>
-              </p:cNvPr>
-              <p:cNvCxnSpPr>
-                <a:cxnSpLocks/>
-              </p:cNvCxnSpPr>
-              <p:nvPr/>
-            </p:nvCxnSpPr>
-            <p:spPr>
-              <a:xfrm flipH="1" flipV="1">
-                <a:off x="4373928" y="479868"/>
-                <a:ext cx="6321" cy="1455792"/>
-              </a:xfrm>
-              <a:prstGeom prst="straightConnector1">
-                <a:avLst/>
-              </a:prstGeom>
-              <a:ln w="57150">
-                <a:solidFill>
-                  <a:schemeClr val="accent2">
-                    <a:lumMod val="75000"/>
-                  </a:schemeClr>
-                </a:solidFill>
-                <a:tailEnd type="stealth" w="lg" len="lg"/>
-              </a:ln>
-            </p:spPr>
-            <p:style>
-              <a:lnRef idx="1">
-                <a:schemeClr val="accent1"/>
-              </a:lnRef>
-              <a:fillRef idx="0">
-                <a:schemeClr val="accent1"/>
-              </a:fillRef>
-              <a:effectRef idx="0">
-                <a:schemeClr val="accent1"/>
-              </a:effectRef>
-              <a:fontRef idx="minor">
-                <a:schemeClr val="tx1"/>
-              </a:fontRef>
-            </p:style>
-          </p:cxnSp>
-          <p:cxnSp>
-            <p:nvCxnSpPr>
-              <p:cNvPr id="37" name="直接连接符 36">
-                <a:extLst>
-                  <a:ext uri="{FF2B5EF4-FFF2-40B4-BE49-F238E27FC236}">
-                    <a16:creationId xmlns:a16="http://schemas.microsoft.com/office/drawing/2014/main" id="{D750C07C-3700-4B7E-9C53-CB25C9AA2AB0}"/>
-                  </a:ext>
-                </a:extLst>
-              </p:cNvPr>
-              <p:cNvCxnSpPr>
-                <a:cxnSpLocks/>
-              </p:cNvCxnSpPr>
-              <p:nvPr/>
-            </p:nvCxnSpPr>
-            <p:spPr>
-              <a:xfrm>
-                <a:off x="4377879" y="495940"/>
-                <a:ext cx="720528" cy="642945"/>
-              </a:xfrm>
-              <a:prstGeom prst="line">
-                <a:avLst/>
-              </a:prstGeom>
-              <a:ln w="19050">
-                <a:prstDash val="sysDash"/>
-              </a:ln>
-            </p:spPr>
-            <p:style>
-              <a:lnRef idx="1">
-                <a:schemeClr val="accent3"/>
-              </a:lnRef>
-              <a:fillRef idx="0">
-                <a:schemeClr val="accent3"/>
-              </a:fillRef>
-              <a:effectRef idx="0">
-                <a:schemeClr val="accent3"/>
-              </a:effectRef>
-              <a:fontRef idx="minor">
-                <a:schemeClr val="tx1"/>
-              </a:fontRef>
-            </p:style>
-          </p:cxnSp>
-          <p:cxnSp>
-            <p:nvCxnSpPr>
-              <p:cNvPr id="38" name="直接连接符 37">
-                <a:extLst>
-                  <a:ext uri="{FF2B5EF4-FFF2-40B4-BE49-F238E27FC236}">
-                    <a16:creationId xmlns:a16="http://schemas.microsoft.com/office/drawing/2014/main" id="{102A01D3-A179-4CD7-B754-FBD2D926832F}"/>
-                  </a:ext>
-                </a:extLst>
-              </p:cNvPr>
-              <p:cNvCxnSpPr>
-                <a:cxnSpLocks/>
-              </p:cNvCxnSpPr>
-              <p:nvPr/>
-            </p:nvCxnSpPr>
-            <p:spPr>
-              <a:xfrm>
-                <a:off x="7192472" y="2108155"/>
-                <a:ext cx="720528" cy="642945"/>
-              </a:xfrm>
-              <a:prstGeom prst="line">
-                <a:avLst/>
-              </a:prstGeom>
-              <a:ln w="19050">
-                <a:prstDash val="sysDash"/>
-              </a:ln>
-            </p:spPr>
-            <p:style>
-              <a:lnRef idx="1">
-                <a:schemeClr val="accent3"/>
-              </a:lnRef>
-              <a:fillRef idx="0">
-                <a:schemeClr val="accent3"/>
-              </a:fillRef>
-              <a:effectRef idx="0">
-                <a:schemeClr val="accent3"/>
-              </a:effectRef>
-              <a:fontRef idx="minor">
-                <a:schemeClr val="tx1"/>
-              </a:fontRef>
-            </p:style>
-          </p:cxnSp>
-          <p:cxnSp>
-            <p:nvCxnSpPr>
-              <p:cNvPr id="39" name="直接连接符 38">
-                <a:extLst>
-                  <a:ext uri="{FF2B5EF4-FFF2-40B4-BE49-F238E27FC236}">
-                    <a16:creationId xmlns:a16="http://schemas.microsoft.com/office/drawing/2014/main" id="{2864A982-0BF8-476C-B785-2C97CA107999}"/>
-                  </a:ext>
-                </a:extLst>
-              </p:cNvPr>
-              <p:cNvCxnSpPr>
-                <a:cxnSpLocks/>
-              </p:cNvCxnSpPr>
-              <p:nvPr/>
-            </p:nvCxnSpPr>
-            <p:spPr>
-              <a:xfrm flipH="1">
-                <a:off x="6435759" y="494859"/>
-                <a:ext cx="698975" cy="660960"/>
-              </a:xfrm>
-              <a:prstGeom prst="line">
-                <a:avLst/>
-              </a:prstGeom>
-              <a:ln w="19050">
-                <a:prstDash val="sysDash"/>
-              </a:ln>
-            </p:spPr>
-            <p:style>
-              <a:lnRef idx="1">
-                <a:schemeClr val="accent3"/>
-              </a:lnRef>
-              <a:fillRef idx="0">
-                <a:schemeClr val="accent3"/>
-              </a:fillRef>
-              <a:effectRef idx="0">
-                <a:schemeClr val="accent3"/>
-              </a:effectRef>
-              <a:fontRef idx="minor">
-                <a:schemeClr val="tx1"/>
-              </a:fontRef>
-            </p:style>
-          </p:cxnSp>
-          <p:cxnSp>
-            <p:nvCxnSpPr>
-              <p:cNvPr id="40" name="直接连接符 39">
-                <a:extLst>
-                  <a:ext uri="{FF2B5EF4-FFF2-40B4-BE49-F238E27FC236}">
-                    <a16:creationId xmlns:a16="http://schemas.microsoft.com/office/drawing/2014/main" id="{0EF0C3B7-929A-4812-80DF-FCC525C35847}"/>
-                  </a:ext>
-                </a:extLst>
-              </p:cNvPr>
-              <p:cNvCxnSpPr>
-                <a:cxnSpLocks/>
-              </p:cNvCxnSpPr>
-              <p:nvPr/>
-            </p:nvCxnSpPr>
-            <p:spPr>
-              <a:xfrm flipH="1">
-                <a:off x="3683809" y="2101201"/>
-                <a:ext cx="698975" cy="660960"/>
-              </a:xfrm>
-              <a:prstGeom prst="line">
-                <a:avLst/>
-              </a:prstGeom>
-              <a:ln w="19050">
-                <a:prstDash val="sysDash"/>
-              </a:ln>
-            </p:spPr>
-            <p:style>
-              <a:lnRef idx="1">
-                <a:schemeClr val="accent3"/>
-              </a:lnRef>
-              <a:fillRef idx="0">
-                <a:schemeClr val="accent3"/>
-              </a:fillRef>
-              <a:effectRef idx="0">
-                <a:schemeClr val="accent3"/>
-              </a:effectRef>
-              <a:fontRef idx="minor">
-                <a:schemeClr val="tx1"/>
-              </a:fontRef>
-            </p:style>
-          </p:cxnSp>
-        </p:grpSp>
+              </a:solidFill>
+              <a:tailEnd type="stealth" w="lg" len="lg"/>
+            </a:ln>
+          </p:spPr>
+          <p:style>
+            <a:lnRef idx="1">
+              <a:schemeClr val="accent1"/>
+            </a:lnRef>
+            <a:fillRef idx="0">
+              <a:schemeClr val="accent1"/>
+            </a:fillRef>
+            <a:effectRef idx="0">
+              <a:schemeClr val="accent1"/>
+            </a:effectRef>
+            <a:fontRef idx="minor">
+              <a:schemeClr val="tx1"/>
+            </a:fontRef>
+          </p:style>
+        </p:cxnSp>
+        <p:cxnSp>
+          <p:nvCxnSpPr>
+            <p:cNvPr id="85" name="直接连接符 84">
+              <a:extLst>
+                <a:ext uri="{FF2B5EF4-FFF2-40B4-BE49-F238E27FC236}">
+                  <a16:creationId xmlns:a16="http://schemas.microsoft.com/office/drawing/2014/main" id="{4497BBAB-A675-4B1B-A8D3-FA35E5CF3CF7}"/>
+                </a:ext>
+              </a:extLst>
+            </p:cNvPr>
+            <p:cNvCxnSpPr>
+              <a:cxnSpLocks/>
+            </p:cNvCxnSpPr>
+            <p:nvPr/>
+          </p:nvCxnSpPr>
+          <p:spPr>
+            <a:xfrm>
+              <a:off x="6804392" y="357962"/>
+              <a:ext cx="351545" cy="361585"/>
+            </a:xfrm>
+            <a:prstGeom prst="line">
+              <a:avLst/>
+            </a:prstGeom>
+            <a:ln>
+              <a:prstDash val="sysDash"/>
+            </a:ln>
+          </p:spPr>
+          <p:style>
+            <a:lnRef idx="1">
+              <a:schemeClr val="dk1"/>
+            </a:lnRef>
+            <a:fillRef idx="0">
+              <a:schemeClr val="dk1"/>
+            </a:fillRef>
+            <a:effectRef idx="0">
+              <a:schemeClr val="dk1"/>
+            </a:effectRef>
+            <a:fontRef idx="minor">
+              <a:schemeClr val="tx1"/>
+            </a:fontRef>
+          </p:style>
+        </p:cxnSp>
+        <mc:AlternateContent xmlns:mc="http://schemas.openxmlformats.org/markup-compatibility/2006" xmlns:a14="http://schemas.microsoft.com/office/drawing/2010/main">
+          <mc:Choice Requires="a14">
+            <p:sp>
+              <p:nvSpPr>
+                <p:cNvPr id="87" name="文本框 86">
+                  <a:extLst>
+                    <a:ext uri="{FF2B5EF4-FFF2-40B4-BE49-F238E27FC236}">
+                      <a16:creationId xmlns:a16="http://schemas.microsoft.com/office/drawing/2014/main" id="{C238190D-A7D3-412C-B479-E8213F4F26B9}"/>
+                    </a:ext>
+                  </a:extLst>
+                </p:cNvPr>
+                <p:cNvSpPr txBox="1"/>
+                <p:nvPr/>
+              </p:nvSpPr>
+              <p:spPr>
+                <a:xfrm>
+                  <a:off x="6932726" y="241799"/>
+                  <a:ext cx="558970" cy="400110"/>
+                </a:xfrm>
+                <a:prstGeom prst="rect">
+                  <a:avLst/>
+                </a:prstGeom>
+                <a:noFill/>
+              </p:spPr>
+              <p:txBody>
+                <a:bodyPr wrap="square" rtlCol="0">
+                  <a:spAutoFit/>
+                </a:bodyPr>
+                <a:lstStyle/>
+                <a:p>
+                  <a:pPr/>
+                  <a14:m>
+                    <m:oMathPara xmlns:m="http://schemas.openxmlformats.org/officeDocument/2006/math">
+                      <m:oMathParaPr>
+                        <m:jc m:val="centerGroup"/>
+                      </m:oMathParaPr>
+                      <m:oMath xmlns:m="http://schemas.openxmlformats.org/officeDocument/2006/math">
+                        <m:sSub>
+                          <m:sSubPr>
+                            <m:ctrlPr>
+                              <a:rPr lang="en-US" altLang="zh-CN" sz="2000" b="1" i="1" dirty="0" smtClean="0">
+                                <a:latin typeface="Cambria Math" panose="02040503050406030204" pitchFamily="18" charset="0"/>
+                                <a:cs typeface="Times New Roman" panose="02020603050405020304" pitchFamily="18" charset="0"/>
+                              </a:rPr>
+                            </m:ctrlPr>
+                          </m:sSubPr>
+                          <m:e>
+                            <m:r>
+                              <a:rPr lang="en-US" altLang="zh-CN" sz="2000" b="1" i="1" dirty="0">
+                                <a:latin typeface="Cambria Math" panose="02040503050406030204" pitchFamily="18" charset="0"/>
+                                <a:cs typeface="Times New Roman" panose="02020603050405020304" pitchFamily="18" charset="0"/>
+                              </a:rPr>
+                              <m:t>𝒗</m:t>
+                            </m:r>
+                          </m:e>
+                          <m:sub>
+                            <m:r>
+                              <a:rPr lang="en-US" altLang="zh-CN" sz="2000" b="1" i="1" dirty="0" smtClean="0">
+                                <a:latin typeface="Cambria Math" panose="02040503050406030204" pitchFamily="18" charset="0"/>
+                                <a:cs typeface="Times New Roman" panose="02020603050405020304" pitchFamily="18" charset="0"/>
+                              </a:rPr>
+                              <m:t>𝒔</m:t>
+                            </m:r>
+                            <m:r>
+                              <a:rPr lang="en-US" altLang="zh-CN" sz="2000" b="1" i="1" dirty="0" smtClean="0">
+                                <a:latin typeface="Cambria Math" panose="02040503050406030204" pitchFamily="18" charset="0"/>
+                                <a:cs typeface="Times New Roman" panose="02020603050405020304" pitchFamily="18" charset="0"/>
+                              </a:rPr>
+                              <m:t>𝟏</m:t>
+                            </m:r>
+                          </m:sub>
+                        </m:sSub>
+                      </m:oMath>
+                    </m:oMathPara>
+                  </a14:m>
+                  <a:endParaRPr lang="zh-CN" altLang="en-US" sz="2000" b="1" i="1" dirty="0">
+                    <a:latin typeface="Cambria Math" panose="02040503050406030204" pitchFamily="18" charset="0"/>
+                    <a:cs typeface="Times New Roman" panose="02020603050405020304" pitchFamily="18" charset="0"/>
+                  </a:endParaRPr>
+                </a:p>
+              </p:txBody>
+            </p:sp>
+          </mc:Choice>
+          <mc:Fallback xmlns="">
+            <p:sp>
+              <p:nvSpPr>
+                <p:cNvPr id="87" name="文本框 86">
+                  <a:extLst>
+                    <a:ext uri="{FF2B5EF4-FFF2-40B4-BE49-F238E27FC236}">
+                      <a16:creationId xmlns:a16="http://schemas.microsoft.com/office/drawing/2014/main" id="{C238190D-A7D3-412C-B479-E8213F4F26B9}"/>
+                    </a:ext>
+                  </a:extLst>
+                </p:cNvPr>
+                <p:cNvSpPr txBox="1">
+                  <a:spLocks noRot="1" noChangeAspect="1" noMove="1" noResize="1" noEditPoints="1" noAdjustHandles="1" noChangeArrowheads="1" noChangeShapeType="1" noTextEdit="1"/>
+                </p:cNvSpPr>
+                <p:nvPr/>
+              </p:nvSpPr>
+              <p:spPr>
+                <a:xfrm>
+                  <a:off x="6932726" y="241799"/>
+                  <a:ext cx="558970" cy="400110"/>
+                </a:xfrm>
+                <a:prstGeom prst="rect">
+                  <a:avLst/>
+                </a:prstGeom>
+                <a:blipFill>
+                  <a:blip r:embed="rId21"/>
+                  <a:stretch>
+                    <a:fillRect b="-4615"/>
+                  </a:stretch>
+                </a:blipFill>
+              </p:spPr>
+              <p:txBody>
+                <a:bodyPr/>
+                <a:lstStyle/>
+                <a:p>
+                  <a:r>
+                    <a:rPr lang="zh-CN" altLang="en-US">
+                      <a:noFill/>
+                    </a:rPr>
+                    <a:t> </a:t>
+                  </a:r>
+                </a:p>
+              </p:txBody>
+            </p:sp>
+          </mc:Fallback>
+        </mc:AlternateContent>
+        <p:cxnSp>
+          <p:nvCxnSpPr>
+            <p:cNvPr id="91" name="直接箭头连接符 90">
+              <a:extLst>
+                <a:ext uri="{FF2B5EF4-FFF2-40B4-BE49-F238E27FC236}">
+                  <a16:creationId xmlns:a16="http://schemas.microsoft.com/office/drawing/2014/main" id="{6BF11025-A6BA-4061-81DB-97054AB55D17}"/>
+                </a:ext>
+              </a:extLst>
+            </p:cNvPr>
+            <p:cNvCxnSpPr>
+              <a:cxnSpLocks/>
+            </p:cNvCxnSpPr>
+            <p:nvPr/>
+          </p:nvCxnSpPr>
+          <p:spPr>
+            <a:xfrm flipH="1">
+              <a:off x="6768360" y="4868629"/>
+              <a:ext cx="847516" cy="4769"/>
+            </a:xfrm>
+            <a:prstGeom prst="straightConnector1">
+              <a:avLst/>
+            </a:prstGeom>
+            <a:ln w="38100">
+              <a:solidFill>
+                <a:srgbClr val="92D050"/>
+              </a:solidFill>
+              <a:prstDash val="sysDash"/>
+              <a:tailEnd type="stealth" w="lg" len="lg"/>
+            </a:ln>
+          </p:spPr>
+          <p:style>
+            <a:lnRef idx="1">
+              <a:schemeClr val="accent6"/>
+            </a:lnRef>
+            <a:fillRef idx="0">
+              <a:schemeClr val="accent6"/>
+            </a:fillRef>
+            <a:effectRef idx="0">
+              <a:schemeClr val="accent6"/>
+            </a:effectRef>
+            <a:fontRef idx="minor">
+              <a:schemeClr val="tx1"/>
+            </a:fontRef>
+          </p:style>
+        </p:cxnSp>
+        <mc:AlternateContent xmlns:mc="http://schemas.openxmlformats.org/markup-compatibility/2006">
+          <mc:Choice xmlns:a14="http://schemas.microsoft.com/office/drawing/2010/main" Requires="a14">
+            <p:sp>
+              <p:nvSpPr>
+                <p:cNvPr id="93" name="文本框 92">
+                  <a:extLst>
+                    <a:ext uri="{FF2B5EF4-FFF2-40B4-BE49-F238E27FC236}">
+                      <a16:creationId xmlns:a16="http://schemas.microsoft.com/office/drawing/2014/main" id="{DE3EA49A-12D6-4640-A428-CA0A93F0E5FE}"/>
+                    </a:ext>
+                  </a:extLst>
+                </p:cNvPr>
+                <p:cNvSpPr txBox="1"/>
+                <p:nvPr/>
+              </p:nvSpPr>
+              <p:spPr>
+                <a:xfrm>
+                  <a:off x="7044702" y="4387098"/>
+                  <a:ext cx="298037" cy="461665"/>
+                </a:xfrm>
+                <a:prstGeom prst="rect">
+                  <a:avLst/>
+                </a:prstGeom>
+                <a:noFill/>
+              </p:spPr>
+              <p:txBody>
+                <a:bodyPr wrap="square" rtlCol="0">
+                  <a:spAutoFit/>
+                </a:bodyPr>
+                <a:lstStyle/>
+                <a:p>
+                  <a:pPr/>
+                  <a14:m>
+                    <m:oMathPara xmlns:m="http://schemas.openxmlformats.org/officeDocument/2006/math">
+                      <m:oMathParaPr>
+                        <m:jc m:val="centerGroup"/>
+                      </m:oMathParaPr>
+                      <m:oMath xmlns:m="http://schemas.openxmlformats.org/officeDocument/2006/math">
+                        <m:r>
+                          <a:rPr lang="en-US" altLang="zh-CN" sz="2400" b="1" i="1" smtClean="0">
+                            <a:solidFill>
+                              <a:srgbClr val="92D050"/>
+                            </a:solidFill>
+                            <a:latin typeface="Cambria Math" panose="02040503050406030204" pitchFamily="18" charset="0"/>
+                            <a:cs typeface="Times New Roman" panose="02020603050405020304" pitchFamily="18" charset="0"/>
+                          </a:rPr>
+                          <m:t>𝒓</m:t>
+                        </m:r>
+                      </m:oMath>
+                    </m:oMathPara>
+                  </a14:m>
+                  <a:endParaRPr lang="zh-CN" altLang="en-US" sz="2400" b="1" i="1" dirty="0">
+                    <a:solidFill>
+                      <a:srgbClr val="92D050"/>
+                    </a:solidFill>
+                    <a:latin typeface="Times New Roman" panose="02020603050405020304" pitchFamily="18" charset="0"/>
+                    <a:cs typeface="Times New Roman" panose="02020603050405020304" pitchFamily="18" charset="0"/>
+                  </a:endParaRPr>
+                </a:p>
+              </p:txBody>
+            </p:sp>
+          </mc:Choice>
+          <mc:Fallback>
+            <p:sp>
+              <p:nvSpPr>
+                <p:cNvPr id="93" name="文本框 92">
+                  <a:extLst>
+                    <a:ext uri="{FF2B5EF4-FFF2-40B4-BE49-F238E27FC236}">
+                      <a16:creationId xmlns:a16="http://schemas.microsoft.com/office/drawing/2014/main" id="{DE3EA49A-12D6-4640-A428-CA0A93F0E5FE}"/>
+                    </a:ext>
+                  </a:extLst>
+                </p:cNvPr>
+                <p:cNvSpPr txBox="1">
+                  <a:spLocks noRot="1" noChangeAspect="1" noMove="1" noResize="1" noEditPoints="1" noAdjustHandles="1" noChangeArrowheads="1" noChangeShapeType="1" noTextEdit="1"/>
+                </p:cNvSpPr>
+                <p:nvPr/>
+              </p:nvSpPr>
+              <p:spPr>
+                <a:xfrm>
+                  <a:off x="7044702" y="4387098"/>
+                  <a:ext cx="298037" cy="461665"/>
+                </a:xfrm>
+                <a:prstGeom prst="rect">
+                  <a:avLst/>
+                </a:prstGeom>
+                <a:blipFill>
+                  <a:blip r:embed="rId22"/>
+                  <a:stretch>
+                    <a:fillRect r="-12245"/>
+                  </a:stretch>
+                </a:blipFill>
+              </p:spPr>
+              <p:txBody>
+                <a:bodyPr/>
+                <a:lstStyle/>
+                <a:p>
+                  <a:r>
+                    <a:rPr lang="zh-CN" altLang="en-US">
+                      <a:noFill/>
+                    </a:rPr>
+                    <a:t> </a:t>
+                  </a:r>
+                </a:p>
+              </p:txBody>
+            </p:sp>
+          </mc:Fallback>
+        </mc:AlternateContent>
       </p:grpSp>
     </p:spTree>
     <p:extLst>
